--- a/ISO_IEC_Document/mpegts/ppt/2018-第四季度季度会报告.pptx
+++ b/ISO_IEC_Document/mpegts/ppt/2018-第四季度季度会报告.pptx
@@ -10,11 +10,13 @@
     <p:sldId id="292" r:id="rId4"/>
     <p:sldId id="273" r:id="rId5"/>
     <p:sldId id="285" r:id="rId6"/>
-    <p:sldId id="289" r:id="rId7"/>
-    <p:sldId id="293" r:id="rId8"/>
-    <p:sldId id="294" r:id="rId9"/>
-    <p:sldId id="295" r:id="rId10"/>
-    <p:sldId id="262" r:id="rId11"/>
+    <p:sldId id="294" r:id="rId7"/>
+    <p:sldId id="296" r:id="rId8"/>
+    <p:sldId id="297" r:id="rId9"/>
+    <p:sldId id="293" r:id="rId10"/>
+    <p:sldId id="289" r:id="rId11"/>
+    <p:sldId id="295" r:id="rId12"/>
+    <p:sldId id="262" r:id="rId13"/>
   </p:sldIdLst>
   <p:sldSz cx="12192000" cy="6858000"/>
   <p:notesSz cx="6858000" cy="9144000"/>
@@ -115,7 +117,7 @@
   </p:defaultTextStyle>
   <p:extLst>
     <p:ext uri="{EFAFB233-063F-42B5-8137-9DF3F51BA10A}">
-      <p15:sldGuideLst xmlns="" xmlns:p15="http://schemas.microsoft.com/office/powerpoint/2012/main">
+      <p15:sldGuideLst xmlns:p15="http://schemas.microsoft.com/office/powerpoint/2012/main">
         <p15:guide id="1" orient="horz" pos="2160">
           <p15:clr>
             <a:srgbClr val="A4A3A4"/>
@@ -352,7 +354,7 @@
           <p:cNvPr id="5" name="图片 4">
             <a:extLst>
               <a:ext uri="{FF2B5EF4-FFF2-40B4-BE49-F238E27FC236}">
-                <a16:creationId xmlns:a16="http://schemas.microsoft.com/office/drawing/2014/main" xmlns="" id="{D8F29E28-3383-EC4B-8CEE-64C78C70C2B5}"/>
+                <a16:creationId xmlns="" xmlns:a16="http://schemas.microsoft.com/office/drawing/2014/main" id="{D8F29E28-3383-EC4B-8CEE-64C78C70C2B5}"/>
               </a:ext>
             </a:extLst>
           </p:cNvPr>
@@ -365,7 +367,7 @@
           <a:blip r:embed="rId3" cstate="print">
             <a:extLst>
               <a:ext uri="{28A0092B-C50C-407E-A947-70E740481C1C}">
-                <a14:useLocalDpi xmlns="" xmlns:a14="http://schemas.microsoft.com/office/drawing/2010/main" val="0"/>
+                <a14:useLocalDpi xmlns:a14="http://schemas.microsoft.com/office/drawing/2010/main" val="0"/>
               </a:ext>
             </a:extLst>
           </a:blip>
@@ -386,7 +388,7 @@
     </p:spTree>
     <p:extLst>
       <p:ext uri="{BB962C8B-B14F-4D97-AF65-F5344CB8AC3E}">
-        <p14:creationId xmlns="" xmlns:p14="http://schemas.microsoft.com/office/powerpoint/2010/main" val="1037576578"/>
+        <p14:creationId xmlns:p14="http://schemas.microsoft.com/office/powerpoint/2010/main" val="1037576578"/>
       </p:ext>
     </p:extLst>
   </p:cSld>
@@ -395,7 +397,7 @@
   </p:clrMapOvr>
   <p:extLst mod="1">
     <p:ext uri="{DCECCB84-F9BA-43D5-87BE-67443E8EF086}">
-      <p15:sldGuideLst xmlns="" xmlns:p15="http://schemas.microsoft.com/office/powerpoint/2012/main">
+      <p15:sldGuideLst xmlns:p15="http://schemas.microsoft.com/office/powerpoint/2012/main">
         <p15:guide id="1" orient="horz" pos="1620">
           <p15:clr>
             <a:srgbClr val="FBAE40"/>
@@ -647,7 +649,7 @@
           <p:cNvPr id="5" name="组合 4">
             <a:extLst>
               <a:ext uri="{FF2B5EF4-FFF2-40B4-BE49-F238E27FC236}">
-                <a16:creationId xmlns:a16="http://schemas.microsoft.com/office/drawing/2014/main" xmlns="" id="{AB313482-0071-1142-AF54-63A6BE03E425}"/>
+                <a16:creationId xmlns="" xmlns:a16="http://schemas.microsoft.com/office/drawing/2014/main" id="{AB313482-0071-1142-AF54-63A6BE03E425}"/>
               </a:ext>
             </a:extLst>
           </p:cNvPr>
@@ -713,7 +715,7 @@
             <p:cNvPr id="6" name="图片 5">
               <a:extLst>
                 <a:ext uri="{FF2B5EF4-FFF2-40B4-BE49-F238E27FC236}">
-                  <a16:creationId xmlns:a16="http://schemas.microsoft.com/office/drawing/2014/main" xmlns="" id="{7C832BA5-0115-4D4E-89B0-C288AC9F0761}"/>
+                  <a16:creationId xmlns="" xmlns:a16="http://schemas.microsoft.com/office/drawing/2014/main" id="{7C832BA5-0115-4D4E-89B0-C288AC9F0761}"/>
                 </a:ext>
               </a:extLst>
             </p:cNvPr>
@@ -726,7 +728,7 @@
             <a:blip r:embed="rId2" cstate="print">
               <a:extLst>
                 <a:ext uri="{28A0092B-C50C-407E-A947-70E740481C1C}">
-                  <a14:useLocalDpi xmlns="" xmlns:a14="http://schemas.microsoft.com/office/drawing/2010/main" val="0"/>
+                  <a14:useLocalDpi xmlns:a14="http://schemas.microsoft.com/office/drawing/2010/main" val="0"/>
                 </a:ext>
               </a:extLst>
             </a:blip>
@@ -750,7 +752,7 @@
           <p:cNvPr id="9" name="矩形 8">
             <a:extLst>
               <a:ext uri="{FF2B5EF4-FFF2-40B4-BE49-F238E27FC236}">
-                <a16:creationId xmlns:a16="http://schemas.microsoft.com/office/drawing/2014/main" xmlns="" id="{77E86F90-C034-AE42-A96C-4017F6EF3D13}"/>
+                <a16:creationId xmlns="" xmlns:a16="http://schemas.microsoft.com/office/drawing/2014/main" id="{77E86F90-C034-AE42-A96C-4017F6EF3D13}"/>
               </a:ext>
             </a:extLst>
           </p:cNvPr>
@@ -805,7 +807,7 @@
     </p:spTree>
     <p:extLst>
       <p:ext uri="{BB962C8B-B14F-4D97-AF65-F5344CB8AC3E}">
-        <p14:creationId xmlns="" xmlns:p14="http://schemas.microsoft.com/office/powerpoint/2010/main" val="3417494209"/>
+        <p14:creationId xmlns:p14="http://schemas.microsoft.com/office/powerpoint/2010/main" val="3417494209"/>
       </p:ext>
     </p:extLst>
   </p:cSld>
@@ -851,7 +853,7 @@
           <p:cNvPr id="5" name="日期占位符 2">
             <a:extLst>
               <a:ext uri="{FF2B5EF4-FFF2-40B4-BE49-F238E27FC236}">
-                <a16:creationId xmlns:a16="http://schemas.microsoft.com/office/drawing/2014/main" xmlns="" id="{37E1FE39-26AF-3A45-906C-07E56C92E547}"/>
+                <a16:creationId xmlns="" xmlns:a16="http://schemas.microsoft.com/office/drawing/2014/main" id="{37E1FE39-26AF-3A45-906C-07E56C92E547}"/>
               </a:ext>
             </a:extLst>
           </p:cNvPr>
@@ -878,7 +880,7 @@
             <a:fld id="{E464397B-F195-431B-A77B-CBC18328D7B0}" type="datetimeFigureOut">
               <a:rPr lang="zh-CN" altLang="en-US" smtClean="0"/>
               <a:pPr/>
-              <a:t>2019/1/20</a:t>
+              <a:t>2019/1/22</a:t>
             </a:fld>
             <a:endParaRPr lang="zh-CN" altLang="en-US"/>
           </a:p>
@@ -889,7 +891,7 @@
           <p:cNvPr id="6" name="页脚占位符 3">
             <a:extLst>
               <a:ext uri="{FF2B5EF4-FFF2-40B4-BE49-F238E27FC236}">
-                <a16:creationId xmlns:a16="http://schemas.microsoft.com/office/drawing/2014/main" xmlns="" id="{8D7B2146-1535-844F-B761-CC457D0E25FE}"/>
+                <a16:creationId xmlns="" xmlns:a16="http://schemas.microsoft.com/office/drawing/2014/main" id="{8D7B2146-1535-844F-B761-CC457D0E25FE}"/>
               </a:ext>
             </a:extLst>
           </p:cNvPr>
@@ -922,7 +924,7 @@
           <p:cNvPr id="7" name="灯片编号占位符 4">
             <a:extLst>
               <a:ext uri="{FF2B5EF4-FFF2-40B4-BE49-F238E27FC236}">
-                <a16:creationId xmlns:a16="http://schemas.microsoft.com/office/drawing/2014/main" xmlns="" id="{B0C92930-71B6-2946-8BD0-E51BC6DB98B9}"/>
+                <a16:creationId xmlns="" xmlns:a16="http://schemas.microsoft.com/office/drawing/2014/main" id="{B0C92930-71B6-2946-8BD0-E51BC6DB98B9}"/>
               </a:ext>
             </a:extLst>
           </p:cNvPr>
@@ -958,7 +960,7 @@
     </p:spTree>
     <p:extLst>
       <p:ext uri="{BB962C8B-B14F-4D97-AF65-F5344CB8AC3E}">
-        <p14:creationId xmlns="" xmlns:p14="http://schemas.microsoft.com/office/powerpoint/2010/main" val="2024702495"/>
+        <p14:creationId xmlns:p14="http://schemas.microsoft.com/office/powerpoint/2010/main" val="2024702495"/>
       </p:ext>
     </p:extLst>
   </p:cSld>
@@ -1233,7 +1235,7 @@
     </p:spTree>
     <p:extLst>
       <p:ext uri="{BB962C8B-B14F-4D97-AF65-F5344CB8AC3E}">
-        <p14:creationId xmlns="" xmlns:p14="http://schemas.microsoft.com/office/powerpoint/2010/main" val="3305612450"/>
+        <p14:creationId xmlns:p14="http://schemas.microsoft.com/office/powerpoint/2010/main" val="3305612450"/>
       </p:ext>
     </p:extLst>
   </p:cSld>
@@ -1275,7 +1277,7 @@
     </p:spTree>
     <p:extLst>
       <p:ext uri="{BB962C8B-B14F-4D97-AF65-F5344CB8AC3E}">
-        <p14:creationId xmlns="" xmlns:p14="http://schemas.microsoft.com/office/powerpoint/2010/main" val="4127037855"/>
+        <p14:creationId xmlns:p14="http://schemas.microsoft.com/office/powerpoint/2010/main" val="4127037855"/>
       </p:ext>
     </p:extLst>
   </p:cSld>
@@ -1613,7 +1615,7 @@
     </p:spTree>
     <p:extLst>
       <p:ext uri="{BB962C8B-B14F-4D97-AF65-F5344CB8AC3E}">
-        <p14:creationId xmlns="" xmlns:p14="http://schemas.microsoft.com/office/powerpoint/2010/main" val="2248580377"/>
+        <p14:creationId xmlns:p14="http://schemas.microsoft.com/office/powerpoint/2010/main" val="2248580377"/>
       </p:ext>
     </p:extLst>
   </p:cSld>
@@ -1647,10 +1649,233 @@
           <a:chExt cx="0" cy="0"/>
         </a:xfrm>
       </p:grpSpPr>
+      <p:sp>
+        <p:nvSpPr>
+          <p:cNvPr id="2" name="标题 1"/>
+          <p:cNvSpPr>
+            <a:spLocks noGrp="1"/>
+          </p:cNvSpPr>
+          <p:nvPr>
+            <p:ph type="title"/>
+          </p:nvPr>
+        </p:nvSpPr>
+        <p:spPr/>
+        <p:txBody>
+          <a:bodyPr/>
+          <a:lstStyle/>
+          <a:p>
+            <a:r>
+              <a:rPr lang="zh-CN" altLang="en-US" dirty="0" smtClean="0"/>
+              <a:t>杜比断音问题</a:t>
+            </a:r>
+            <a:endParaRPr lang="zh-CN" altLang="en-US" dirty="0"/>
+          </a:p>
+        </p:txBody>
+      </p:sp>
+      <p:sp>
+        <p:nvSpPr>
+          <p:cNvPr id="3" name="内容占位符 2"/>
+          <p:cNvSpPr>
+            <a:spLocks noGrp="1"/>
+          </p:cNvSpPr>
+          <p:nvPr>
+            <p:ph idx="1"/>
+          </p:nvPr>
+        </p:nvSpPr>
+        <p:spPr/>
+        <p:txBody>
+          <a:bodyPr>
+            <a:normAutofit/>
+          </a:bodyPr>
+          <a:lstStyle/>
+          <a:p>
+            <a:pPr>
+              <a:buNone/>
+            </a:pPr>
+            <a:r>
+              <a:rPr lang="zh-CN" altLang="en-US" sz="1800" b="1" dirty="0" smtClean="0"/>
+              <a:t>问题描述： 在播放杜比码流过程中，会出现短暂时间内，没有声音的现象。</a:t>
+            </a:r>
+            <a:endParaRPr lang="en-US" altLang="zh-CN" sz="1800" b="1" dirty="0" smtClean="0"/>
+          </a:p>
+          <a:p>
+            <a:pPr>
+              <a:buNone/>
+            </a:pPr>
+            <a:endParaRPr lang="en-US" altLang="zh-CN" sz="1800" b="1" dirty="0"/>
+          </a:p>
+          <a:p>
+            <a:pPr>
+              <a:buNone/>
+            </a:pPr>
+            <a:endParaRPr lang="en-US" altLang="zh-CN" sz="1800" b="1" dirty="0" smtClean="0"/>
+          </a:p>
+          <a:p>
+            <a:pPr>
+              <a:buNone/>
+            </a:pPr>
+            <a:endParaRPr lang="en-US" altLang="zh-CN" sz="1800" b="1" dirty="0"/>
+          </a:p>
+          <a:p>
+            <a:pPr>
+              <a:buNone/>
+            </a:pPr>
+            <a:endParaRPr lang="zh-CN" altLang="en-US" sz="1800" b="1" dirty="0"/>
+          </a:p>
+        </p:txBody>
+      </p:sp>
     </p:spTree>
     <p:extLst>
       <p:ext uri="{BB962C8B-B14F-4D97-AF65-F5344CB8AC3E}">
-        <p14:creationId xmlns="" xmlns:p14="http://schemas.microsoft.com/office/powerpoint/2010/main" val="73035655"/>
+        <p14:creationId xmlns:p14="http://schemas.microsoft.com/office/powerpoint/2010/main" val="875366229"/>
+      </p:ext>
+    </p:extLst>
+  </p:cSld>
+  <p:clrMapOvr>
+    <a:masterClrMapping/>
+  </p:clrMapOvr>
+</p:sld>
+</file>
+
+<file path=ppt/slides/slide11.xml><?xml version="1.0" encoding="utf-8"?>
+<p:sld xmlns:a="http://schemas.openxmlformats.org/drawingml/2006/main" xmlns:r="http://schemas.openxmlformats.org/officeDocument/2006/relationships" xmlns:p="http://schemas.openxmlformats.org/presentationml/2006/main">
+  <p:cSld>
+    <p:spTree>
+      <p:nvGrpSpPr>
+        <p:cNvPr id="1" name=""/>
+        <p:cNvGrpSpPr/>
+        <p:nvPr/>
+      </p:nvGrpSpPr>
+      <p:grpSpPr>
+        <a:xfrm>
+          <a:off x="0" y="0"/>
+          <a:ext cx="0" cy="0"/>
+          <a:chOff x="0" y="0"/>
+          <a:chExt cx="0" cy="0"/>
+        </a:xfrm>
+      </p:grpSpPr>
+      <p:sp>
+        <p:nvSpPr>
+          <p:cNvPr id="2" name="标题 1"/>
+          <p:cNvSpPr>
+            <a:spLocks noGrp="1"/>
+          </p:cNvSpPr>
+          <p:nvPr>
+            <p:ph type="title"/>
+          </p:nvPr>
+        </p:nvSpPr>
+        <p:spPr/>
+        <p:txBody>
+          <a:bodyPr/>
+          <a:lstStyle/>
+          <a:p>
+            <a:r>
+              <a:rPr lang="zh-CN" altLang="en-US" dirty="0" smtClean="0"/>
+              <a:t>其他问题</a:t>
+            </a:r>
+            <a:endParaRPr lang="zh-CN" altLang="en-US" dirty="0"/>
+          </a:p>
+        </p:txBody>
+      </p:sp>
+      <p:sp>
+        <p:nvSpPr>
+          <p:cNvPr id="3" name="内容占位符 2"/>
+          <p:cNvSpPr>
+            <a:spLocks noGrp="1"/>
+          </p:cNvSpPr>
+          <p:nvPr>
+            <p:ph idx="1"/>
+          </p:nvPr>
+        </p:nvSpPr>
+        <p:spPr/>
+        <p:txBody>
+          <a:bodyPr>
+            <a:normAutofit/>
+          </a:bodyPr>
+          <a:lstStyle/>
+          <a:p>
+            <a:pPr>
+              <a:buNone/>
+            </a:pPr>
+            <a:r>
+              <a:rPr lang="en-US" altLang="zh-CN" sz="1800" b="1" dirty="0" smtClean="0"/>
+              <a:t>1.H264</a:t>
+            </a:r>
+            <a:r>
+              <a:rPr lang="zh-CN" altLang="en-US" sz="1800" b="1" dirty="0" smtClean="0"/>
+              <a:t>码流时，遇到</a:t>
+            </a:r>
+            <a:r>
+              <a:rPr lang="en-US" altLang="zh-CN" sz="1800" b="1" dirty="0" smtClean="0"/>
+              <a:t>IDR</a:t>
+            </a:r>
+            <a:r>
+              <a:rPr lang="zh-CN" altLang="en-US" sz="1800" b="1" dirty="0" smtClean="0"/>
+              <a:t>帧时，时间戳异常的问题。</a:t>
+            </a:r>
+            <a:endParaRPr lang="en-US" altLang="zh-CN" sz="1800" b="1" dirty="0" smtClean="0"/>
+          </a:p>
+          <a:p>
+            <a:pPr>
+              <a:buNone/>
+            </a:pPr>
+            <a:r>
+              <a:rPr lang="en-US" altLang="zh-CN" sz="1800" b="1" dirty="0" smtClean="0"/>
+              <a:t>2.FFmpeg</a:t>
+            </a:r>
+            <a:r>
+              <a:rPr lang="zh-CN" altLang="en-US" sz="1800" b="1" dirty="0" smtClean="0"/>
+              <a:t>只读取到</a:t>
+            </a:r>
+            <a:r>
+              <a:rPr lang="en-US" altLang="zh-CN" sz="1800" b="1" dirty="0"/>
+              <a:t>Picture </a:t>
+            </a:r>
+            <a:r>
+              <a:rPr lang="en-US" altLang="zh-CN" sz="1800" b="1" dirty="0" err="1"/>
+              <a:t>Paramater</a:t>
+            </a:r>
+            <a:r>
+              <a:rPr lang="en-US" altLang="zh-CN" sz="1800" b="1" dirty="0"/>
+              <a:t> Set(PPS)</a:t>
+            </a:r>
+            <a:r>
+              <a:rPr lang="zh-CN" altLang="en-US" sz="1800" b="1" dirty="0" smtClean="0"/>
+              <a:t>数据的情况。</a:t>
+            </a:r>
+            <a:endParaRPr lang="zh-CN" altLang="en-US" sz="1800" b="1" dirty="0"/>
+          </a:p>
+        </p:txBody>
+      </p:sp>
+    </p:spTree>
+  </p:cSld>
+  <p:clrMapOvr>
+    <a:masterClrMapping/>
+  </p:clrMapOvr>
+</p:sld>
+</file>
+
+<file path=ppt/slides/slide12.xml><?xml version="1.0" encoding="utf-8"?>
+<p:sld xmlns:a="http://schemas.openxmlformats.org/drawingml/2006/main" xmlns:r="http://schemas.openxmlformats.org/officeDocument/2006/relationships" xmlns:p="http://schemas.openxmlformats.org/presentationml/2006/main">
+  <p:cSld>
+    <p:spTree>
+      <p:nvGrpSpPr>
+        <p:cNvPr id="1" name=""/>
+        <p:cNvGrpSpPr/>
+        <p:nvPr/>
+      </p:nvGrpSpPr>
+      <p:grpSpPr>
+        <a:xfrm>
+          <a:off x="0" y="0"/>
+          <a:ext cx="0" cy="0"/>
+          <a:chOff x="0" y="0"/>
+          <a:chExt cx="0" cy="0"/>
+        </a:xfrm>
+      </p:grpSpPr>
+    </p:spTree>
+    <p:extLst>
+      <p:ext uri="{BB962C8B-B14F-4D97-AF65-F5344CB8AC3E}">
+        <p14:creationId xmlns:p14="http://schemas.microsoft.com/office/powerpoint/2010/main" val="73035655"/>
       </p:ext>
     </p:extLst>
   </p:cSld>
@@ -1768,7 +1993,7 @@
     </p:spTree>
     <p:extLst>
       <p:ext uri="{BB962C8B-B14F-4D97-AF65-F5344CB8AC3E}">
-        <p14:creationId xmlns="" xmlns:p14="http://schemas.microsoft.com/office/powerpoint/2010/main" val="3337273873"/>
+        <p14:creationId xmlns:p14="http://schemas.microsoft.com/office/powerpoint/2010/main" val="3337273873"/>
       </p:ext>
     </p:extLst>
   </p:cSld>
@@ -1854,7 +2079,7 @@
           <p:nvPr>
             <p:extLst>
               <p:ext uri="{D42A27DB-BD31-4B8C-83A1-F6EECF244321}">
-                <p14:modId xmlns="" xmlns:p14="http://schemas.microsoft.com/office/powerpoint/2010/main" val="1470028037"/>
+                <p14:modId xmlns:p14="http://schemas.microsoft.com/office/powerpoint/2010/main" val="1470028037"/>
               </p:ext>
             </p:extLst>
           </p:nvPr>
@@ -2639,7 +2864,7 @@
           <p:nvPr>
             <p:extLst>
               <p:ext uri="{D42A27DB-BD31-4B8C-83A1-F6EECF244321}">
-                <p14:modId xmlns="" xmlns:p14="http://schemas.microsoft.com/office/powerpoint/2010/main" val="3020812713"/>
+                <p14:modId xmlns:p14="http://schemas.microsoft.com/office/powerpoint/2010/main" val="3020812713"/>
               </p:ext>
             </p:extLst>
           </p:nvPr>
@@ -3270,7 +3495,7 @@
     </p:spTree>
     <p:extLst>
       <p:ext uri="{BB962C8B-B14F-4D97-AF65-F5344CB8AC3E}">
-        <p14:creationId xmlns="" xmlns:p14="http://schemas.microsoft.com/office/powerpoint/2010/main" val="345532811"/>
+        <p14:creationId xmlns:p14="http://schemas.microsoft.com/office/powerpoint/2010/main" val="345532811"/>
       </p:ext>
     </p:extLst>
   </p:cSld>
@@ -3772,7 +3997,7 @@
           <p:nvPr>
             <p:extLst>
               <p:ext uri="{D42A27DB-BD31-4B8C-83A1-F6EECF244321}">
-                <p14:modId xmlns="" xmlns:p14="http://schemas.microsoft.com/office/powerpoint/2010/main" val="204516619"/>
+                <p14:modId xmlns:p14="http://schemas.microsoft.com/office/powerpoint/2010/main" val="204516619"/>
               </p:ext>
             </p:extLst>
           </p:nvPr>
@@ -5311,7 +5536,7 @@
     </p:spTree>
     <p:extLst>
       <p:ext uri="{BB962C8B-B14F-4D97-AF65-F5344CB8AC3E}">
-        <p14:creationId xmlns="" xmlns:p14="http://schemas.microsoft.com/office/powerpoint/2010/main" val="2468824216"/>
+        <p14:creationId xmlns:p14="http://schemas.microsoft.com/office/powerpoint/2010/main" val="2468824216"/>
       </p:ext>
     </p:extLst>
   </p:cSld>
@@ -5713,7 +5938,7 @@
     </p:spTree>
     <p:extLst>
       <p:ext uri="{BB962C8B-B14F-4D97-AF65-F5344CB8AC3E}">
-        <p14:creationId xmlns="" xmlns:p14="http://schemas.microsoft.com/office/powerpoint/2010/main" val="1703033173"/>
+        <p14:creationId xmlns:p14="http://schemas.microsoft.com/office/powerpoint/2010/main" val="1703033173"/>
       </p:ext>
     </p:extLst>
   </p:cSld>
@@ -5757,7 +5982,15 @@
           <a:p>
             <a:r>
               <a:rPr lang="zh-CN" altLang="en-US" dirty="0" smtClean="0"/>
-              <a:t>杜比断音问题</a:t>
+              <a:t>杜比</a:t>
+            </a:r>
+            <a:r>
+              <a:rPr lang="en-US" altLang="zh-CN" dirty="0" smtClean="0"/>
+              <a:t>4K</a:t>
+            </a:r>
+            <a:r>
+              <a:rPr lang="zh-CN" altLang="en-US" dirty="0" smtClean="0"/>
+              <a:t>码流无法起播的问题</a:t>
             </a:r>
             <a:endParaRPr lang="zh-CN" altLang="en-US" dirty="0"/>
           </a:p>
@@ -5780,197 +6013,6 @@
           </a:bodyPr>
           <a:lstStyle/>
           <a:p>
-            <a:pPr>
-              <a:buNone/>
-            </a:pPr>
-            <a:r>
-              <a:rPr lang="zh-CN" altLang="en-US" sz="1800" b="1" dirty="0" smtClean="0"/>
-              <a:t>问题描述： 在播放杜比码流过程中，会出现短暂时间内，没有声音的现象。</a:t>
-            </a:r>
-            <a:endParaRPr lang="en-US" altLang="zh-CN" sz="1800" b="1" dirty="0" smtClean="0"/>
-          </a:p>
-          <a:p>
-            <a:pPr>
-              <a:buNone/>
-            </a:pPr>
-            <a:endParaRPr lang="en-US" altLang="zh-CN" sz="1800" b="1" dirty="0"/>
-          </a:p>
-          <a:p>
-            <a:pPr>
-              <a:buNone/>
-            </a:pPr>
-            <a:endParaRPr lang="en-US" altLang="zh-CN" sz="1800" b="1" dirty="0" smtClean="0"/>
-          </a:p>
-          <a:p>
-            <a:pPr>
-              <a:buNone/>
-            </a:pPr>
-            <a:endParaRPr lang="en-US" altLang="zh-CN" sz="1800" b="1" dirty="0"/>
-          </a:p>
-          <a:p>
-            <a:pPr>
-              <a:buNone/>
-            </a:pPr>
-            <a:endParaRPr lang="zh-CN" altLang="en-US" sz="1800" b="1" dirty="0"/>
-          </a:p>
-        </p:txBody>
-      </p:sp>
-    </p:spTree>
-    <p:extLst>
-      <p:ext uri="{BB962C8B-B14F-4D97-AF65-F5344CB8AC3E}">
-        <p14:creationId xmlns="" xmlns:p14="http://schemas.microsoft.com/office/powerpoint/2010/main" val="875366229"/>
-      </p:ext>
-    </p:extLst>
-  </p:cSld>
-  <p:clrMapOvr>
-    <a:masterClrMapping/>
-  </p:clrMapOvr>
-</p:sld>
-</file>
-
-<file path=ppt/slides/slide7.xml><?xml version="1.0" encoding="utf-8"?>
-<p:sld xmlns:a="http://schemas.openxmlformats.org/drawingml/2006/main" xmlns:r="http://schemas.openxmlformats.org/officeDocument/2006/relationships" xmlns:p="http://schemas.openxmlformats.org/presentationml/2006/main">
-  <p:cSld>
-    <p:spTree>
-      <p:nvGrpSpPr>
-        <p:cNvPr id="1" name=""/>
-        <p:cNvGrpSpPr/>
-        <p:nvPr/>
-      </p:nvGrpSpPr>
-      <p:grpSpPr>
-        <a:xfrm>
-          <a:off x="0" y="0"/>
-          <a:ext cx="0" cy="0"/>
-          <a:chOff x="0" y="0"/>
-          <a:chExt cx="0" cy="0"/>
-        </a:xfrm>
-      </p:grpSpPr>
-      <p:sp>
-        <p:nvSpPr>
-          <p:cNvPr id="2" name="标题 1"/>
-          <p:cNvSpPr>
-            <a:spLocks noGrp="1"/>
-          </p:cNvSpPr>
-          <p:nvPr>
-            <p:ph type="title"/>
-          </p:nvPr>
-        </p:nvSpPr>
-        <p:spPr/>
-        <p:txBody>
-          <a:bodyPr/>
-          <a:lstStyle/>
-          <a:p>
-            <a:r>
-              <a:rPr lang="zh-CN" altLang="en-US" dirty="0" smtClean="0"/>
-              <a:t>杜比杂音问题</a:t>
-            </a:r>
-            <a:endParaRPr lang="zh-CN" altLang="en-US" dirty="0"/>
-          </a:p>
-        </p:txBody>
-      </p:sp>
-      <p:sp>
-        <p:nvSpPr>
-          <p:cNvPr id="3" name="内容占位符 2"/>
-          <p:cNvSpPr>
-            <a:spLocks noGrp="1"/>
-          </p:cNvSpPr>
-          <p:nvPr>
-            <p:ph idx="1"/>
-          </p:nvPr>
-        </p:nvSpPr>
-        <p:spPr/>
-        <p:txBody>
-          <a:bodyPr/>
-          <a:lstStyle/>
-          <a:p>
-            <a:r>
-              <a:rPr lang="zh-CN" altLang="en-US" sz="1800" b="1" dirty="0"/>
-              <a:t>问题描述： 在播放杜比码流过程中</a:t>
-            </a:r>
-            <a:r>
-              <a:rPr lang="zh-CN" altLang="en-US" sz="1800" b="1" dirty="0" smtClean="0"/>
-              <a:t>，会出现杂音现象。</a:t>
-            </a:r>
-            <a:endParaRPr lang="en-US" altLang="zh-CN" sz="1800" b="1" dirty="0"/>
-          </a:p>
-          <a:p>
-            <a:endParaRPr lang="zh-CN" altLang="en-US" dirty="0"/>
-          </a:p>
-        </p:txBody>
-      </p:sp>
-    </p:spTree>
-  </p:cSld>
-  <p:clrMapOvr>
-    <a:masterClrMapping/>
-  </p:clrMapOvr>
-</p:sld>
-</file>
-
-<file path=ppt/slides/slide8.xml><?xml version="1.0" encoding="utf-8"?>
-<p:sld xmlns:a="http://schemas.openxmlformats.org/drawingml/2006/main" xmlns:r="http://schemas.openxmlformats.org/officeDocument/2006/relationships" xmlns:p="http://schemas.openxmlformats.org/presentationml/2006/main">
-  <p:cSld>
-    <p:spTree>
-      <p:nvGrpSpPr>
-        <p:cNvPr id="1" name=""/>
-        <p:cNvGrpSpPr/>
-        <p:nvPr/>
-      </p:nvGrpSpPr>
-      <p:grpSpPr>
-        <a:xfrm>
-          <a:off x="0" y="0"/>
-          <a:ext cx="0" cy="0"/>
-          <a:chOff x="0" y="0"/>
-          <a:chExt cx="0" cy="0"/>
-        </a:xfrm>
-      </p:grpSpPr>
-      <p:sp>
-        <p:nvSpPr>
-          <p:cNvPr id="2" name="标题 1"/>
-          <p:cNvSpPr>
-            <a:spLocks noGrp="1"/>
-          </p:cNvSpPr>
-          <p:nvPr>
-            <p:ph type="title"/>
-          </p:nvPr>
-        </p:nvSpPr>
-        <p:spPr/>
-        <p:txBody>
-          <a:bodyPr/>
-          <a:lstStyle/>
-          <a:p>
-            <a:r>
-              <a:rPr lang="zh-CN" altLang="en-US" dirty="0" smtClean="0"/>
-              <a:t>杜比</a:t>
-            </a:r>
-            <a:r>
-              <a:rPr lang="en-US" altLang="zh-CN" dirty="0" smtClean="0"/>
-              <a:t>4K</a:t>
-            </a:r>
-            <a:r>
-              <a:rPr lang="zh-CN" altLang="en-US" dirty="0" smtClean="0"/>
-              <a:t>码流无法起播的问题</a:t>
-            </a:r>
-            <a:endParaRPr lang="zh-CN" altLang="en-US" dirty="0"/>
-          </a:p>
-        </p:txBody>
-      </p:sp>
-      <p:sp>
-        <p:nvSpPr>
-          <p:cNvPr id="3" name="内容占位符 2"/>
-          <p:cNvSpPr>
-            <a:spLocks noGrp="1"/>
-          </p:cNvSpPr>
-          <p:nvPr>
-            <p:ph idx="1"/>
-          </p:nvPr>
-        </p:nvSpPr>
-        <p:spPr/>
-        <p:txBody>
-          <a:bodyPr>
-            <a:normAutofit lnSpcReduction="10000"/>
-          </a:bodyPr>
-          <a:lstStyle/>
-          <a:p>
             <a:r>
               <a:rPr lang="zh-CN" altLang="en-US" sz="1800" b="1" dirty="0" smtClean="0"/>
               <a:t>问题描述：海信设备，在一些卖场中，出现杜比</a:t>
@@ -6022,123 +6064,6 @@
           </a:p>
           <a:p>
             <a:endParaRPr lang="en-US" altLang="zh-CN" sz="1800" b="1" dirty="0" smtClean="0"/>
-          </a:p>
-          <a:p>
-            <a:r>
-              <a:rPr lang="zh-CN" altLang="en-US" sz="1800" b="1" dirty="0" smtClean="0"/>
-              <a:t>原因：</a:t>
-            </a:r>
-            <a:r>
-              <a:rPr lang="en-US" altLang="zh-CN" sz="1800" dirty="0" smtClean="0"/>
-              <a:t>1.</a:t>
-            </a:r>
-            <a:r>
-              <a:rPr lang="zh-CN" altLang="en-US" sz="1800" dirty="0" smtClean="0"/>
-              <a:t>网络较差的环境，数据本身下载较慢。              </a:t>
-            </a:r>
-            <a:r>
-              <a:rPr lang="zh-CN" altLang="en-US" sz="1800" b="1" dirty="0" smtClean="0"/>
-              <a:t>处理</a:t>
-            </a:r>
-            <a:r>
-              <a:rPr lang="zh-CN" altLang="en-US" sz="1800" dirty="0" smtClean="0"/>
-              <a:t>：</a:t>
-            </a:r>
-            <a:r>
-              <a:rPr lang="en-US" altLang="zh-CN" sz="1800" dirty="0" smtClean="0"/>
-              <a:t>1. </a:t>
-            </a:r>
-            <a:r>
-              <a:rPr lang="zh-CN" altLang="en-US" sz="1800" dirty="0" smtClean="0"/>
-              <a:t>完善</a:t>
-            </a:r>
-            <a:r>
-              <a:rPr lang="en-US" altLang="zh-CN" sz="1800" dirty="0" smtClean="0"/>
-              <a:t>output</a:t>
-            </a:r>
-            <a:r>
-              <a:rPr lang="zh-CN" altLang="en-US" sz="1800" dirty="0" smtClean="0"/>
-              <a:t>回收机制。</a:t>
-            </a:r>
-            <a:endParaRPr lang="en-US" altLang="zh-CN" sz="1800" dirty="0" smtClean="0"/>
-          </a:p>
-          <a:p>
-            <a:pPr>
-              <a:buNone/>
-            </a:pPr>
-            <a:r>
-              <a:rPr lang="en-US" altLang="zh-CN" sz="1800" dirty="0"/>
-              <a:t> </a:t>
-            </a:r>
-            <a:r>
-              <a:rPr lang="en-US" altLang="zh-CN" sz="1800" dirty="0" smtClean="0"/>
-              <a:t>             2. </a:t>
-            </a:r>
-            <a:r>
-              <a:rPr lang="zh-CN" altLang="en-US" sz="1800" dirty="0" smtClean="0"/>
-              <a:t>海信设备有一个</a:t>
-            </a:r>
-            <a:r>
-              <a:rPr lang="en-US" altLang="zh-CN" sz="1800" dirty="0" smtClean="0"/>
-              <a:t>4S</a:t>
-            </a:r>
-            <a:r>
-              <a:rPr lang="zh-CN" altLang="en-US" sz="1800" dirty="0" smtClean="0"/>
-              <a:t>超时的机制。                                 </a:t>
-            </a:r>
-            <a:r>
-              <a:rPr lang="en-US" altLang="zh-CN" sz="1800" dirty="0" smtClean="0"/>
-              <a:t>2. </a:t>
-            </a:r>
-            <a:r>
-              <a:rPr lang="zh-CN" altLang="en-US" sz="1800" dirty="0" smtClean="0"/>
-              <a:t>更加细化合流数据的流式输出。</a:t>
-            </a:r>
-            <a:endParaRPr lang="en-US" altLang="zh-CN" sz="1800" dirty="0" smtClean="0"/>
-          </a:p>
-          <a:p>
-            <a:pPr>
-              <a:buNone/>
-            </a:pPr>
-            <a:r>
-              <a:rPr lang="en-US" altLang="zh-CN" sz="1800" dirty="0"/>
-              <a:t>	 </a:t>
-            </a:r>
-            <a:r>
-              <a:rPr lang="en-US" altLang="zh-CN" sz="1800" dirty="0" smtClean="0"/>
-              <a:t>         3. </a:t>
-            </a:r>
-            <a:r>
-              <a:rPr lang="zh-CN" altLang="en-US" sz="1800" dirty="0" smtClean="0"/>
-              <a:t>超时后，输出缓存</a:t>
-            </a:r>
-            <a:r>
-              <a:rPr lang="en-US" altLang="zh-CN" sz="1800" dirty="0" smtClean="0"/>
-              <a:t>output</a:t>
-            </a:r>
-            <a:r>
-              <a:rPr lang="zh-CN" altLang="en-US" sz="1800" dirty="0" smtClean="0"/>
-              <a:t>没有清空。</a:t>
-            </a:r>
-            <a:endParaRPr lang="en-US" altLang="zh-CN" sz="1800" dirty="0" smtClean="0"/>
-          </a:p>
-          <a:p>
-            <a:pPr>
-              <a:buNone/>
-            </a:pPr>
-            <a:r>
-              <a:rPr lang="en-US" altLang="zh-CN" sz="1800" dirty="0"/>
-              <a:t> </a:t>
-            </a:r>
-            <a:r>
-              <a:rPr lang="en-US" altLang="zh-CN" sz="1800" dirty="0" smtClean="0"/>
-              <a:t>	          4. </a:t>
-            </a:r>
-            <a:r>
-              <a:rPr lang="zh-CN" altLang="en-US" sz="1800" dirty="0" smtClean="0"/>
-              <a:t>输出缓存未清空，导致线程无法释放。</a:t>
-            </a:r>
-            <a:endParaRPr lang="zh-CN" altLang="en-US" sz="1800" dirty="0"/>
           </a:p>
         </p:txBody>
       </p:sp>
@@ -6150,7 +6075,7 @@
         </p:nvSpPr>
         <p:spPr>
           <a:xfrm>
-            <a:off x="3620279" y="2752534"/>
+            <a:off x="2905399" y="2703723"/>
             <a:ext cx="839756" cy="494522"/>
           </a:xfrm>
           <a:prstGeom prst="rect">
@@ -6188,123 +6113,13 @@
       </p:sp>
       <p:sp>
         <p:nvSpPr>
-          <p:cNvPr id="7" name="矩形 6"/>
-          <p:cNvSpPr/>
-          <p:nvPr/>
-        </p:nvSpPr>
-        <p:spPr>
-          <a:xfrm>
-            <a:off x="7277879" y="2528599"/>
-            <a:ext cx="839756" cy="494522"/>
-          </a:xfrm>
-          <a:prstGeom prst="rect">
-            <a:avLst/>
-          </a:prstGeom>
-          <a:solidFill>
-            <a:schemeClr val="bg1"/>
-          </a:solidFill>
-        </p:spPr>
-        <p:style>
-          <a:lnRef idx="2">
-            <a:schemeClr val="accent1">
-              <a:shade val="50000"/>
-            </a:schemeClr>
-          </a:lnRef>
-          <a:fillRef idx="1">
-            <a:schemeClr val="accent1"/>
-          </a:fillRef>
-          <a:effectRef idx="0">
-            <a:schemeClr val="accent1"/>
-          </a:effectRef>
-          <a:fontRef idx="minor">
-            <a:schemeClr val="lt1"/>
-          </a:fontRef>
-        </p:style>
-        <p:txBody>
-          <a:bodyPr rtlCol="0" anchor="ctr"/>
-          <a:lstStyle/>
-          <a:p>
-            <a:pPr algn="ctr"/>
-            <a:r>
-              <a:rPr lang="en-US" altLang="zh-CN" b="1" dirty="0" smtClean="0">
-                <a:solidFill>
-                  <a:schemeClr val="tx1"/>
-                </a:solidFill>
-              </a:rPr>
-              <a:t>V</a:t>
-            </a:r>
-            <a:endParaRPr lang="zh-CN" altLang="en-US" b="1" dirty="0">
-              <a:solidFill>
-                <a:schemeClr val="tx1"/>
-              </a:solidFill>
-            </a:endParaRPr>
-          </a:p>
-        </p:txBody>
-      </p:sp>
-      <p:sp>
-        <p:nvSpPr>
-          <p:cNvPr id="8" name="矩形 7"/>
-          <p:cNvSpPr/>
-          <p:nvPr/>
-        </p:nvSpPr>
-        <p:spPr>
-          <a:xfrm>
-            <a:off x="7287211" y="3461658"/>
-            <a:ext cx="886404" cy="503852"/>
-          </a:xfrm>
-          <a:prstGeom prst="rect">
-            <a:avLst/>
-          </a:prstGeom>
-          <a:solidFill>
-            <a:schemeClr val="bg1"/>
-          </a:solidFill>
-        </p:spPr>
-        <p:style>
-          <a:lnRef idx="2">
-            <a:schemeClr val="accent1">
-              <a:shade val="50000"/>
-            </a:schemeClr>
-          </a:lnRef>
-          <a:fillRef idx="1">
-            <a:schemeClr val="accent1"/>
-          </a:fillRef>
-          <a:effectRef idx="0">
-            <a:schemeClr val="accent1"/>
-          </a:effectRef>
-          <a:fontRef idx="minor">
-            <a:schemeClr val="lt1"/>
-          </a:fontRef>
-        </p:style>
-        <p:txBody>
-          <a:bodyPr rtlCol="0" anchor="ctr"/>
-          <a:lstStyle/>
-          <a:p>
-            <a:pPr algn="ctr"/>
-            <a:r>
-              <a:rPr lang="en-US" altLang="zh-CN" dirty="0" smtClean="0">
-                <a:solidFill>
-                  <a:schemeClr val="tx1"/>
-                </a:solidFill>
-              </a:rPr>
-              <a:t>A</a:t>
-            </a:r>
-            <a:endParaRPr lang="zh-CN" altLang="en-US" dirty="0">
-              <a:solidFill>
-                <a:schemeClr val="tx1"/>
-              </a:solidFill>
-            </a:endParaRPr>
-          </a:p>
-        </p:txBody>
-      </p:sp>
-      <p:sp>
-        <p:nvSpPr>
           <p:cNvPr id="11" name="任意多边形 10"/>
           <p:cNvSpPr/>
           <p:nvPr/>
         </p:nvSpPr>
         <p:spPr>
           <a:xfrm>
-            <a:off x="2957805" y="2230017"/>
+            <a:off x="2242925" y="2181206"/>
             <a:ext cx="891073" cy="1698171"/>
           </a:xfrm>
           <a:custGeom>
@@ -6382,55 +6197,14 @@
       </p:sp>
       <p:sp>
         <p:nvSpPr>
-          <p:cNvPr id="12" name="圆角矩形 11"/>
-          <p:cNvSpPr/>
-          <p:nvPr/>
-        </p:nvSpPr>
-        <p:spPr>
-          <a:xfrm>
-            <a:off x="6307493" y="1819469"/>
-            <a:ext cx="2724539" cy="2416630"/>
-          </a:xfrm>
-          <a:prstGeom prst="roundRect">
-            <a:avLst/>
-          </a:prstGeom>
-          <a:noFill/>
-        </p:spPr>
-        <p:style>
-          <a:lnRef idx="2">
-            <a:schemeClr val="accent1">
-              <a:shade val="50000"/>
-            </a:schemeClr>
-          </a:lnRef>
-          <a:fillRef idx="1">
-            <a:schemeClr val="accent1"/>
-          </a:fillRef>
-          <a:effectRef idx="0">
-            <a:schemeClr val="accent1"/>
-          </a:effectRef>
-          <a:fontRef idx="minor">
-            <a:schemeClr val="lt1"/>
-          </a:fontRef>
-        </p:style>
-        <p:txBody>
-          <a:bodyPr rtlCol="0" anchor="ctr"/>
-          <a:lstStyle/>
-          <a:p>
-            <a:pPr algn="ctr"/>
-            <a:endParaRPr lang="zh-CN" altLang="en-US"/>
-          </a:p>
-        </p:txBody>
-      </p:sp>
-      <p:sp>
-        <p:nvSpPr>
           <p:cNvPr id="13" name="右箭头 12"/>
           <p:cNvSpPr/>
           <p:nvPr/>
         </p:nvSpPr>
         <p:spPr>
           <a:xfrm flipH="1">
-            <a:off x="5010538" y="2761862"/>
-            <a:ext cx="1129004" cy="373224"/>
+            <a:off x="4929920" y="1831572"/>
+            <a:ext cx="843009" cy="373224"/>
           </a:xfrm>
           <a:prstGeom prst="rightArrow">
             <a:avLst/>
@@ -6463,43 +6237,13 @@
       </p:sp>
       <p:sp>
         <p:nvSpPr>
-          <p:cNvPr id="14" name="TextBox 13"/>
-          <p:cNvSpPr txBox="1"/>
-          <p:nvPr/>
-        </p:nvSpPr>
-        <p:spPr>
-          <a:xfrm>
-            <a:off x="6634065" y="2052735"/>
-            <a:ext cx="1940768" cy="369332"/>
-          </a:xfrm>
-          <a:prstGeom prst="rect">
-            <a:avLst/>
-          </a:prstGeom>
-          <a:noFill/>
-        </p:spPr>
-        <p:txBody>
-          <a:bodyPr wrap="square" rtlCol="0">
-            <a:spAutoFit/>
-          </a:bodyPr>
-          <a:lstStyle/>
-          <a:p>
-            <a:r>
-              <a:rPr lang="zh-CN" altLang="en-US" dirty="0" smtClean="0"/>
-              <a:t>分合流模块</a:t>
-            </a:r>
-            <a:endParaRPr lang="zh-CN" altLang="en-US" dirty="0"/>
-          </a:p>
-        </p:txBody>
-      </p:sp>
-      <p:sp>
-        <p:nvSpPr>
           <p:cNvPr id="15" name="TextBox 14"/>
           <p:cNvSpPr txBox="1"/>
           <p:nvPr/>
         </p:nvSpPr>
         <p:spPr>
           <a:xfrm>
-            <a:off x="1959431" y="2379305"/>
+            <a:off x="1244551" y="2364361"/>
             <a:ext cx="345231" cy="1477328"/>
           </a:xfrm>
           <a:prstGeom prst="rect">
@@ -6521,7 +6265,1120 @@
           </a:p>
         </p:txBody>
       </p:sp>
+      <p:sp>
+        <p:nvSpPr>
+          <p:cNvPr id="16" name="矩形 15"/>
+          <p:cNvSpPr/>
+          <p:nvPr/>
+        </p:nvSpPr>
+        <p:spPr>
+          <a:xfrm>
+            <a:off x="7665156" y="2164103"/>
+            <a:ext cx="1100712" cy="494522"/>
+          </a:xfrm>
+          <a:prstGeom prst="rect">
+            <a:avLst/>
+          </a:prstGeom>
+          <a:solidFill>
+            <a:schemeClr val="bg1"/>
+          </a:solidFill>
+        </p:spPr>
+        <p:style>
+          <a:lnRef idx="2">
+            <a:schemeClr val="accent1">
+              <a:shade val="50000"/>
+            </a:schemeClr>
+          </a:lnRef>
+          <a:fillRef idx="1">
+            <a:schemeClr val="accent1"/>
+          </a:fillRef>
+          <a:effectRef idx="0">
+            <a:schemeClr val="accent1"/>
+          </a:effectRef>
+          <a:fontRef idx="minor">
+            <a:schemeClr val="lt1"/>
+          </a:fontRef>
+        </p:style>
+        <p:txBody>
+          <a:bodyPr rtlCol="0" anchor="ctr"/>
+          <a:lstStyle/>
+          <a:p>
+            <a:pPr algn="ctr"/>
+            <a:r>
+              <a:rPr lang="en-US" altLang="zh-CN" b="1" dirty="0" smtClean="0">
+                <a:solidFill>
+                  <a:schemeClr val="tx1"/>
+                </a:solidFill>
+              </a:rPr>
+              <a:t>V-</a:t>
+            </a:r>
+            <a:r>
+              <a:rPr lang="en-US" altLang="zh-CN" b="1" dirty="0" err="1">
+                <a:solidFill>
+                  <a:schemeClr val="tx1"/>
+                </a:solidFill>
+              </a:rPr>
+              <a:t>D</a:t>
+            </a:r>
+            <a:r>
+              <a:rPr lang="en-US" altLang="zh-CN" b="1" dirty="0" err="1" smtClean="0">
+                <a:solidFill>
+                  <a:schemeClr val="tx1"/>
+                </a:solidFill>
+              </a:rPr>
+              <a:t>emux</a:t>
+            </a:r>
+            <a:endParaRPr lang="zh-CN" altLang="en-US" b="1" dirty="0">
+              <a:solidFill>
+                <a:schemeClr val="tx1"/>
+              </a:solidFill>
+            </a:endParaRPr>
+          </a:p>
+        </p:txBody>
+      </p:sp>
+      <p:sp>
+        <p:nvSpPr>
+          <p:cNvPr id="18" name="矩形 17"/>
+          <p:cNvSpPr/>
+          <p:nvPr/>
+        </p:nvSpPr>
+        <p:spPr>
+          <a:xfrm>
+            <a:off x="7671525" y="3234284"/>
+            <a:ext cx="1132522" cy="494522"/>
+          </a:xfrm>
+          <a:prstGeom prst="rect">
+            <a:avLst/>
+          </a:prstGeom>
+          <a:solidFill>
+            <a:schemeClr val="bg1"/>
+          </a:solidFill>
+        </p:spPr>
+        <p:style>
+          <a:lnRef idx="2">
+            <a:schemeClr val="accent1">
+              <a:shade val="50000"/>
+            </a:schemeClr>
+          </a:lnRef>
+          <a:fillRef idx="1">
+            <a:schemeClr val="accent1"/>
+          </a:fillRef>
+          <a:effectRef idx="0">
+            <a:schemeClr val="accent1"/>
+          </a:effectRef>
+          <a:fontRef idx="minor">
+            <a:schemeClr val="lt1"/>
+          </a:fontRef>
+        </p:style>
+        <p:txBody>
+          <a:bodyPr rtlCol="0" anchor="ctr"/>
+          <a:lstStyle/>
+          <a:p>
+            <a:pPr algn="ctr"/>
+            <a:r>
+              <a:rPr lang="en-US" altLang="zh-CN" b="1" dirty="0" smtClean="0">
+                <a:solidFill>
+                  <a:schemeClr val="tx1"/>
+                </a:solidFill>
+              </a:rPr>
+              <a:t>A-</a:t>
+            </a:r>
+            <a:r>
+              <a:rPr lang="en-US" altLang="zh-CN" b="1" dirty="0" err="1">
+                <a:solidFill>
+                  <a:schemeClr val="tx1"/>
+                </a:solidFill>
+              </a:rPr>
+              <a:t>D</a:t>
+            </a:r>
+            <a:r>
+              <a:rPr lang="en-US" altLang="zh-CN" b="1" dirty="0" err="1" smtClean="0">
+                <a:solidFill>
+                  <a:schemeClr val="tx1"/>
+                </a:solidFill>
+              </a:rPr>
+              <a:t>emux</a:t>
+            </a:r>
+            <a:endParaRPr lang="zh-CN" altLang="en-US" b="1" dirty="0">
+              <a:solidFill>
+                <a:schemeClr val="tx1"/>
+              </a:solidFill>
+            </a:endParaRPr>
+          </a:p>
+        </p:txBody>
+      </p:sp>
+      <p:sp>
+        <p:nvSpPr>
+          <p:cNvPr id="6" name="矩形 5"/>
+          <p:cNvSpPr/>
+          <p:nvPr/>
+        </p:nvSpPr>
+        <p:spPr>
+          <a:xfrm>
+            <a:off x="6427406" y="2716403"/>
+            <a:ext cx="853132" cy="475127"/>
+          </a:xfrm>
+          <a:prstGeom prst="rect">
+            <a:avLst/>
+          </a:prstGeom>
+          <a:solidFill>
+            <a:schemeClr val="bg1"/>
+          </a:solidFill>
+        </p:spPr>
+        <p:style>
+          <a:lnRef idx="2">
+            <a:schemeClr val="accent1">
+              <a:shade val="50000"/>
+            </a:schemeClr>
+          </a:lnRef>
+          <a:fillRef idx="1">
+            <a:schemeClr val="accent1"/>
+          </a:fillRef>
+          <a:effectRef idx="0">
+            <a:schemeClr val="accent1"/>
+          </a:effectRef>
+          <a:fontRef idx="minor">
+            <a:schemeClr val="lt1"/>
+          </a:fontRef>
+        </p:style>
+        <p:txBody>
+          <a:bodyPr rtlCol="0" anchor="ctr"/>
+          <a:lstStyle/>
+          <a:p>
+            <a:pPr algn="ctr"/>
+            <a:r>
+              <a:rPr lang="en-US" altLang="zh-CN" dirty="0" err="1">
+                <a:solidFill>
+                  <a:schemeClr val="tx1"/>
+                </a:solidFill>
+              </a:rPr>
+              <a:t>R</a:t>
+            </a:r>
+            <a:r>
+              <a:rPr lang="en-US" altLang="zh-CN" dirty="0" err="1" smtClean="0">
+                <a:solidFill>
+                  <a:schemeClr val="tx1"/>
+                </a:solidFill>
+              </a:rPr>
+              <a:t>emux</a:t>
+            </a:r>
+            <a:endParaRPr lang="zh-CN" altLang="en-US" dirty="0">
+              <a:solidFill>
+                <a:schemeClr val="tx1"/>
+              </a:solidFill>
+            </a:endParaRPr>
+          </a:p>
+        </p:txBody>
+      </p:sp>
+      <p:sp>
+        <p:nvSpPr>
+          <p:cNvPr id="9" name="椭圆 8"/>
+          <p:cNvSpPr/>
+          <p:nvPr/>
+        </p:nvSpPr>
+        <p:spPr>
+          <a:xfrm>
+            <a:off x="9697270" y="2123059"/>
+            <a:ext cx="976654" cy="531845"/>
+          </a:xfrm>
+          <a:prstGeom prst="ellipse">
+            <a:avLst/>
+          </a:prstGeom>
+        </p:spPr>
+        <p:style>
+          <a:lnRef idx="2">
+            <a:schemeClr val="accent1">
+              <a:shade val="50000"/>
+            </a:schemeClr>
+          </a:lnRef>
+          <a:fillRef idx="1">
+            <a:schemeClr val="accent1"/>
+          </a:fillRef>
+          <a:effectRef idx="0">
+            <a:schemeClr val="accent1"/>
+          </a:effectRef>
+          <a:fontRef idx="minor">
+            <a:schemeClr val="lt1"/>
+          </a:fontRef>
+        </p:style>
+        <p:txBody>
+          <a:bodyPr rtlCol="0" anchor="ctr"/>
+          <a:lstStyle/>
+          <a:p>
+            <a:pPr algn="ctr"/>
+            <a:r>
+              <a:rPr lang="en-US" altLang="zh-CN" dirty="0" smtClean="0"/>
+              <a:t>V</a:t>
+            </a:r>
+            <a:endParaRPr lang="zh-CN" altLang="en-US" dirty="0"/>
+          </a:p>
+        </p:txBody>
+      </p:sp>
+      <p:sp>
+        <p:nvSpPr>
+          <p:cNvPr id="19" name="椭圆 18"/>
+          <p:cNvSpPr/>
+          <p:nvPr/>
+        </p:nvSpPr>
+        <p:spPr>
+          <a:xfrm>
+            <a:off x="9738987" y="3146859"/>
+            <a:ext cx="976654" cy="531845"/>
+          </a:xfrm>
+          <a:prstGeom prst="ellipse">
+            <a:avLst/>
+          </a:prstGeom>
+        </p:spPr>
+        <p:style>
+          <a:lnRef idx="2">
+            <a:schemeClr val="accent1">
+              <a:shade val="50000"/>
+            </a:schemeClr>
+          </a:lnRef>
+          <a:fillRef idx="1">
+            <a:schemeClr val="accent1"/>
+          </a:fillRef>
+          <a:effectRef idx="0">
+            <a:schemeClr val="accent1"/>
+          </a:effectRef>
+          <a:fontRef idx="minor">
+            <a:schemeClr val="lt1"/>
+          </a:fontRef>
+        </p:style>
+        <p:txBody>
+          <a:bodyPr rtlCol="0" anchor="ctr"/>
+          <a:lstStyle/>
+          <a:p>
+            <a:pPr algn="ctr"/>
+            <a:r>
+              <a:rPr lang="en-US" altLang="zh-CN" dirty="0" smtClean="0"/>
+              <a:t>A</a:t>
+            </a:r>
+            <a:endParaRPr lang="zh-CN" altLang="en-US" dirty="0"/>
+          </a:p>
+        </p:txBody>
+      </p:sp>
+      <p:cxnSp>
+        <p:nvCxnSpPr>
+          <p:cNvPr id="20" name="直接箭头连接符 19"/>
+          <p:cNvCxnSpPr/>
+          <p:nvPr/>
+        </p:nvCxnSpPr>
+        <p:spPr>
+          <a:xfrm flipH="1">
+            <a:off x="8765868" y="2388981"/>
+            <a:ext cx="1384246" cy="0"/>
+          </a:xfrm>
+          <a:prstGeom prst="straightConnector1">
+            <a:avLst/>
+          </a:prstGeom>
+          <a:ln>
+            <a:tailEnd type="triangle"/>
+          </a:ln>
+        </p:spPr>
+        <p:style>
+          <a:lnRef idx="1">
+            <a:schemeClr val="accent1"/>
+          </a:lnRef>
+          <a:fillRef idx="0">
+            <a:schemeClr val="accent1"/>
+          </a:fillRef>
+          <a:effectRef idx="0">
+            <a:schemeClr val="accent1"/>
+          </a:effectRef>
+          <a:fontRef idx="minor">
+            <a:schemeClr val="tx1"/>
+          </a:fontRef>
+        </p:style>
+      </p:cxnSp>
+      <p:cxnSp>
+        <p:nvCxnSpPr>
+          <p:cNvPr id="22" name="直接箭头连接符 21"/>
+          <p:cNvCxnSpPr>
+            <a:stCxn id="19" idx="2"/>
+          </p:cNvCxnSpPr>
+          <p:nvPr/>
+        </p:nvCxnSpPr>
+        <p:spPr>
+          <a:xfrm flipH="1" flipV="1">
+            <a:off x="8812523" y="3412781"/>
+            <a:ext cx="926464" cy="1"/>
+          </a:xfrm>
+          <a:prstGeom prst="straightConnector1">
+            <a:avLst/>
+          </a:prstGeom>
+          <a:ln>
+            <a:tailEnd type="triangle"/>
+          </a:ln>
+        </p:spPr>
+        <p:style>
+          <a:lnRef idx="1">
+            <a:schemeClr val="accent1"/>
+          </a:lnRef>
+          <a:fillRef idx="0">
+            <a:schemeClr val="accent1"/>
+          </a:fillRef>
+          <a:effectRef idx="0">
+            <a:schemeClr val="accent1"/>
+          </a:effectRef>
+          <a:fontRef idx="minor">
+            <a:schemeClr val="tx1"/>
+          </a:fontRef>
+        </p:style>
+      </p:cxnSp>
+      <p:cxnSp>
+        <p:nvCxnSpPr>
+          <p:cNvPr id="24" name="肘形连接符 23"/>
+          <p:cNvCxnSpPr>
+            <a:stCxn id="16" idx="1"/>
+            <a:endCxn id="6" idx="0"/>
+          </p:cNvCxnSpPr>
+          <p:nvPr/>
+        </p:nvCxnSpPr>
+        <p:spPr>
+          <a:xfrm rot="10800000" flipV="1">
+            <a:off x="6853972" y="2411363"/>
+            <a:ext cx="811184" cy="305039"/>
+          </a:xfrm>
+          <a:prstGeom prst="bentConnector2">
+            <a:avLst/>
+          </a:prstGeom>
+          <a:ln>
+            <a:tailEnd type="triangle"/>
+          </a:ln>
+        </p:spPr>
+        <p:style>
+          <a:lnRef idx="1">
+            <a:schemeClr val="accent1"/>
+          </a:lnRef>
+          <a:fillRef idx="0">
+            <a:schemeClr val="accent1"/>
+          </a:fillRef>
+          <a:effectRef idx="0">
+            <a:schemeClr val="accent1"/>
+          </a:effectRef>
+          <a:fontRef idx="minor">
+            <a:schemeClr val="tx1"/>
+          </a:fontRef>
+        </p:style>
+      </p:cxnSp>
+      <p:cxnSp>
+        <p:nvCxnSpPr>
+          <p:cNvPr id="26" name="肘形连接符 25"/>
+          <p:cNvCxnSpPr>
+            <a:endCxn id="6" idx="2"/>
+          </p:cNvCxnSpPr>
+          <p:nvPr/>
+        </p:nvCxnSpPr>
+        <p:spPr>
+          <a:xfrm rot="10800000">
+            <a:off x="6853972" y="3191531"/>
+            <a:ext cx="817552" cy="221251"/>
+          </a:xfrm>
+          <a:prstGeom prst="bentConnector2">
+            <a:avLst/>
+          </a:prstGeom>
+          <a:ln>
+            <a:tailEnd type="triangle"/>
+          </a:ln>
+        </p:spPr>
+        <p:style>
+          <a:lnRef idx="1">
+            <a:schemeClr val="accent1"/>
+          </a:lnRef>
+          <a:fillRef idx="0">
+            <a:schemeClr val="accent1"/>
+          </a:fillRef>
+          <a:effectRef idx="0">
+            <a:schemeClr val="accent1"/>
+          </a:effectRef>
+          <a:fontRef idx="minor">
+            <a:schemeClr val="tx1"/>
+          </a:fontRef>
+        </p:style>
+      </p:cxnSp>
+      <p:sp>
+        <p:nvSpPr>
+          <p:cNvPr id="31" name="文本框 30"/>
+          <p:cNvSpPr txBox="1"/>
+          <p:nvPr/>
+        </p:nvSpPr>
+        <p:spPr>
+          <a:xfrm>
+            <a:off x="1036480" y="4311631"/>
+            <a:ext cx="8421511" cy="1723549"/>
+          </a:xfrm>
+          <a:prstGeom prst="rect">
+            <a:avLst/>
+          </a:prstGeom>
+          <a:noFill/>
+        </p:spPr>
+        <p:txBody>
+          <a:bodyPr wrap="square" rtlCol="0">
+            <a:spAutoFit/>
+          </a:bodyPr>
+          <a:lstStyle/>
+          <a:p>
+            <a:r>
+              <a:rPr lang="zh-CN" altLang="en-US" b="1" dirty="0" smtClean="0"/>
+              <a:t>海信系统播放器的特性</a:t>
+            </a:r>
+            <a:r>
+              <a:rPr lang="zh-CN" altLang="en-US" dirty="0" smtClean="0"/>
+              <a:t>：</a:t>
+            </a:r>
+            <a:r>
+              <a:rPr lang="en-US" altLang="zh-CN" dirty="0"/>
+              <a:t> </a:t>
+            </a:r>
+            <a:r>
+              <a:rPr lang="en-US" altLang="zh-CN" sz="1600" dirty="0" smtClean="0"/>
+              <a:t>4s</a:t>
+            </a:r>
+            <a:r>
+              <a:rPr lang="zh-CN" altLang="en-US" sz="1600" dirty="0" smtClean="0"/>
+              <a:t>超时重试。</a:t>
+            </a:r>
+            <a:endParaRPr lang="en-US" altLang="zh-CN" sz="1600" dirty="0" smtClean="0"/>
+          </a:p>
+          <a:p>
+            <a:endParaRPr lang="en-US" altLang="zh-CN" sz="1600" dirty="0" smtClean="0"/>
+          </a:p>
+          <a:p>
+            <a:r>
+              <a:rPr lang="zh-CN" altLang="en-US" b="1" dirty="0" smtClean="0"/>
+              <a:t>分析播放器获取数据慢的原因：</a:t>
+            </a:r>
+            <a:endParaRPr lang="en-US" altLang="zh-CN" b="1" dirty="0" smtClean="0"/>
+          </a:p>
+          <a:p>
+            <a:r>
+              <a:rPr lang="en-US" altLang="zh-CN" dirty="0" smtClean="0"/>
+              <a:t>1. 4K</a:t>
+            </a:r>
+            <a:r>
+              <a:rPr lang="zh-CN" altLang="en-US" dirty="0" smtClean="0"/>
+              <a:t>数据本身下载偏慢。</a:t>
+            </a:r>
+            <a:endParaRPr lang="en-US" altLang="zh-CN" dirty="0" smtClean="0"/>
+          </a:p>
+          <a:p>
+            <a:r>
+              <a:rPr lang="en-US" altLang="zh-CN" dirty="0" smtClean="0"/>
+              <a:t>2.Demux</a:t>
+            </a:r>
+            <a:r>
+              <a:rPr lang="zh-CN" altLang="en-US" dirty="0" smtClean="0"/>
+              <a:t>阶段耗时较多。</a:t>
+            </a:r>
+            <a:endParaRPr lang="en-US" altLang="zh-CN" dirty="0" smtClean="0"/>
+          </a:p>
+          <a:p>
+            <a:r>
+              <a:rPr lang="en-US" altLang="zh-CN" dirty="0" smtClean="0"/>
+              <a:t>3.</a:t>
+            </a:r>
+            <a:r>
+              <a:rPr lang="zh-CN" altLang="en-US" dirty="0" smtClean="0"/>
+              <a:t>输出阶段耗时较多。</a:t>
+            </a:r>
+            <a:endParaRPr lang="zh-CN" altLang="en-US" dirty="0"/>
+          </a:p>
+        </p:txBody>
+      </p:sp>
+      <p:sp>
+        <p:nvSpPr>
+          <p:cNvPr id="32" name="矩形 31"/>
+          <p:cNvSpPr/>
+          <p:nvPr/>
+        </p:nvSpPr>
+        <p:spPr>
+          <a:xfrm>
+            <a:off x="4706905" y="2733715"/>
+            <a:ext cx="989111" cy="435237"/>
+          </a:xfrm>
+          <a:prstGeom prst="rect">
+            <a:avLst/>
+          </a:prstGeom>
+          <a:solidFill>
+            <a:schemeClr val="bg1"/>
+          </a:solidFill>
+        </p:spPr>
+        <p:style>
+          <a:lnRef idx="2">
+            <a:schemeClr val="accent1">
+              <a:shade val="50000"/>
+            </a:schemeClr>
+          </a:lnRef>
+          <a:fillRef idx="1">
+            <a:schemeClr val="accent1"/>
+          </a:fillRef>
+          <a:effectRef idx="0">
+            <a:schemeClr val="accent1"/>
+          </a:effectRef>
+          <a:fontRef idx="minor">
+            <a:schemeClr val="lt1"/>
+          </a:fontRef>
+        </p:style>
+        <p:txBody>
+          <a:bodyPr rtlCol="0" anchor="ctr"/>
+          <a:lstStyle/>
+          <a:p>
+            <a:pPr algn="ctr"/>
+            <a:r>
+              <a:rPr lang="en-US" altLang="zh-CN" dirty="0" smtClean="0">
+                <a:solidFill>
+                  <a:schemeClr val="tx1"/>
+                </a:solidFill>
+              </a:rPr>
+              <a:t>packets</a:t>
+            </a:r>
+            <a:endParaRPr lang="zh-CN" altLang="en-US" dirty="0">
+              <a:solidFill>
+                <a:schemeClr val="tx1"/>
+              </a:solidFill>
+            </a:endParaRPr>
+          </a:p>
+        </p:txBody>
+      </p:sp>
+      <p:cxnSp>
+        <p:nvCxnSpPr>
+          <p:cNvPr id="34" name="直接箭头连接符 33"/>
+          <p:cNvCxnSpPr>
+            <a:stCxn id="6" idx="1"/>
+            <a:endCxn id="32" idx="3"/>
+          </p:cNvCxnSpPr>
+          <p:nvPr/>
+        </p:nvCxnSpPr>
+        <p:spPr>
+          <a:xfrm flipH="1" flipV="1">
+            <a:off x="5696016" y="2951334"/>
+            <a:ext cx="731390" cy="2633"/>
+          </a:xfrm>
+          <a:prstGeom prst="straightConnector1">
+            <a:avLst/>
+          </a:prstGeom>
+          <a:ln>
+            <a:tailEnd type="triangle"/>
+          </a:ln>
+        </p:spPr>
+        <p:style>
+          <a:lnRef idx="1">
+            <a:schemeClr val="accent1"/>
+          </a:lnRef>
+          <a:fillRef idx="0">
+            <a:schemeClr val="accent1"/>
+          </a:fillRef>
+          <a:effectRef idx="0">
+            <a:schemeClr val="accent1"/>
+          </a:effectRef>
+          <a:fontRef idx="minor">
+            <a:schemeClr val="tx1"/>
+          </a:fontRef>
+        </p:style>
+      </p:cxnSp>
+      <p:cxnSp>
+        <p:nvCxnSpPr>
+          <p:cNvPr id="36" name="直接箭头连接符 35"/>
+          <p:cNvCxnSpPr>
+            <a:stCxn id="32" idx="1"/>
+            <a:endCxn id="4" idx="3"/>
+          </p:cNvCxnSpPr>
+          <p:nvPr/>
+        </p:nvCxnSpPr>
+        <p:spPr>
+          <a:xfrm flipH="1" flipV="1">
+            <a:off x="3745155" y="2950984"/>
+            <a:ext cx="961750" cy="350"/>
+          </a:xfrm>
+          <a:prstGeom prst="straightConnector1">
+            <a:avLst/>
+          </a:prstGeom>
+          <a:ln>
+            <a:tailEnd type="triangle"/>
+          </a:ln>
+        </p:spPr>
+        <p:style>
+          <a:lnRef idx="1">
+            <a:schemeClr val="accent1"/>
+          </a:lnRef>
+          <a:fillRef idx="0">
+            <a:schemeClr val="accent1"/>
+          </a:fillRef>
+          <a:effectRef idx="0">
+            <a:schemeClr val="accent1"/>
+          </a:effectRef>
+          <a:fontRef idx="minor">
+            <a:schemeClr val="tx1"/>
+          </a:fontRef>
+        </p:style>
+      </p:cxnSp>
     </p:spTree>
+  </p:cSld>
+  <p:clrMapOvr>
+    <a:masterClrMapping/>
+  </p:clrMapOvr>
+</p:sld>
+</file>
+
+<file path=ppt/slides/slide7.xml><?xml version="1.0" encoding="utf-8"?>
+<p:sld xmlns:a="http://schemas.openxmlformats.org/drawingml/2006/main" xmlns:r="http://schemas.openxmlformats.org/officeDocument/2006/relationships" xmlns:p="http://schemas.openxmlformats.org/presentationml/2006/main">
+  <p:cSld>
+    <p:spTree>
+      <p:nvGrpSpPr>
+        <p:cNvPr id="1" name=""/>
+        <p:cNvGrpSpPr/>
+        <p:nvPr/>
+      </p:nvGrpSpPr>
+      <p:grpSpPr>
+        <a:xfrm>
+          <a:off x="0" y="0"/>
+          <a:ext cx="0" cy="0"/>
+          <a:chOff x="0" y="0"/>
+          <a:chExt cx="0" cy="0"/>
+        </a:xfrm>
+      </p:grpSpPr>
+      <p:sp>
+        <p:nvSpPr>
+          <p:cNvPr id="2" name="标题 1"/>
+          <p:cNvSpPr>
+            <a:spLocks noGrp="1"/>
+          </p:cNvSpPr>
+          <p:nvPr>
+            <p:ph type="title"/>
+          </p:nvPr>
+        </p:nvSpPr>
+        <p:spPr/>
+        <p:txBody>
+          <a:bodyPr/>
+          <a:lstStyle/>
+          <a:p>
+            <a:r>
+              <a:rPr lang="zh-CN" altLang="en-US" dirty="0"/>
+              <a:t>杜比</a:t>
+            </a:r>
+            <a:r>
+              <a:rPr lang="en-US" altLang="zh-CN" dirty="0"/>
+              <a:t>4K</a:t>
+            </a:r>
+            <a:r>
+              <a:rPr lang="zh-CN" altLang="en-US" dirty="0"/>
+              <a:t>码流无法起播的问题</a:t>
+            </a:r>
+          </a:p>
+        </p:txBody>
+      </p:sp>
+      <p:sp>
+        <p:nvSpPr>
+          <p:cNvPr id="3" name="内容占位符 2"/>
+          <p:cNvSpPr>
+            <a:spLocks noGrp="1"/>
+          </p:cNvSpPr>
+          <p:nvPr>
+            <p:ph idx="1"/>
+          </p:nvPr>
+        </p:nvSpPr>
+        <p:spPr/>
+        <p:txBody>
+          <a:bodyPr>
+            <a:normAutofit/>
+          </a:bodyPr>
+          <a:lstStyle/>
+          <a:p>
+            <a:r>
+              <a:rPr lang="en-US" altLang="zh-CN" sz="1800" b="1" dirty="0" err="1" smtClean="0"/>
+              <a:t>Demux</a:t>
+            </a:r>
+            <a:r>
+              <a:rPr lang="zh-CN" altLang="en-US" sz="1800" b="1" dirty="0" smtClean="0"/>
+              <a:t>阶段，耗时较多的分析</a:t>
+            </a:r>
+            <a:endParaRPr lang="en-US" altLang="zh-CN" sz="1800" b="1" dirty="0" smtClean="0"/>
+          </a:p>
+          <a:p>
+            <a:pPr marL="609585" lvl="1" indent="0">
+              <a:buNone/>
+            </a:pPr>
+            <a:r>
+              <a:rPr lang="zh-CN" altLang="en-US" sz="1533" dirty="0" smtClean="0"/>
+              <a:t>原因：</a:t>
+            </a:r>
+            <a:endParaRPr lang="en-US" altLang="zh-CN" sz="1533" dirty="0" smtClean="0"/>
+          </a:p>
+          <a:p>
+            <a:pPr marL="609585" lvl="1" indent="0">
+              <a:buNone/>
+            </a:pPr>
+            <a:r>
+              <a:rPr lang="en-US" altLang="zh-CN" sz="1533" dirty="0"/>
+              <a:t>	</a:t>
+            </a:r>
+            <a:r>
+              <a:rPr lang="en-US" altLang="zh-CN" sz="1533" dirty="0" err="1" smtClean="0"/>
+              <a:t>FFmpeg</a:t>
+            </a:r>
+            <a:r>
+              <a:rPr lang="zh-CN" altLang="en-US" sz="1533" dirty="0" smtClean="0"/>
+              <a:t>接口</a:t>
+            </a:r>
+            <a:r>
+              <a:rPr lang="en-US" altLang="zh-CN" sz="1533" dirty="0" smtClean="0"/>
+              <a:t>API </a:t>
+            </a:r>
+            <a:r>
+              <a:rPr lang="en-US" altLang="zh-CN" sz="1533" dirty="0" err="1" smtClean="0"/>
+              <a:t>avformat_find_stream_info</a:t>
+            </a:r>
+            <a:r>
+              <a:rPr lang="en-US" altLang="zh-CN" sz="1533" dirty="0" smtClean="0"/>
+              <a:t>, </a:t>
+            </a:r>
+            <a:r>
+              <a:rPr lang="zh-CN" altLang="en-US" sz="1533" dirty="0" smtClean="0"/>
+              <a:t>耗时较长。</a:t>
+            </a:r>
+            <a:endParaRPr lang="en-US" altLang="zh-CN" sz="1533" dirty="0" smtClean="0"/>
+          </a:p>
+          <a:p>
+            <a:pPr marL="609585" lvl="1" indent="0">
+              <a:buNone/>
+            </a:pPr>
+            <a:r>
+              <a:rPr lang="zh-CN" altLang="en-US" sz="1533" dirty="0" smtClean="0"/>
+              <a:t>处理：</a:t>
+            </a:r>
+            <a:endParaRPr lang="en-US" altLang="zh-CN" sz="1533" dirty="0" smtClean="0"/>
+          </a:p>
+          <a:p>
+            <a:pPr marL="609585" lvl="1" indent="0">
+              <a:buNone/>
+            </a:pPr>
+            <a:r>
+              <a:rPr lang="en-US" altLang="zh-CN" sz="1533" dirty="0"/>
+              <a:t>	</a:t>
+            </a:r>
+            <a:r>
+              <a:rPr lang="zh-CN" altLang="en-US" sz="1533" dirty="0" smtClean="0"/>
+              <a:t>一次播放过程，首次访问此接口，同时缓存获取到的码流信息，在接下来的合成过程中，直接使用缓存到的码流信息，不再访问此接口。</a:t>
+            </a:r>
+            <a:endParaRPr lang="en-US" altLang="zh-CN" sz="1533" dirty="0" smtClean="0"/>
+          </a:p>
+          <a:p>
+            <a:pPr marL="609585" lvl="1" indent="0">
+              <a:buNone/>
+            </a:pPr>
+            <a:endParaRPr lang="en-US" altLang="zh-CN" sz="1533" dirty="0" smtClean="0"/>
+          </a:p>
+          <a:p>
+            <a:r>
+              <a:rPr lang="zh-CN" altLang="en-US" sz="1800" b="1" dirty="0" smtClean="0"/>
+              <a:t>输出阶段耗时较多的分析</a:t>
+            </a:r>
+            <a:endParaRPr lang="en-US" altLang="zh-CN" sz="1800" b="1" dirty="0"/>
+          </a:p>
+          <a:p>
+            <a:pPr marL="609585" lvl="1" indent="0">
+              <a:buNone/>
+            </a:pPr>
+            <a:r>
+              <a:rPr lang="zh-CN" altLang="en-US" sz="1533" dirty="0" smtClean="0"/>
+              <a:t>原因：</a:t>
+            </a:r>
+            <a:endParaRPr lang="en-US" altLang="zh-CN" sz="1533" dirty="0" smtClean="0"/>
+          </a:p>
+          <a:p>
+            <a:pPr marL="609585" lvl="1" indent="0">
+              <a:buNone/>
+            </a:pPr>
+            <a:r>
+              <a:rPr lang="en-US" altLang="zh-CN" sz="1533" dirty="0"/>
+              <a:t>	</a:t>
+            </a:r>
+            <a:r>
+              <a:rPr lang="zh-CN" altLang="en-US" sz="1533" dirty="0" smtClean="0"/>
+              <a:t>输出阶段，由于需要计算音频</a:t>
+            </a:r>
+            <a:r>
+              <a:rPr lang="en-US" altLang="zh-CN" sz="1533" dirty="0" smtClean="0"/>
+              <a:t>packet</a:t>
+            </a:r>
+            <a:r>
+              <a:rPr lang="zh-CN" altLang="en-US" sz="1533" dirty="0" smtClean="0"/>
+              <a:t>的时间戳， 尤其是最后一个音频数据的时间戳，需要等到源</a:t>
+            </a:r>
+            <a:r>
+              <a:rPr lang="en-US" altLang="zh-CN" sz="1533" dirty="0" smtClean="0"/>
+              <a:t>TS</a:t>
+            </a:r>
+            <a:r>
+              <a:rPr lang="zh-CN" altLang="en-US" sz="1533" dirty="0" smtClean="0"/>
+              <a:t>数据全部解析完，根据其中最后</a:t>
+            </a:r>
+            <a:r>
+              <a:rPr lang="en-US" altLang="zh-CN" sz="1533" dirty="0" smtClean="0"/>
+              <a:t>AAC</a:t>
+            </a:r>
+            <a:r>
+              <a:rPr lang="zh-CN" altLang="en-US" sz="1533" dirty="0" smtClean="0"/>
+              <a:t>的时间戳来确定。 所以</a:t>
+            </a:r>
+            <a:r>
+              <a:rPr lang="en-US" altLang="zh-CN" sz="1533" dirty="0" err="1" smtClean="0"/>
+              <a:t>Remux</a:t>
+            </a:r>
+            <a:r>
+              <a:rPr lang="zh-CN" altLang="en-US" sz="1533" dirty="0" smtClean="0"/>
+              <a:t>出来的数据，根据一定的策略，没有直接写入到缓存中，而是放到缓存了。</a:t>
+            </a:r>
+            <a:endParaRPr lang="en-US" altLang="zh-CN" sz="1533" dirty="0" smtClean="0"/>
+          </a:p>
+          <a:p>
+            <a:pPr marL="609585" lvl="1" indent="0">
+              <a:buNone/>
+            </a:pPr>
+            <a:endParaRPr lang="en-US" altLang="zh-CN" sz="1533" dirty="0" smtClean="0"/>
+          </a:p>
+          <a:p>
+            <a:pPr marL="609585" lvl="1" indent="0">
+              <a:buNone/>
+            </a:pPr>
+            <a:r>
+              <a:rPr lang="zh-CN" altLang="en-US" sz="1533" dirty="0" smtClean="0"/>
+              <a:t>处理：</a:t>
+            </a:r>
+            <a:endParaRPr lang="en-US" altLang="zh-CN" sz="1533" dirty="0" smtClean="0"/>
+          </a:p>
+          <a:p>
+            <a:pPr marL="609585" lvl="1" indent="0">
+              <a:buNone/>
+            </a:pPr>
+            <a:r>
+              <a:rPr lang="en-US" altLang="zh-CN" sz="1533" dirty="0"/>
+              <a:t>	</a:t>
+            </a:r>
+            <a:r>
+              <a:rPr lang="zh-CN" altLang="en-US" sz="1533" dirty="0" smtClean="0"/>
+              <a:t>放入到缓存中的</a:t>
+            </a:r>
+            <a:r>
+              <a:rPr lang="en-US" altLang="zh-CN" sz="1533" dirty="0" smtClean="0"/>
+              <a:t>packet</a:t>
+            </a:r>
+            <a:r>
+              <a:rPr lang="zh-CN" altLang="en-US" sz="1533" dirty="0" smtClean="0"/>
+              <a:t>数据，根据实时</a:t>
+            </a:r>
+            <a:r>
+              <a:rPr lang="en-US" altLang="zh-CN" sz="1533" dirty="0" err="1" smtClean="0"/>
+              <a:t>demux</a:t>
+            </a:r>
+            <a:r>
+              <a:rPr lang="zh-CN" altLang="en-US" sz="1533" dirty="0" smtClean="0"/>
+              <a:t>出来的音频时间戳，做一个比较， 把时间戳较小的数据，从缓存中取出，直接写入到输出</a:t>
+            </a:r>
+            <a:r>
+              <a:rPr lang="en-US" altLang="zh-CN" sz="1533" dirty="0" smtClean="0"/>
+              <a:t>buffer</a:t>
+            </a:r>
+            <a:r>
+              <a:rPr lang="zh-CN" altLang="en-US" sz="1533" dirty="0" smtClean="0"/>
+              <a:t>，这样</a:t>
+            </a:r>
+            <a:r>
+              <a:rPr lang="en-US" altLang="zh-CN" sz="1533" dirty="0" smtClean="0"/>
+              <a:t>ROM</a:t>
+            </a:r>
+            <a:r>
+              <a:rPr lang="zh-CN" altLang="en-US" sz="1533" dirty="0"/>
+              <a:t>就</a:t>
+            </a:r>
+            <a:r>
+              <a:rPr lang="zh-CN" altLang="en-US" sz="1533" dirty="0" smtClean="0"/>
+              <a:t>可以访问到。</a:t>
+            </a:r>
+            <a:endParaRPr lang="en-US" altLang="zh-CN" sz="1533" dirty="0" smtClean="0"/>
+          </a:p>
+          <a:p>
+            <a:pPr marL="609585" lvl="1" indent="0">
+              <a:buNone/>
+            </a:pPr>
+            <a:r>
+              <a:rPr lang="en-US" altLang="zh-CN" sz="1533" dirty="0"/>
+              <a:t>	</a:t>
+            </a:r>
+            <a:endParaRPr lang="en-US" altLang="zh-CN" sz="1533" dirty="0" smtClean="0"/>
+          </a:p>
+        </p:txBody>
+      </p:sp>
+    </p:spTree>
+    <p:extLst>
+      <p:ext uri="{BB962C8B-B14F-4D97-AF65-F5344CB8AC3E}">
+        <p14:creationId xmlns:p14="http://schemas.microsoft.com/office/powerpoint/2010/main" val="3551114183"/>
+      </p:ext>
+    </p:extLst>
+  </p:cSld>
+  <p:clrMapOvr>
+    <a:masterClrMapping/>
+  </p:clrMapOvr>
+</p:sld>
+</file>
+
+<file path=ppt/slides/slide8.xml><?xml version="1.0" encoding="utf-8"?>
+<p:sld xmlns:a="http://schemas.openxmlformats.org/drawingml/2006/main" xmlns:r="http://schemas.openxmlformats.org/officeDocument/2006/relationships" xmlns:p="http://schemas.openxmlformats.org/presentationml/2006/main">
+  <p:cSld>
+    <p:spTree>
+      <p:nvGrpSpPr>
+        <p:cNvPr id="1" name=""/>
+        <p:cNvGrpSpPr/>
+        <p:nvPr/>
+      </p:nvGrpSpPr>
+      <p:grpSpPr>
+        <a:xfrm>
+          <a:off x="0" y="0"/>
+          <a:ext cx="0" cy="0"/>
+          <a:chOff x="0" y="0"/>
+          <a:chExt cx="0" cy="0"/>
+        </a:xfrm>
+      </p:grpSpPr>
+      <p:sp>
+        <p:nvSpPr>
+          <p:cNvPr id="2" name="标题 1"/>
+          <p:cNvSpPr>
+            <a:spLocks noGrp="1"/>
+          </p:cNvSpPr>
+          <p:nvPr>
+            <p:ph type="title"/>
+          </p:nvPr>
+        </p:nvSpPr>
+        <p:spPr/>
+        <p:txBody>
+          <a:bodyPr/>
+          <a:lstStyle/>
+          <a:p>
+            <a:r>
+              <a:rPr lang="zh-CN" altLang="en-US" dirty="0"/>
+              <a:t>杜比</a:t>
+            </a:r>
+            <a:r>
+              <a:rPr lang="en-US" altLang="zh-CN" dirty="0"/>
+              <a:t>4K</a:t>
+            </a:r>
+            <a:r>
+              <a:rPr lang="zh-CN" altLang="en-US" dirty="0"/>
+              <a:t>码流无法起播的问题</a:t>
+            </a:r>
+          </a:p>
+        </p:txBody>
+      </p:sp>
+      <p:sp>
+        <p:nvSpPr>
+          <p:cNvPr id="3" name="内容占位符 2"/>
+          <p:cNvSpPr>
+            <a:spLocks noGrp="1"/>
+          </p:cNvSpPr>
+          <p:nvPr>
+            <p:ph idx="1"/>
+          </p:nvPr>
+        </p:nvSpPr>
+        <p:spPr/>
+        <p:txBody>
+          <a:bodyPr>
+            <a:normAutofit/>
+          </a:bodyPr>
+          <a:lstStyle/>
+          <a:p>
+            <a:pPr marL="0" indent="0">
+              <a:buNone/>
+            </a:pPr>
+            <a:r>
+              <a:rPr lang="zh-CN" altLang="en-US" sz="1800" b="1" dirty="0"/>
+              <a:t>针对</a:t>
+            </a:r>
+            <a:r>
+              <a:rPr lang="en-US" altLang="zh-CN" sz="1800" b="1" dirty="0" err="1" smtClean="0"/>
+              <a:t>avformat_find_stream_info</a:t>
+            </a:r>
+            <a:r>
+              <a:rPr lang="zh-CN" altLang="en-US" sz="1800" b="1" dirty="0" smtClean="0"/>
+              <a:t>接口的后续优化。</a:t>
+            </a:r>
+            <a:endParaRPr lang="en-US" altLang="zh-CN" sz="1800" b="1" dirty="0" smtClean="0"/>
+          </a:p>
+          <a:p>
+            <a:pPr marL="0" indent="0">
+              <a:buNone/>
+            </a:pPr>
+            <a:endParaRPr lang="en-US" altLang="zh-CN" sz="1800" b="1" dirty="0" smtClean="0"/>
+          </a:p>
+          <a:p>
+            <a:pPr marL="0" indent="0">
+              <a:buNone/>
+            </a:pPr>
+            <a:r>
+              <a:rPr lang="en-US" altLang="zh-CN" sz="1600" dirty="0" smtClean="0"/>
+              <a:t>1.</a:t>
+            </a:r>
+            <a:r>
+              <a:rPr lang="zh-CN" altLang="en-US" sz="1600" dirty="0" smtClean="0"/>
+              <a:t>针对</a:t>
+            </a:r>
+            <a:r>
+              <a:rPr lang="en-US" altLang="zh-CN" sz="1600" dirty="0" err="1" smtClean="0"/>
+              <a:t>FFmpeg</a:t>
+            </a:r>
+            <a:r>
+              <a:rPr lang="zh-CN" altLang="en-US" sz="1600" dirty="0" smtClean="0"/>
+              <a:t>源码的优化。</a:t>
+            </a:r>
+            <a:endParaRPr lang="en-US" altLang="zh-CN" sz="1600" dirty="0" smtClean="0"/>
+          </a:p>
+          <a:p>
+            <a:pPr marL="0" indent="0">
+              <a:buNone/>
+            </a:pPr>
+            <a:r>
+              <a:rPr lang="en-US" altLang="zh-CN" sz="1600" dirty="0" smtClean="0"/>
+              <a:t>2.</a:t>
+            </a:r>
+            <a:r>
+              <a:rPr lang="zh-CN" altLang="en-US" sz="1600" dirty="0" smtClean="0"/>
+              <a:t>通过解析</a:t>
+            </a:r>
+            <a:r>
+              <a:rPr lang="en-US" altLang="zh-CN" sz="1600" dirty="0" smtClean="0"/>
+              <a:t>TS</a:t>
+            </a:r>
+            <a:r>
+              <a:rPr lang="zh-CN" altLang="en-US" sz="1600" dirty="0" smtClean="0"/>
+              <a:t>数据，从中直接获取相关的码流信息。</a:t>
+            </a:r>
+            <a:endParaRPr lang="en-US" altLang="zh-CN" sz="1600" dirty="0" smtClean="0"/>
+          </a:p>
+          <a:p>
+            <a:pPr marL="0" indent="0">
+              <a:buNone/>
+            </a:pPr>
+            <a:r>
+              <a:rPr lang="en-US" altLang="zh-CN" sz="1600" dirty="0" smtClean="0"/>
+              <a:t>3.</a:t>
+            </a:r>
+            <a:r>
+              <a:rPr lang="zh-CN" altLang="en-US" sz="1600" dirty="0" smtClean="0"/>
+              <a:t>从后台直接获取相关的码流信息。</a:t>
+            </a:r>
+            <a:endParaRPr lang="en-US" altLang="zh-CN" sz="1600" dirty="0" smtClean="0"/>
+          </a:p>
+          <a:p>
+            <a:endParaRPr lang="zh-CN" altLang="en-US" sz="1800" b="1" dirty="0"/>
+          </a:p>
+        </p:txBody>
+      </p:sp>
+    </p:spTree>
+    <p:extLst>
+      <p:ext uri="{BB962C8B-B14F-4D97-AF65-F5344CB8AC3E}">
+        <p14:creationId xmlns:p14="http://schemas.microsoft.com/office/powerpoint/2010/main" val="1820532583"/>
+      </p:ext>
+    </p:extLst>
   </p:cSld>
   <p:clrMapOvr>
     <a:masterClrMapping/>
@@ -6563,7 +7420,7 @@
           <a:p>
             <a:r>
               <a:rPr lang="zh-CN" altLang="en-US" dirty="0" smtClean="0"/>
-              <a:t>其他问题</a:t>
+              <a:t>杜比杂音问题</a:t>
             </a:r>
             <a:endParaRPr lang="zh-CN" altLang="en-US" dirty="0"/>
           </a:p>
@@ -6581,61 +7438,21 @@
         </p:nvSpPr>
         <p:spPr/>
         <p:txBody>
-          <a:bodyPr>
-            <a:normAutofit/>
-          </a:bodyPr>
+          <a:bodyPr/>
           <a:lstStyle/>
           <a:p>
-            <a:pPr>
-              <a:buNone/>
-            </a:pPr>
-            <a:r>
-              <a:rPr lang="en-US" altLang="zh-CN" sz="1800" b="1" dirty="0" smtClean="0"/>
-              <a:t>1.H264</a:t>
+            <a:r>
+              <a:rPr lang="zh-CN" altLang="en-US" sz="1800" b="1" dirty="0"/>
+              <a:t>问题描述： 在播放杜比码流过程中</a:t>
             </a:r>
             <a:r>
               <a:rPr lang="zh-CN" altLang="en-US" sz="1800" b="1" dirty="0" smtClean="0"/>
-              <a:t>码流时，遇到</a:t>
-            </a:r>
-            <a:r>
-              <a:rPr lang="en-US" altLang="zh-CN" sz="1800" b="1" dirty="0" smtClean="0"/>
-              <a:t>IDR</a:t>
-            </a:r>
-            <a:r>
-              <a:rPr lang="zh-CN" altLang="en-US" sz="1800" b="1" dirty="0" smtClean="0"/>
-              <a:t>帧时，时间戳异常的问题。</a:t>
-            </a:r>
-            <a:endParaRPr lang="en-US" altLang="zh-CN" sz="1800" b="1" dirty="0" smtClean="0"/>
-          </a:p>
-          <a:p>
-            <a:pPr>
-              <a:buNone/>
-            </a:pPr>
-            <a:r>
-              <a:rPr lang="en-US" altLang="zh-CN" sz="1800" b="1" dirty="0" smtClean="0"/>
-              <a:t>2.FFmpeg</a:t>
-            </a:r>
-            <a:r>
-              <a:rPr lang="zh-CN" altLang="en-US" sz="1800" b="1" dirty="0" smtClean="0"/>
-              <a:t>只读取到</a:t>
-            </a:r>
-            <a:r>
-              <a:rPr lang="en-US" altLang="zh-CN" sz="1800" b="1" dirty="0"/>
-              <a:t>Picture </a:t>
-            </a:r>
-            <a:r>
-              <a:rPr lang="en-US" altLang="zh-CN" sz="1800" b="1" dirty="0" err="1"/>
-              <a:t>Paramater</a:t>
-            </a:r>
-            <a:r>
-              <a:rPr lang="en-US" altLang="zh-CN" sz="1800" b="1" dirty="0"/>
-              <a:t> Set(PPS)</a:t>
-            </a:r>
-            <a:r>
-              <a:rPr lang="zh-CN" altLang="en-US" sz="1800" b="1" dirty="0" smtClean="0"/>
-              <a:t>数据的情况。</a:t>
-            </a:r>
-            <a:endParaRPr lang="zh-CN" altLang="en-US" sz="1800" b="1" dirty="0"/>
+              <a:t>，会出现杂音现象。</a:t>
+            </a:r>
+            <a:endParaRPr lang="en-US" altLang="zh-CN" sz="1800" b="1" dirty="0"/>
+          </a:p>
+          <a:p>
+            <a:endParaRPr lang="zh-CN" altLang="en-US" dirty="0"/>
           </a:p>
         </p:txBody>
       </p:sp>

--- a/ISO_IEC_Document/mpegts/ppt/2018-第四季度季度会报告.pptx
+++ b/ISO_IEC_Document/mpegts/ppt/2018-第四季度季度会报告.pptx
@@ -14,9 +14,11 @@
     <p:sldId id="296" r:id="rId8"/>
     <p:sldId id="297" r:id="rId9"/>
     <p:sldId id="293" r:id="rId10"/>
-    <p:sldId id="289" r:id="rId11"/>
-    <p:sldId id="295" r:id="rId12"/>
-    <p:sldId id="262" r:id="rId13"/>
+    <p:sldId id="298" r:id="rId11"/>
+    <p:sldId id="289" r:id="rId12"/>
+    <p:sldId id="299" r:id="rId13"/>
+    <p:sldId id="295" r:id="rId14"/>
+    <p:sldId id="262" r:id="rId15"/>
   </p:sldIdLst>
   <p:sldSz cx="12192000" cy="6858000"/>
   <p:notesSz cx="6858000" cy="9144000"/>
@@ -354,7 +356,7 @@
           <p:cNvPr id="5" name="图片 4">
             <a:extLst>
               <a:ext uri="{FF2B5EF4-FFF2-40B4-BE49-F238E27FC236}">
-                <a16:creationId xmlns="" xmlns:a16="http://schemas.microsoft.com/office/drawing/2014/main" id="{D8F29E28-3383-EC4B-8CEE-64C78C70C2B5}"/>
+                <a16:creationId xmlns:a16="http://schemas.microsoft.com/office/drawing/2014/main" xmlns="" id="{D8F29E28-3383-EC4B-8CEE-64C78C70C2B5}"/>
               </a:ext>
             </a:extLst>
           </p:cNvPr>
@@ -649,7 +651,7 @@
           <p:cNvPr id="5" name="组合 4">
             <a:extLst>
               <a:ext uri="{FF2B5EF4-FFF2-40B4-BE49-F238E27FC236}">
-                <a16:creationId xmlns="" xmlns:a16="http://schemas.microsoft.com/office/drawing/2014/main" id="{AB313482-0071-1142-AF54-63A6BE03E425}"/>
+                <a16:creationId xmlns:a16="http://schemas.microsoft.com/office/drawing/2014/main" xmlns="" id="{AB313482-0071-1142-AF54-63A6BE03E425}"/>
               </a:ext>
             </a:extLst>
           </p:cNvPr>
@@ -715,7 +717,7 @@
             <p:cNvPr id="6" name="图片 5">
               <a:extLst>
                 <a:ext uri="{FF2B5EF4-FFF2-40B4-BE49-F238E27FC236}">
-                  <a16:creationId xmlns="" xmlns:a16="http://schemas.microsoft.com/office/drawing/2014/main" id="{7C832BA5-0115-4D4E-89B0-C288AC9F0761}"/>
+                  <a16:creationId xmlns:a16="http://schemas.microsoft.com/office/drawing/2014/main" xmlns="" id="{7C832BA5-0115-4D4E-89B0-C288AC9F0761}"/>
                 </a:ext>
               </a:extLst>
             </p:cNvPr>
@@ -752,7 +754,7 @@
           <p:cNvPr id="9" name="矩形 8">
             <a:extLst>
               <a:ext uri="{FF2B5EF4-FFF2-40B4-BE49-F238E27FC236}">
-                <a16:creationId xmlns="" xmlns:a16="http://schemas.microsoft.com/office/drawing/2014/main" id="{77E86F90-C034-AE42-A96C-4017F6EF3D13}"/>
+                <a16:creationId xmlns:a16="http://schemas.microsoft.com/office/drawing/2014/main" xmlns="" id="{77E86F90-C034-AE42-A96C-4017F6EF3D13}"/>
               </a:ext>
             </a:extLst>
           </p:cNvPr>
@@ -853,7 +855,7 @@
           <p:cNvPr id="5" name="日期占位符 2">
             <a:extLst>
               <a:ext uri="{FF2B5EF4-FFF2-40B4-BE49-F238E27FC236}">
-                <a16:creationId xmlns="" xmlns:a16="http://schemas.microsoft.com/office/drawing/2014/main" id="{37E1FE39-26AF-3A45-906C-07E56C92E547}"/>
+                <a16:creationId xmlns:a16="http://schemas.microsoft.com/office/drawing/2014/main" xmlns="" id="{37E1FE39-26AF-3A45-906C-07E56C92E547}"/>
               </a:ext>
             </a:extLst>
           </p:cNvPr>
@@ -880,7 +882,7 @@
             <a:fld id="{E464397B-F195-431B-A77B-CBC18328D7B0}" type="datetimeFigureOut">
               <a:rPr lang="zh-CN" altLang="en-US" smtClean="0"/>
               <a:pPr/>
-              <a:t>2019/1/22</a:t>
+              <a:t>2019/1/23</a:t>
             </a:fld>
             <a:endParaRPr lang="zh-CN" altLang="en-US"/>
           </a:p>
@@ -891,7 +893,7 @@
           <p:cNvPr id="6" name="页脚占位符 3">
             <a:extLst>
               <a:ext uri="{FF2B5EF4-FFF2-40B4-BE49-F238E27FC236}">
-                <a16:creationId xmlns="" xmlns:a16="http://schemas.microsoft.com/office/drawing/2014/main" id="{8D7B2146-1535-844F-B761-CC457D0E25FE}"/>
+                <a16:creationId xmlns:a16="http://schemas.microsoft.com/office/drawing/2014/main" xmlns="" id="{8D7B2146-1535-844F-B761-CC457D0E25FE}"/>
               </a:ext>
             </a:extLst>
           </p:cNvPr>
@@ -924,7 +926,7 @@
           <p:cNvPr id="7" name="灯片编号占位符 4">
             <a:extLst>
               <a:ext uri="{FF2B5EF4-FFF2-40B4-BE49-F238E27FC236}">
-                <a16:creationId xmlns="" xmlns:a16="http://schemas.microsoft.com/office/drawing/2014/main" id="{B0C92930-71B6-2946-8BD0-E51BC6DB98B9}"/>
+                <a16:creationId xmlns:a16="http://schemas.microsoft.com/office/drawing/2014/main" xmlns="" id="{B0C92930-71B6-2946-8BD0-E51BC6DB98B9}"/>
               </a:ext>
             </a:extLst>
           </p:cNvPr>
@@ -1665,8 +1667,12 @@
           <a:lstStyle/>
           <a:p>
             <a:r>
+              <a:rPr lang="zh-CN" altLang="en-US" dirty="0"/>
+              <a:t>杜比杂音</a:t>
+            </a:r>
+            <a:r>
               <a:rPr lang="zh-CN" altLang="en-US" dirty="0" smtClean="0"/>
-              <a:t>杜比断音问题</a:t>
+              <a:t>问题的一些思考</a:t>
             </a:r>
             <a:endParaRPr lang="zh-CN" altLang="en-US" dirty="0"/>
           </a:p>
@@ -1689,45 +1695,113 @@
           </a:bodyPr>
           <a:lstStyle/>
           <a:p>
-            <a:pPr>
+            <a:pPr marL="0" indent="0">
               <a:buNone/>
             </a:pPr>
             <a:r>
               <a:rPr lang="zh-CN" altLang="en-US" sz="1800" b="1" dirty="0" smtClean="0"/>
-              <a:t>问题描述： 在播放杜比码流过程中，会出现短暂时间内，没有声音的现象。</a:t>
+              <a:t>关于代码</a:t>
+            </a:r>
+            <a:r>
+              <a:rPr lang="en-US" altLang="zh-CN" sz="1800" b="1" dirty="0" smtClean="0"/>
+              <a:t>merge</a:t>
+            </a:r>
+            <a:r>
+              <a:rPr lang="zh-CN" altLang="en-US" sz="1800" b="1" dirty="0" smtClean="0"/>
+              <a:t>的处理</a:t>
             </a:r>
             <a:endParaRPr lang="en-US" altLang="zh-CN" sz="1800" b="1" dirty="0" smtClean="0"/>
           </a:p>
           <a:p>
-            <a:pPr>
+            <a:pPr marL="1090064" lvl="1" indent="-342900">
+              <a:buAutoNum type="arabicPeriod"/>
+            </a:pPr>
+            <a:r>
+              <a:rPr lang="zh-CN" altLang="en-US" sz="1600" dirty="0" smtClean="0"/>
+              <a:t>手动</a:t>
+            </a:r>
+            <a:r>
+              <a:rPr lang="en-US" altLang="zh-CN" sz="1600" dirty="0" smtClean="0"/>
+              <a:t>merge</a:t>
+            </a:r>
+            <a:r>
+              <a:rPr lang="zh-CN" altLang="en-US" sz="1600" dirty="0" smtClean="0"/>
+              <a:t>代码。 我自己的一些习惯，代码差异较大时，习惯手动来处理代码，主要是想避免过多的冲突，但是就会存在一些潜在的风险。</a:t>
+            </a:r>
+            <a:endParaRPr lang="en-US" altLang="zh-CN" sz="1600" dirty="0" smtClean="0"/>
+          </a:p>
+          <a:p>
+            <a:pPr marL="1280551" lvl="2" indent="0">
               <a:buNone/>
             </a:pPr>
-            <a:endParaRPr lang="en-US" altLang="zh-CN" sz="1800" b="1" dirty="0"/>
-          </a:p>
-          <a:p>
-            <a:pPr>
+            <a:endParaRPr lang="en-US" altLang="zh-CN" sz="1600" dirty="0" smtClean="0"/>
+          </a:p>
+          <a:p>
+            <a:pPr marL="1090064" lvl="1" indent="-342900">
+              <a:buAutoNum type="arabicPeriod"/>
+            </a:pPr>
+            <a:r>
+              <a:rPr lang="en-US" altLang="zh-CN" sz="1600" dirty="0" err="1" smtClean="0"/>
+              <a:t>Git</a:t>
+            </a:r>
+            <a:r>
+              <a:rPr lang="en-US" altLang="zh-CN" sz="1600" dirty="0" smtClean="0"/>
+              <a:t> </a:t>
+            </a:r>
+            <a:r>
+              <a:rPr lang="zh-CN" altLang="en-US" sz="1600" dirty="0" smtClean="0"/>
+              <a:t>命令</a:t>
+            </a:r>
+            <a:r>
+              <a:rPr lang="en-US" altLang="zh-CN" sz="1600" dirty="0" smtClean="0"/>
+              <a:t>merge</a:t>
+            </a:r>
+            <a:r>
+              <a:rPr lang="zh-CN" altLang="en-US" sz="1600" dirty="0" smtClean="0"/>
+              <a:t>代码。 </a:t>
+            </a:r>
+            <a:endParaRPr lang="en-US" altLang="zh-CN" sz="1600" dirty="0" smtClean="0"/>
+          </a:p>
+          <a:p>
+            <a:pPr marL="1623451" lvl="2" indent="-342900">
+              <a:buAutoNum type="arabicPeriod"/>
+            </a:pPr>
+            <a:endParaRPr lang="en-US" altLang="zh-CN" sz="1800" dirty="0" smtClean="0"/>
+          </a:p>
+          <a:p>
+            <a:pPr marL="0" indent="0">
               <a:buNone/>
             </a:pPr>
+            <a:r>
+              <a:rPr lang="zh-CN" altLang="en-US" sz="1800" b="1" dirty="0" smtClean="0"/>
+              <a:t>代码检测工具</a:t>
+            </a:r>
             <a:endParaRPr lang="en-US" altLang="zh-CN" sz="1800" b="1" dirty="0" smtClean="0"/>
           </a:p>
           <a:p>
-            <a:pPr>
+            <a:pPr marL="0" indent="0">
               <a:buNone/>
             </a:pPr>
-            <a:endParaRPr lang="en-US" altLang="zh-CN" sz="1800" b="1" dirty="0"/>
-          </a:p>
-          <a:p>
-            <a:pPr>
-              <a:buNone/>
-            </a:pPr>
-            <a:endParaRPr lang="zh-CN" altLang="en-US" sz="1800" b="1" dirty="0"/>
+            <a:r>
+              <a:rPr lang="en-US" altLang="zh-CN" sz="1800" b="1" dirty="0" smtClean="0"/>
+              <a:t>            </a:t>
+            </a:r>
+            <a:r>
+              <a:rPr lang="zh-CN" altLang="en-US" sz="1600" dirty="0" smtClean="0"/>
+              <a:t>对于一些简单的代码检测，可以借助工具的方式来完成。</a:t>
+            </a:r>
+            <a:r>
+              <a:rPr lang="en-US" altLang="zh-CN" sz="1800" dirty="0"/>
+              <a:t>	</a:t>
+            </a:r>
+            <a:endParaRPr lang="en-US" altLang="zh-CN" sz="1800" dirty="0" smtClean="0"/>
           </a:p>
         </p:txBody>
       </p:sp>
     </p:spTree>
     <p:extLst>
       <p:ext uri="{BB962C8B-B14F-4D97-AF65-F5344CB8AC3E}">
-        <p14:creationId xmlns:p14="http://schemas.microsoft.com/office/powerpoint/2010/main" val="875366229"/>
+        <p14:creationId xmlns:p14="http://schemas.microsoft.com/office/powerpoint/2010/main" val="2871026012"/>
       </p:ext>
     </p:extLst>
   </p:cSld>
@@ -1771,7 +1845,7 @@
           <a:p>
             <a:r>
               <a:rPr lang="zh-CN" altLang="en-US" dirty="0" smtClean="0"/>
-              <a:t>其他问题</a:t>
+              <a:t>杜比断音问题</a:t>
             </a:r>
             <a:endParaRPr lang="zh-CN" altLang="en-US" dirty="0"/>
           </a:p>
@@ -1798,20 +1872,8 @@
               <a:buNone/>
             </a:pPr>
             <a:r>
-              <a:rPr lang="en-US" altLang="zh-CN" sz="1800" b="1" dirty="0" smtClean="0"/>
-              <a:t>1.H264</a:t>
-            </a:r>
-            <a:r>
               <a:rPr lang="zh-CN" altLang="en-US" sz="1800" b="1" dirty="0" smtClean="0"/>
-              <a:t>码流时，遇到</a:t>
-            </a:r>
-            <a:r>
-              <a:rPr lang="en-US" altLang="zh-CN" sz="1800" b="1" dirty="0" smtClean="0"/>
-              <a:t>IDR</a:t>
-            </a:r>
-            <a:r>
-              <a:rPr lang="zh-CN" altLang="en-US" sz="1800" b="1" dirty="0" smtClean="0"/>
-              <a:t>帧时，时间戳异常的问题。</a:t>
+              <a:t>问题描述： 在播放杜比码流过程中，会出现短暂时间内，没有声音的现象。</a:t>
             </a:r>
             <a:endParaRPr lang="en-US" altLang="zh-CN" sz="1800" b="1" dirty="0" smtClean="0"/>
           </a:p>
@@ -1819,31 +1881,2319 @@
             <a:pPr>
               <a:buNone/>
             </a:pPr>
-            <a:r>
-              <a:rPr lang="en-US" altLang="zh-CN" sz="1800" b="1" dirty="0" smtClean="0"/>
+            <a:endParaRPr lang="en-US" altLang="zh-CN" sz="1800" b="1" dirty="0"/>
+          </a:p>
+          <a:p>
+            <a:pPr>
+              <a:buNone/>
+            </a:pPr>
+            <a:r>
+              <a:rPr lang="zh-CN" altLang="en-US" sz="1800" b="1" dirty="0" smtClean="0"/>
+              <a:t>问题分析：</a:t>
+            </a:r>
+            <a:endParaRPr lang="en-US" altLang="zh-CN" sz="1800" b="1" dirty="0" smtClean="0"/>
+          </a:p>
+          <a:p>
+            <a:pPr>
+              <a:buNone/>
+            </a:pPr>
+            <a:r>
+              <a:rPr lang="en-US" altLang="zh-CN" sz="1800" dirty="0"/>
+              <a:t> </a:t>
+            </a:r>
+            <a:r>
+              <a:rPr lang="en-US" altLang="zh-CN" sz="1800" dirty="0" smtClean="0"/>
+              <a:t>        </a:t>
+            </a:r>
+            <a:r>
+              <a:rPr lang="zh-CN" altLang="en-US" sz="1600" dirty="0" smtClean="0"/>
+              <a:t>断音的问题，实质上是由于音频时间戳不连续导致的。</a:t>
+            </a:r>
+            <a:endParaRPr lang="en-US" altLang="zh-CN" sz="1600" dirty="0" smtClean="0"/>
+          </a:p>
+          <a:p>
+            <a:pPr>
+              <a:buNone/>
+            </a:pPr>
+            <a:endParaRPr lang="en-US" altLang="zh-CN" sz="1800" b="1" dirty="0"/>
+          </a:p>
+          <a:p>
+            <a:pPr>
+              <a:buNone/>
+            </a:pPr>
+            <a:endParaRPr lang="zh-CN" altLang="en-US" sz="1800" b="1" dirty="0"/>
+          </a:p>
+        </p:txBody>
+      </p:sp>
+      <p:sp>
+        <p:nvSpPr>
+          <p:cNvPr id="4" name="矩形 3"/>
+          <p:cNvSpPr/>
+          <p:nvPr/>
+        </p:nvSpPr>
+        <p:spPr>
+          <a:xfrm>
+            <a:off x="1850571" y="2873828"/>
+            <a:ext cx="2362200" cy="174171"/>
+          </a:xfrm>
+          <a:prstGeom prst="rect">
+            <a:avLst/>
+          </a:prstGeom>
+        </p:spPr>
+        <p:style>
+          <a:lnRef idx="2">
+            <a:schemeClr val="accent1">
+              <a:shade val="50000"/>
+            </a:schemeClr>
+          </a:lnRef>
+          <a:fillRef idx="1">
+            <a:schemeClr val="accent1"/>
+          </a:fillRef>
+          <a:effectRef idx="0">
+            <a:schemeClr val="accent1"/>
+          </a:effectRef>
+          <a:fontRef idx="minor">
+            <a:schemeClr val="lt1"/>
+          </a:fontRef>
+        </p:style>
+        <p:txBody>
+          <a:bodyPr rtlCol="0" anchor="ctr"/>
+          <a:lstStyle/>
+          <a:p>
+            <a:pPr algn="ctr"/>
+            <a:r>
+              <a:rPr lang="en-US" altLang="zh-CN" dirty="0" smtClean="0"/>
+              <a:t>Ts1</a:t>
+            </a:r>
+            <a:endParaRPr lang="zh-CN" altLang="en-US" dirty="0"/>
+          </a:p>
+        </p:txBody>
+      </p:sp>
+      <p:sp>
+        <p:nvSpPr>
+          <p:cNvPr id="5" name="矩形 4"/>
+          <p:cNvSpPr/>
+          <p:nvPr/>
+        </p:nvSpPr>
+        <p:spPr>
+          <a:xfrm>
+            <a:off x="5181601" y="2884713"/>
+            <a:ext cx="2362200" cy="174171"/>
+          </a:xfrm>
+          <a:prstGeom prst="rect">
+            <a:avLst/>
+          </a:prstGeom>
+        </p:spPr>
+        <p:style>
+          <a:lnRef idx="2">
+            <a:schemeClr val="accent1">
+              <a:shade val="50000"/>
+            </a:schemeClr>
+          </a:lnRef>
+          <a:fillRef idx="1">
+            <a:schemeClr val="accent1"/>
+          </a:fillRef>
+          <a:effectRef idx="0">
+            <a:schemeClr val="accent1"/>
+          </a:effectRef>
+          <a:fontRef idx="minor">
+            <a:schemeClr val="lt1"/>
+          </a:fontRef>
+        </p:style>
+        <p:txBody>
+          <a:bodyPr rtlCol="0" anchor="ctr"/>
+          <a:lstStyle/>
+          <a:p>
+            <a:pPr algn="ctr"/>
+            <a:r>
+              <a:rPr lang="en-US" altLang="zh-CN" dirty="0" smtClean="0"/>
+              <a:t>Ts2</a:t>
+            </a:r>
+            <a:endParaRPr lang="zh-CN" altLang="en-US" dirty="0"/>
+          </a:p>
+        </p:txBody>
+      </p:sp>
+      <p:cxnSp>
+        <p:nvCxnSpPr>
+          <p:cNvPr id="6" name="直接箭头连接符 5"/>
+          <p:cNvCxnSpPr>
+            <a:stCxn id="4" idx="1"/>
+          </p:cNvCxnSpPr>
+          <p:nvPr/>
+        </p:nvCxnSpPr>
+        <p:spPr>
+          <a:xfrm flipH="1">
+            <a:off x="1458685" y="2960914"/>
+            <a:ext cx="391886" cy="1776548"/>
+          </a:xfrm>
+          <a:prstGeom prst="straightConnector1">
+            <a:avLst/>
+          </a:prstGeom>
+          <a:ln>
+            <a:tailEnd type="triangle"/>
+          </a:ln>
+        </p:spPr>
+        <p:style>
+          <a:lnRef idx="1">
+            <a:schemeClr val="accent1"/>
+          </a:lnRef>
+          <a:fillRef idx="0">
+            <a:schemeClr val="accent1"/>
+          </a:fillRef>
+          <a:effectRef idx="0">
+            <a:schemeClr val="accent1"/>
+          </a:effectRef>
+          <a:fontRef idx="minor">
+            <a:schemeClr val="tx1"/>
+          </a:fontRef>
+        </p:style>
+      </p:cxnSp>
+      <p:cxnSp>
+        <p:nvCxnSpPr>
+          <p:cNvPr id="7" name="直接箭头连接符 6"/>
+          <p:cNvCxnSpPr/>
+          <p:nvPr/>
+        </p:nvCxnSpPr>
+        <p:spPr>
+          <a:xfrm flipH="1">
+            <a:off x="3829322" y="3058884"/>
+            <a:ext cx="383449" cy="1678578"/>
+          </a:xfrm>
+          <a:prstGeom prst="straightConnector1">
+            <a:avLst/>
+          </a:prstGeom>
+          <a:ln>
+            <a:tailEnd type="triangle"/>
+          </a:ln>
+        </p:spPr>
+        <p:style>
+          <a:lnRef idx="1">
+            <a:schemeClr val="accent1"/>
+          </a:lnRef>
+          <a:fillRef idx="0">
+            <a:schemeClr val="accent1"/>
+          </a:fillRef>
+          <a:effectRef idx="0">
+            <a:schemeClr val="accent1"/>
+          </a:effectRef>
+          <a:fontRef idx="minor">
+            <a:schemeClr val="tx1"/>
+          </a:fontRef>
+        </p:style>
+      </p:cxnSp>
+      <p:cxnSp>
+        <p:nvCxnSpPr>
+          <p:cNvPr id="8" name="直接箭头连接符 7"/>
+          <p:cNvCxnSpPr>
+            <a:stCxn id="5" idx="1"/>
+          </p:cNvCxnSpPr>
+          <p:nvPr/>
+        </p:nvCxnSpPr>
+        <p:spPr>
+          <a:xfrm flipH="1">
+            <a:off x="4212771" y="2971799"/>
+            <a:ext cx="968830" cy="1765663"/>
+          </a:xfrm>
+          <a:prstGeom prst="straightConnector1">
+            <a:avLst/>
+          </a:prstGeom>
+          <a:ln>
+            <a:tailEnd type="triangle"/>
+          </a:ln>
+        </p:spPr>
+        <p:style>
+          <a:lnRef idx="1">
+            <a:schemeClr val="accent1"/>
+          </a:lnRef>
+          <a:fillRef idx="0">
+            <a:schemeClr val="accent1"/>
+          </a:fillRef>
+          <a:effectRef idx="0">
+            <a:schemeClr val="accent1"/>
+          </a:effectRef>
+          <a:fontRef idx="minor">
+            <a:schemeClr val="tx1"/>
+          </a:fontRef>
+        </p:style>
+      </p:cxnSp>
+      <p:cxnSp>
+        <p:nvCxnSpPr>
+          <p:cNvPr id="9" name="直接箭头连接符 8"/>
+          <p:cNvCxnSpPr>
+            <a:stCxn id="5" idx="3"/>
+          </p:cNvCxnSpPr>
+          <p:nvPr/>
+        </p:nvCxnSpPr>
+        <p:spPr>
+          <a:xfrm flipH="1">
+            <a:off x="6857999" y="2971799"/>
+            <a:ext cx="685802" cy="1765663"/>
+          </a:xfrm>
+          <a:prstGeom prst="straightConnector1">
+            <a:avLst/>
+          </a:prstGeom>
+          <a:ln>
+            <a:tailEnd type="triangle"/>
+          </a:ln>
+        </p:spPr>
+        <p:style>
+          <a:lnRef idx="1">
+            <a:schemeClr val="accent1"/>
+          </a:lnRef>
+          <a:fillRef idx="0">
+            <a:schemeClr val="accent1"/>
+          </a:fillRef>
+          <a:effectRef idx="0">
+            <a:schemeClr val="accent1"/>
+          </a:effectRef>
+          <a:fontRef idx="minor">
+            <a:schemeClr val="tx1"/>
+          </a:fontRef>
+        </p:style>
+      </p:cxnSp>
+      <p:sp>
+        <p:nvSpPr>
+          <p:cNvPr id="10" name="文本框 9"/>
+          <p:cNvSpPr txBox="1"/>
+          <p:nvPr/>
+        </p:nvSpPr>
+        <p:spPr>
+          <a:xfrm>
+            <a:off x="10003971" y="4507077"/>
+            <a:ext cx="1277786" cy="1938992"/>
+          </a:xfrm>
+          <a:prstGeom prst="rect">
+            <a:avLst/>
+          </a:prstGeom>
+          <a:noFill/>
+        </p:spPr>
+        <p:txBody>
+          <a:bodyPr wrap="square" rtlCol="0">
+            <a:spAutoFit/>
+          </a:bodyPr>
+          <a:lstStyle/>
+          <a:p>
+            <a:r>
+              <a:rPr lang="en-US" altLang="zh-CN" sz="1600" dirty="0" smtClean="0"/>
+              <a:t>Audio Data </a:t>
+            </a:r>
+          </a:p>
+          <a:p>
+            <a:r>
+              <a:rPr lang="en-US" altLang="zh-CN" sz="1600" dirty="0" smtClean="0"/>
+              <a:t>Mp4 File</a:t>
+            </a:r>
+          </a:p>
+          <a:p>
+            <a:r>
+              <a:rPr lang="en-US" altLang="zh-CN" sz="1600" dirty="0" smtClean="0"/>
+              <a:t>EAC-3 Data</a:t>
+            </a:r>
+          </a:p>
+          <a:p>
+            <a:endParaRPr lang="en-US" altLang="zh-CN" dirty="0" smtClean="0"/>
+          </a:p>
+          <a:p>
+            <a:endParaRPr lang="en-US" altLang="zh-CN" dirty="0" smtClean="0"/>
+          </a:p>
+          <a:p>
+            <a:endParaRPr lang="en-US" altLang="zh-CN" dirty="0" smtClean="0"/>
+          </a:p>
+          <a:p>
+            <a:endParaRPr lang="zh-CN" altLang="en-US" dirty="0"/>
+          </a:p>
+        </p:txBody>
+      </p:sp>
+      <p:sp>
+        <p:nvSpPr>
+          <p:cNvPr id="11" name="文本框 10"/>
+          <p:cNvSpPr txBox="1"/>
+          <p:nvPr/>
+        </p:nvSpPr>
+        <p:spPr>
+          <a:xfrm>
+            <a:off x="1299827" y="5373288"/>
+            <a:ext cx="317716" cy="369332"/>
+          </a:xfrm>
+          <a:prstGeom prst="rect">
+            <a:avLst/>
+          </a:prstGeom>
+          <a:noFill/>
+        </p:spPr>
+        <p:txBody>
+          <a:bodyPr wrap="none" rtlCol="0">
+            <a:spAutoFit/>
+          </a:bodyPr>
+          <a:lstStyle/>
+          <a:p>
+            <a:r>
+              <a:rPr lang="en-US" altLang="zh-CN" dirty="0" smtClean="0"/>
+              <a:t>A</a:t>
+            </a:r>
+            <a:endParaRPr lang="zh-CN" altLang="en-US" dirty="0"/>
+          </a:p>
+        </p:txBody>
+      </p:sp>
+      <p:sp>
+        <p:nvSpPr>
+          <p:cNvPr id="12" name="文本框 11"/>
+          <p:cNvSpPr txBox="1"/>
+          <p:nvPr/>
+        </p:nvSpPr>
+        <p:spPr>
+          <a:xfrm>
+            <a:off x="3985018" y="5321528"/>
+            <a:ext cx="544073" cy="369332"/>
+          </a:xfrm>
+          <a:prstGeom prst="rect">
+            <a:avLst/>
+          </a:prstGeom>
+          <a:noFill/>
+        </p:spPr>
+        <p:txBody>
+          <a:bodyPr wrap="square" rtlCol="0">
+            <a:spAutoFit/>
+          </a:bodyPr>
+          <a:lstStyle/>
+          <a:p>
+            <a:r>
+              <a:rPr lang="en-US" altLang="zh-CN" dirty="0" smtClean="0"/>
+              <a:t>B3</a:t>
+            </a:r>
+            <a:endParaRPr lang="zh-CN" altLang="en-US" dirty="0"/>
+          </a:p>
+        </p:txBody>
+      </p:sp>
+      <p:sp>
+        <p:nvSpPr>
+          <p:cNvPr id="13" name="文本框 12"/>
+          <p:cNvSpPr txBox="1"/>
+          <p:nvPr/>
+        </p:nvSpPr>
+        <p:spPr>
+          <a:xfrm>
+            <a:off x="4350126" y="5321529"/>
+            <a:ext cx="470808" cy="380912"/>
+          </a:xfrm>
+          <a:prstGeom prst="rect">
+            <a:avLst/>
+          </a:prstGeom>
+          <a:noFill/>
+        </p:spPr>
+        <p:txBody>
+          <a:bodyPr wrap="square" rtlCol="0">
+            <a:spAutoFit/>
+          </a:bodyPr>
+          <a:lstStyle/>
+          <a:p>
+            <a:r>
+              <a:rPr lang="en-US" altLang="zh-CN" dirty="0" smtClean="0"/>
+              <a:t>B4</a:t>
+            </a:r>
+            <a:endParaRPr lang="zh-CN" altLang="en-US" dirty="0"/>
+          </a:p>
+        </p:txBody>
+      </p:sp>
+      <p:sp>
+        <p:nvSpPr>
+          <p:cNvPr id="14" name="文本框 13"/>
+          <p:cNvSpPr txBox="1"/>
+          <p:nvPr/>
+        </p:nvSpPr>
+        <p:spPr>
+          <a:xfrm>
+            <a:off x="6703950" y="5333109"/>
+            <a:ext cx="308098" cy="369332"/>
+          </a:xfrm>
+          <a:prstGeom prst="rect">
+            <a:avLst/>
+          </a:prstGeom>
+          <a:noFill/>
+        </p:spPr>
+        <p:txBody>
+          <a:bodyPr wrap="none" rtlCol="0">
+            <a:spAutoFit/>
+          </a:bodyPr>
+          <a:lstStyle/>
+          <a:p>
+            <a:r>
+              <a:rPr lang="en-US" altLang="zh-CN" dirty="0"/>
+              <a:t>C</a:t>
+            </a:r>
+            <a:endParaRPr lang="zh-CN" altLang="en-US" dirty="0"/>
+          </a:p>
+        </p:txBody>
+      </p:sp>
+      <p:graphicFrame>
+        <p:nvGraphicFramePr>
+          <p:cNvPr id="16" name="表格 15"/>
+          <p:cNvGraphicFramePr>
+            <a:graphicFrameLocks noGrp="1"/>
+          </p:cNvGraphicFramePr>
+          <p:nvPr>
+            <p:extLst>
+              <p:ext uri="{D42A27DB-BD31-4B8C-83A1-F6EECF244321}">
+                <p14:modId xmlns:p14="http://schemas.microsoft.com/office/powerpoint/2010/main" val="1991082979"/>
+              </p:ext>
+            </p:extLst>
+          </p:nvPr>
+        </p:nvGraphicFramePr>
+        <p:xfrm>
+          <a:off x="873321" y="4786646"/>
+          <a:ext cx="8889966" cy="457200"/>
+        </p:xfrm>
+        <a:graphic>
+          <a:graphicData uri="http://schemas.openxmlformats.org/drawingml/2006/table">
+            <a:tbl>
+              <a:tblPr firstRow="1" bandRow="1">
+                <a:tableStyleId>{5C22544A-7EE6-4342-B048-85BDC9FD1C3A}</a:tableStyleId>
+              </a:tblPr>
+              <a:tblGrid>
+                <a:gridCol w="329258"/>
+                <a:gridCol w="329258"/>
+                <a:gridCol w="329258"/>
+                <a:gridCol w="329258"/>
+                <a:gridCol w="329258"/>
+                <a:gridCol w="329258"/>
+                <a:gridCol w="329258"/>
+                <a:gridCol w="329258"/>
+                <a:gridCol w="295631"/>
+                <a:gridCol w="362885"/>
+                <a:gridCol w="329258"/>
+                <a:gridCol w="329258"/>
+                <a:gridCol w="329258"/>
+                <a:gridCol w="329258"/>
+                <a:gridCol w="329258"/>
+                <a:gridCol w="329258"/>
+                <a:gridCol w="329258"/>
+                <a:gridCol w="329258"/>
+                <a:gridCol w="329258"/>
+                <a:gridCol w="329258"/>
+                <a:gridCol w="329258"/>
+                <a:gridCol w="329258"/>
+                <a:gridCol w="329258"/>
+                <a:gridCol w="329258"/>
+                <a:gridCol w="329258"/>
+                <a:gridCol w="329258"/>
+                <a:gridCol w="329258"/>
+              </a:tblGrid>
+              <a:tr h="418227">
+                <a:tc>
+                  <a:txBody>
+                    <a:bodyPr/>
+                    <a:lstStyle/>
+                    <a:p>
+                      <a:endParaRPr lang="zh-CN" altLang="en-US" dirty="0"/>
+                    </a:p>
+                  </a:txBody>
+                  <a:tcPr>
+                    <a:lnL w="12700" cap="flat" cmpd="sng" algn="ctr">
+                      <a:solidFill>
+                        <a:schemeClr val="tx1"/>
+                      </a:solidFill>
+                      <a:prstDash val="solid"/>
+                      <a:round/>
+                      <a:headEnd type="none" w="med" len="med"/>
+                      <a:tailEnd type="none" w="med" len="med"/>
+                    </a:lnL>
+                    <a:lnR w="12700" cap="flat" cmpd="sng" algn="ctr">
+                      <a:solidFill>
+                        <a:schemeClr val="tx1"/>
+                      </a:solidFill>
+                      <a:prstDash val="solid"/>
+                      <a:round/>
+                      <a:headEnd type="none" w="med" len="med"/>
+                      <a:tailEnd type="none" w="med" len="med"/>
+                    </a:lnR>
+                    <a:lnT w="12700" cap="flat" cmpd="sng" algn="ctr">
+                      <a:solidFill>
+                        <a:schemeClr val="tx1"/>
+                      </a:solidFill>
+                      <a:prstDash val="solid"/>
+                      <a:round/>
+                      <a:headEnd type="none" w="med" len="med"/>
+                      <a:tailEnd type="none" w="med" len="med"/>
+                    </a:lnT>
+                    <a:lnB w="12700" cap="flat" cmpd="sng" algn="ctr">
+                      <a:solidFill>
+                        <a:schemeClr val="tx1"/>
+                      </a:solidFill>
+                      <a:prstDash val="solid"/>
+                      <a:round/>
+                      <a:headEnd type="none" w="med" len="med"/>
+                      <a:tailEnd type="none" w="med" len="med"/>
+                    </a:lnB>
+                    <a:solidFill>
+                      <a:srgbClr val="00B050"/>
+                    </a:solidFill>
+                  </a:tcPr>
+                </a:tc>
+                <a:tc>
+                  <a:txBody>
+                    <a:bodyPr/>
+                    <a:lstStyle/>
+                    <a:p>
+                      <a:endParaRPr lang="zh-CN" altLang="en-US" dirty="0"/>
+                    </a:p>
+                  </a:txBody>
+                  <a:tcPr>
+                    <a:lnL w="12700" cap="flat" cmpd="sng" algn="ctr">
+                      <a:solidFill>
+                        <a:schemeClr val="tx1"/>
+                      </a:solidFill>
+                      <a:prstDash val="solid"/>
+                      <a:round/>
+                      <a:headEnd type="none" w="med" len="med"/>
+                      <a:tailEnd type="none" w="med" len="med"/>
+                    </a:lnL>
+                    <a:lnR w="12700" cap="flat" cmpd="sng" algn="ctr">
+                      <a:solidFill>
+                        <a:schemeClr val="tx1"/>
+                      </a:solidFill>
+                      <a:prstDash val="solid"/>
+                      <a:round/>
+                      <a:headEnd type="none" w="med" len="med"/>
+                      <a:tailEnd type="none" w="med" len="med"/>
+                    </a:lnR>
+                    <a:lnT w="12700" cap="flat" cmpd="sng" algn="ctr">
+                      <a:solidFill>
+                        <a:schemeClr val="tx1"/>
+                      </a:solidFill>
+                      <a:prstDash val="solid"/>
+                      <a:round/>
+                      <a:headEnd type="none" w="med" len="med"/>
+                      <a:tailEnd type="none" w="med" len="med"/>
+                    </a:lnT>
+                    <a:lnB w="12700" cap="flat" cmpd="sng" algn="ctr">
+                      <a:solidFill>
+                        <a:schemeClr val="tx1"/>
+                      </a:solidFill>
+                      <a:prstDash val="solid"/>
+                      <a:round/>
+                      <a:headEnd type="none" w="med" len="med"/>
+                      <a:tailEnd type="none" w="med" len="med"/>
+                    </a:lnB>
+                    <a:solidFill>
+                      <a:srgbClr val="00B050"/>
+                    </a:solidFill>
+                  </a:tcPr>
+                </a:tc>
+                <a:tc>
+                  <a:txBody>
+                    <a:bodyPr/>
+                    <a:lstStyle/>
+                    <a:p>
+                      <a:endParaRPr lang="zh-CN" altLang="en-US" dirty="0"/>
+                    </a:p>
+                  </a:txBody>
+                  <a:tcPr>
+                    <a:lnL w="12700" cap="flat" cmpd="sng" algn="ctr">
+                      <a:solidFill>
+                        <a:schemeClr val="tx1"/>
+                      </a:solidFill>
+                      <a:prstDash val="solid"/>
+                      <a:round/>
+                      <a:headEnd type="none" w="med" len="med"/>
+                      <a:tailEnd type="none" w="med" len="med"/>
+                    </a:lnL>
+                    <a:lnR w="12700" cap="flat" cmpd="sng" algn="ctr">
+                      <a:solidFill>
+                        <a:schemeClr val="tx1"/>
+                      </a:solidFill>
+                      <a:prstDash val="solid"/>
+                      <a:round/>
+                      <a:headEnd type="none" w="med" len="med"/>
+                      <a:tailEnd type="none" w="med" len="med"/>
+                    </a:lnR>
+                    <a:lnT w="12700" cap="flat" cmpd="sng" algn="ctr">
+                      <a:solidFill>
+                        <a:schemeClr val="tx1"/>
+                      </a:solidFill>
+                      <a:prstDash val="solid"/>
+                      <a:round/>
+                      <a:headEnd type="none" w="med" len="med"/>
+                      <a:tailEnd type="none" w="med" len="med"/>
+                    </a:lnT>
+                    <a:lnB w="12700" cap="flat" cmpd="sng" algn="ctr">
+                      <a:solidFill>
+                        <a:schemeClr val="tx1"/>
+                      </a:solidFill>
+                      <a:prstDash val="solid"/>
+                      <a:round/>
+                      <a:headEnd type="none" w="med" len="med"/>
+                      <a:tailEnd type="none" w="med" len="med"/>
+                    </a:lnB>
+                    <a:solidFill>
+                      <a:srgbClr val="00B050"/>
+                    </a:solidFill>
+                  </a:tcPr>
+                </a:tc>
+                <a:tc>
+                  <a:txBody>
+                    <a:bodyPr/>
+                    <a:lstStyle/>
+                    <a:p>
+                      <a:endParaRPr lang="zh-CN" altLang="en-US" dirty="0"/>
+                    </a:p>
+                  </a:txBody>
+                  <a:tcPr>
+                    <a:lnL w="12700" cap="flat" cmpd="sng" algn="ctr">
+                      <a:solidFill>
+                        <a:schemeClr val="tx1"/>
+                      </a:solidFill>
+                      <a:prstDash val="solid"/>
+                      <a:round/>
+                      <a:headEnd type="none" w="med" len="med"/>
+                      <a:tailEnd type="none" w="med" len="med"/>
+                    </a:lnL>
+                    <a:lnR w="12700" cap="flat" cmpd="sng" algn="ctr">
+                      <a:solidFill>
+                        <a:schemeClr val="tx1"/>
+                      </a:solidFill>
+                      <a:prstDash val="solid"/>
+                      <a:round/>
+                      <a:headEnd type="none" w="med" len="med"/>
+                      <a:tailEnd type="none" w="med" len="med"/>
+                    </a:lnR>
+                    <a:lnT w="12700" cap="flat" cmpd="sng" algn="ctr">
+                      <a:solidFill>
+                        <a:schemeClr val="tx1"/>
+                      </a:solidFill>
+                      <a:prstDash val="solid"/>
+                      <a:round/>
+                      <a:headEnd type="none" w="med" len="med"/>
+                      <a:tailEnd type="none" w="med" len="med"/>
+                    </a:lnT>
+                    <a:lnB w="12700" cap="flat" cmpd="sng" algn="ctr">
+                      <a:solidFill>
+                        <a:schemeClr val="tx1"/>
+                      </a:solidFill>
+                      <a:prstDash val="solid"/>
+                      <a:round/>
+                      <a:headEnd type="none" w="med" len="med"/>
+                      <a:tailEnd type="none" w="med" len="med"/>
+                    </a:lnB>
+                    <a:solidFill>
+                      <a:srgbClr val="00B050"/>
+                    </a:solidFill>
+                  </a:tcPr>
+                </a:tc>
+                <a:tc>
+                  <a:txBody>
+                    <a:bodyPr/>
+                    <a:lstStyle/>
+                    <a:p>
+                      <a:endParaRPr lang="zh-CN" altLang="en-US" dirty="0"/>
+                    </a:p>
+                  </a:txBody>
+                  <a:tcPr>
+                    <a:lnL w="12700" cap="flat" cmpd="sng" algn="ctr">
+                      <a:solidFill>
+                        <a:schemeClr val="tx1"/>
+                      </a:solidFill>
+                      <a:prstDash val="solid"/>
+                      <a:round/>
+                      <a:headEnd type="none" w="med" len="med"/>
+                      <a:tailEnd type="none" w="med" len="med"/>
+                    </a:lnL>
+                    <a:lnR w="12700" cap="flat" cmpd="sng" algn="ctr">
+                      <a:solidFill>
+                        <a:schemeClr val="tx1"/>
+                      </a:solidFill>
+                      <a:prstDash val="solid"/>
+                      <a:round/>
+                      <a:headEnd type="none" w="med" len="med"/>
+                      <a:tailEnd type="none" w="med" len="med"/>
+                    </a:lnR>
+                    <a:lnT w="12700" cap="flat" cmpd="sng" algn="ctr">
+                      <a:solidFill>
+                        <a:schemeClr val="tx1"/>
+                      </a:solidFill>
+                      <a:prstDash val="solid"/>
+                      <a:round/>
+                      <a:headEnd type="none" w="med" len="med"/>
+                      <a:tailEnd type="none" w="med" len="med"/>
+                    </a:lnT>
+                    <a:lnB w="12700" cap="flat" cmpd="sng" algn="ctr">
+                      <a:solidFill>
+                        <a:schemeClr val="tx1"/>
+                      </a:solidFill>
+                      <a:prstDash val="solid"/>
+                      <a:round/>
+                      <a:headEnd type="none" w="med" len="med"/>
+                      <a:tailEnd type="none" w="med" len="med"/>
+                    </a:lnB>
+                    <a:solidFill>
+                      <a:srgbClr val="00B050"/>
+                    </a:solidFill>
+                  </a:tcPr>
+                </a:tc>
+                <a:tc>
+                  <a:txBody>
+                    <a:bodyPr/>
+                    <a:lstStyle/>
+                    <a:p>
+                      <a:endParaRPr lang="zh-CN" altLang="en-US" dirty="0"/>
+                    </a:p>
+                  </a:txBody>
+                  <a:tcPr>
+                    <a:lnL w="12700" cap="flat" cmpd="sng" algn="ctr">
+                      <a:solidFill>
+                        <a:schemeClr val="tx1"/>
+                      </a:solidFill>
+                      <a:prstDash val="solid"/>
+                      <a:round/>
+                      <a:headEnd type="none" w="med" len="med"/>
+                      <a:tailEnd type="none" w="med" len="med"/>
+                    </a:lnL>
+                    <a:lnR w="12700" cap="flat" cmpd="sng" algn="ctr">
+                      <a:solidFill>
+                        <a:schemeClr val="tx1"/>
+                      </a:solidFill>
+                      <a:prstDash val="solid"/>
+                      <a:round/>
+                      <a:headEnd type="none" w="med" len="med"/>
+                      <a:tailEnd type="none" w="med" len="med"/>
+                    </a:lnR>
+                    <a:lnT w="12700" cap="flat" cmpd="sng" algn="ctr">
+                      <a:solidFill>
+                        <a:schemeClr val="tx1"/>
+                      </a:solidFill>
+                      <a:prstDash val="solid"/>
+                      <a:round/>
+                      <a:headEnd type="none" w="med" len="med"/>
+                      <a:tailEnd type="none" w="med" len="med"/>
+                    </a:lnT>
+                    <a:lnB w="12700" cap="flat" cmpd="sng" algn="ctr">
+                      <a:solidFill>
+                        <a:schemeClr val="tx1"/>
+                      </a:solidFill>
+                      <a:prstDash val="solid"/>
+                      <a:round/>
+                      <a:headEnd type="none" w="med" len="med"/>
+                      <a:tailEnd type="none" w="med" len="med"/>
+                    </a:lnB>
+                    <a:solidFill>
+                      <a:srgbClr val="00B050"/>
+                    </a:solidFill>
+                  </a:tcPr>
+                </a:tc>
+                <a:tc>
+                  <a:txBody>
+                    <a:bodyPr/>
+                    <a:lstStyle/>
+                    <a:p>
+                      <a:endParaRPr lang="zh-CN" altLang="en-US" dirty="0"/>
+                    </a:p>
+                  </a:txBody>
+                  <a:tcPr>
+                    <a:lnL w="12700" cap="flat" cmpd="sng" algn="ctr">
+                      <a:solidFill>
+                        <a:schemeClr val="tx1"/>
+                      </a:solidFill>
+                      <a:prstDash val="solid"/>
+                      <a:round/>
+                      <a:headEnd type="none" w="med" len="med"/>
+                      <a:tailEnd type="none" w="med" len="med"/>
+                    </a:lnL>
+                    <a:lnR w="12700" cap="flat" cmpd="sng" algn="ctr">
+                      <a:solidFill>
+                        <a:schemeClr val="tx1"/>
+                      </a:solidFill>
+                      <a:prstDash val="solid"/>
+                      <a:round/>
+                      <a:headEnd type="none" w="med" len="med"/>
+                      <a:tailEnd type="none" w="med" len="med"/>
+                    </a:lnR>
+                    <a:lnT w="12700" cap="flat" cmpd="sng" algn="ctr">
+                      <a:solidFill>
+                        <a:schemeClr val="tx1"/>
+                      </a:solidFill>
+                      <a:prstDash val="solid"/>
+                      <a:round/>
+                      <a:headEnd type="none" w="med" len="med"/>
+                      <a:tailEnd type="none" w="med" len="med"/>
+                    </a:lnT>
+                    <a:lnB w="12700" cap="flat" cmpd="sng" algn="ctr">
+                      <a:solidFill>
+                        <a:schemeClr val="tx1"/>
+                      </a:solidFill>
+                      <a:prstDash val="solid"/>
+                      <a:round/>
+                      <a:headEnd type="none" w="med" len="med"/>
+                      <a:tailEnd type="none" w="med" len="med"/>
+                    </a:lnB>
+                    <a:solidFill>
+                      <a:srgbClr val="00B050"/>
+                    </a:solidFill>
+                  </a:tcPr>
+                </a:tc>
+                <a:tc>
+                  <a:txBody>
+                    <a:bodyPr/>
+                    <a:lstStyle/>
+                    <a:p>
+                      <a:endParaRPr lang="zh-CN" altLang="en-US" dirty="0"/>
+                    </a:p>
+                  </a:txBody>
+                  <a:tcPr>
+                    <a:lnL w="12700" cap="flat" cmpd="sng" algn="ctr">
+                      <a:solidFill>
+                        <a:schemeClr val="tx1"/>
+                      </a:solidFill>
+                      <a:prstDash val="solid"/>
+                      <a:round/>
+                      <a:headEnd type="none" w="med" len="med"/>
+                      <a:tailEnd type="none" w="med" len="med"/>
+                    </a:lnL>
+                    <a:lnR w="12700" cap="flat" cmpd="sng" algn="ctr">
+                      <a:solidFill>
+                        <a:schemeClr val="tx1"/>
+                      </a:solidFill>
+                      <a:prstDash val="solid"/>
+                      <a:round/>
+                      <a:headEnd type="none" w="med" len="med"/>
+                      <a:tailEnd type="none" w="med" len="med"/>
+                    </a:lnR>
+                    <a:lnT w="12700" cap="flat" cmpd="sng" algn="ctr">
+                      <a:solidFill>
+                        <a:schemeClr val="tx1"/>
+                      </a:solidFill>
+                      <a:prstDash val="solid"/>
+                      <a:round/>
+                      <a:headEnd type="none" w="med" len="med"/>
+                      <a:tailEnd type="none" w="med" len="med"/>
+                    </a:lnT>
+                    <a:lnB w="12700" cap="flat" cmpd="sng" algn="ctr">
+                      <a:solidFill>
+                        <a:schemeClr val="tx1"/>
+                      </a:solidFill>
+                      <a:prstDash val="solid"/>
+                      <a:round/>
+                      <a:headEnd type="none" w="med" len="med"/>
+                      <a:tailEnd type="none" w="med" len="med"/>
+                    </a:lnB>
+                    <a:solidFill>
+                      <a:srgbClr val="00B050"/>
+                    </a:solidFill>
+                  </a:tcPr>
+                </a:tc>
+                <a:tc>
+                  <a:txBody>
+                    <a:bodyPr/>
+                    <a:lstStyle/>
+                    <a:p>
+                      <a:endParaRPr lang="zh-CN" altLang="en-US" dirty="0"/>
+                    </a:p>
+                  </a:txBody>
+                  <a:tcPr>
+                    <a:lnL w="12700" cap="flat" cmpd="sng" algn="ctr">
+                      <a:solidFill>
+                        <a:schemeClr val="tx1"/>
+                      </a:solidFill>
+                      <a:prstDash val="solid"/>
+                      <a:round/>
+                      <a:headEnd type="none" w="med" len="med"/>
+                      <a:tailEnd type="none" w="med" len="med"/>
+                    </a:lnL>
+                    <a:lnR w="12700" cap="flat" cmpd="sng" algn="ctr">
+                      <a:solidFill>
+                        <a:schemeClr val="tx1"/>
+                      </a:solidFill>
+                      <a:prstDash val="solid"/>
+                      <a:round/>
+                      <a:headEnd type="none" w="med" len="med"/>
+                      <a:tailEnd type="none" w="med" len="med"/>
+                    </a:lnR>
+                    <a:lnT w="12700" cap="flat" cmpd="sng" algn="ctr">
+                      <a:solidFill>
+                        <a:schemeClr val="tx1"/>
+                      </a:solidFill>
+                      <a:prstDash val="solid"/>
+                      <a:round/>
+                      <a:headEnd type="none" w="med" len="med"/>
+                      <a:tailEnd type="none" w="med" len="med"/>
+                    </a:lnT>
+                    <a:lnB w="12700" cap="flat" cmpd="sng" algn="ctr">
+                      <a:solidFill>
+                        <a:schemeClr val="tx1"/>
+                      </a:solidFill>
+                      <a:prstDash val="solid"/>
+                      <a:round/>
+                      <a:headEnd type="none" w="med" len="med"/>
+                      <a:tailEnd type="none" w="med" len="med"/>
+                    </a:lnB>
+                    <a:solidFill>
+                      <a:srgbClr val="00B050"/>
+                    </a:solidFill>
+                  </a:tcPr>
+                </a:tc>
+                <a:tc>
+                  <a:txBody>
+                    <a:bodyPr/>
+                    <a:lstStyle/>
+                    <a:p>
+                      <a:endParaRPr lang="zh-CN" altLang="en-US" dirty="0"/>
+                    </a:p>
+                  </a:txBody>
+                  <a:tcPr>
+                    <a:lnL w="12700" cap="flat" cmpd="sng" algn="ctr">
+                      <a:solidFill>
+                        <a:schemeClr val="tx1"/>
+                      </a:solidFill>
+                      <a:prstDash val="solid"/>
+                      <a:round/>
+                      <a:headEnd type="none" w="med" len="med"/>
+                      <a:tailEnd type="none" w="med" len="med"/>
+                    </a:lnL>
+                    <a:lnR w="12700" cap="flat" cmpd="sng" algn="ctr">
+                      <a:solidFill>
+                        <a:schemeClr val="tx1"/>
+                      </a:solidFill>
+                      <a:prstDash val="solid"/>
+                      <a:round/>
+                      <a:headEnd type="none" w="med" len="med"/>
+                      <a:tailEnd type="none" w="med" len="med"/>
+                    </a:lnR>
+                    <a:lnT w="12700" cap="flat" cmpd="sng" algn="ctr">
+                      <a:solidFill>
+                        <a:schemeClr val="tx1"/>
+                      </a:solidFill>
+                      <a:prstDash val="solid"/>
+                      <a:round/>
+                      <a:headEnd type="none" w="med" len="med"/>
+                      <a:tailEnd type="none" w="med" len="med"/>
+                    </a:lnT>
+                    <a:lnB w="12700" cap="flat" cmpd="sng" algn="ctr">
+                      <a:solidFill>
+                        <a:schemeClr val="tx1"/>
+                      </a:solidFill>
+                      <a:prstDash val="solid"/>
+                      <a:round/>
+                      <a:headEnd type="none" w="med" len="med"/>
+                      <a:tailEnd type="none" w="med" len="med"/>
+                    </a:lnB>
+                    <a:solidFill>
+                      <a:srgbClr val="00B050"/>
+                    </a:solidFill>
+                  </a:tcPr>
+                </a:tc>
+                <a:tc>
+                  <a:txBody>
+                    <a:bodyPr/>
+                    <a:lstStyle/>
+                    <a:p>
+                      <a:endParaRPr lang="zh-CN" altLang="en-US" dirty="0"/>
+                    </a:p>
+                  </a:txBody>
+                  <a:tcPr>
+                    <a:lnL w="12700" cap="flat" cmpd="sng" algn="ctr">
+                      <a:solidFill>
+                        <a:schemeClr val="tx1"/>
+                      </a:solidFill>
+                      <a:prstDash val="solid"/>
+                      <a:round/>
+                      <a:headEnd type="none" w="med" len="med"/>
+                      <a:tailEnd type="none" w="med" len="med"/>
+                    </a:lnL>
+                    <a:lnR w="12700" cap="flat" cmpd="sng" algn="ctr">
+                      <a:solidFill>
+                        <a:schemeClr val="tx1"/>
+                      </a:solidFill>
+                      <a:prstDash val="solid"/>
+                      <a:round/>
+                      <a:headEnd type="none" w="med" len="med"/>
+                      <a:tailEnd type="none" w="med" len="med"/>
+                    </a:lnR>
+                    <a:lnT w="12700" cap="flat" cmpd="sng" algn="ctr">
+                      <a:solidFill>
+                        <a:schemeClr val="tx1"/>
+                      </a:solidFill>
+                      <a:prstDash val="solid"/>
+                      <a:round/>
+                      <a:headEnd type="none" w="med" len="med"/>
+                      <a:tailEnd type="none" w="med" len="med"/>
+                    </a:lnT>
+                    <a:lnB w="12700" cap="flat" cmpd="sng" algn="ctr">
+                      <a:solidFill>
+                        <a:schemeClr val="tx1"/>
+                      </a:solidFill>
+                      <a:prstDash val="solid"/>
+                      <a:round/>
+                      <a:headEnd type="none" w="med" len="med"/>
+                      <a:tailEnd type="none" w="med" len="med"/>
+                    </a:lnB>
+                    <a:solidFill>
+                      <a:srgbClr val="00B050"/>
+                    </a:solidFill>
+                  </a:tcPr>
+                </a:tc>
+                <a:tc>
+                  <a:txBody>
+                    <a:bodyPr/>
+                    <a:lstStyle/>
+                    <a:p>
+                      <a:endParaRPr lang="zh-CN" altLang="en-US" dirty="0"/>
+                    </a:p>
+                  </a:txBody>
+                  <a:tcPr>
+                    <a:lnL w="12700" cap="flat" cmpd="sng" algn="ctr">
+                      <a:solidFill>
+                        <a:schemeClr val="tx1"/>
+                      </a:solidFill>
+                      <a:prstDash val="solid"/>
+                      <a:round/>
+                      <a:headEnd type="none" w="med" len="med"/>
+                      <a:tailEnd type="none" w="med" len="med"/>
+                    </a:lnL>
+                    <a:lnR w="12700" cap="flat" cmpd="sng" algn="ctr">
+                      <a:solidFill>
+                        <a:schemeClr val="tx1"/>
+                      </a:solidFill>
+                      <a:prstDash val="solid"/>
+                      <a:round/>
+                      <a:headEnd type="none" w="med" len="med"/>
+                      <a:tailEnd type="none" w="med" len="med"/>
+                    </a:lnR>
+                    <a:lnT w="12700" cap="flat" cmpd="sng" algn="ctr">
+                      <a:solidFill>
+                        <a:schemeClr val="tx1"/>
+                      </a:solidFill>
+                      <a:prstDash val="solid"/>
+                      <a:round/>
+                      <a:headEnd type="none" w="med" len="med"/>
+                      <a:tailEnd type="none" w="med" len="med"/>
+                    </a:lnT>
+                    <a:lnB w="12700" cap="flat" cmpd="sng" algn="ctr">
+                      <a:solidFill>
+                        <a:schemeClr val="tx1"/>
+                      </a:solidFill>
+                      <a:prstDash val="solid"/>
+                      <a:round/>
+                      <a:headEnd type="none" w="med" len="med"/>
+                      <a:tailEnd type="none" w="med" len="med"/>
+                    </a:lnB>
+                    <a:solidFill>
+                      <a:srgbClr val="00B050"/>
+                    </a:solidFill>
+                  </a:tcPr>
+                </a:tc>
+                <a:tc>
+                  <a:txBody>
+                    <a:bodyPr/>
+                    <a:lstStyle/>
+                    <a:p>
+                      <a:endParaRPr lang="zh-CN" altLang="en-US" dirty="0"/>
+                    </a:p>
+                  </a:txBody>
+                  <a:tcPr>
+                    <a:lnL w="12700" cap="flat" cmpd="sng" algn="ctr">
+                      <a:solidFill>
+                        <a:schemeClr val="tx1"/>
+                      </a:solidFill>
+                      <a:prstDash val="solid"/>
+                      <a:round/>
+                      <a:headEnd type="none" w="med" len="med"/>
+                      <a:tailEnd type="none" w="med" len="med"/>
+                    </a:lnL>
+                    <a:lnR w="12700" cap="flat" cmpd="sng" algn="ctr">
+                      <a:solidFill>
+                        <a:schemeClr val="tx1"/>
+                      </a:solidFill>
+                      <a:prstDash val="solid"/>
+                      <a:round/>
+                      <a:headEnd type="none" w="med" len="med"/>
+                      <a:tailEnd type="none" w="med" len="med"/>
+                    </a:lnR>
+                    <a:lnT w="12700" cap="flat" cmpd="sng" algn="ctr">
+                      <a:solidFill>
+                        <a:schemeClr val="tx1"/>
+                      </a:solidFill>
+                      <a:prstDash val="solid"/>
+                      <a:round/>
+                      <a:headEnd type="none" w="med" len="med"/>
+                      <a:tailEnd type="none" w="med" len="med"/>
+                    </a:lnT>
+                    <a:lnB w="12700" cap="flat" cmpd="sng" algn="ctr">
+                      <a:solidFill>
+                        <a:schemeClr val="tx1"/>
+                      </a:solidFill>
+                      <a:prstDash val="solid"/>
+                      <a:round/>
+                      <a:headEnd type="none" w="med" len="med"/>
+                      <a:tailEnd type="none" w="med" len="med"/>
+                    </a:lnB>
+                    <a:solidFill>
+                      <a:srgbClr val="00B050"/>
+                    </a:solidFill>
+                  </a:tcPr>
+                </a:tc>
+                <a:tc>
+                  <a:txBody>
+                    <a:bodyPr/>
+                    <a:lstStyle/>
+                    <a:p>
+                      <a:endParaRPr lang="zh-CN" altLang="en-US" dirty="0"/>
+                    </a:p>
+                  </a:txBody>
+                  <a:tcPr>
+                    <a:lnL w="12700" cap="flat" cmpd="sng" algn="ctr">
+                      <a:solidFill>
+                        <a:schemeClr val="tx1"/>
+                      </a:solidFill>
+                      <a:prstDash val="solid"/>
+                      <a:round/>
+                      <a:headEnd type="none" w="med" len="med"/>
+                      <a:tailEnd type="none" w="med" len="med"/>
+                    </a:lnL>
+                    <a:lnR w="12700" cap="flat" cmpd="sng" algn="ctr">
+                      <a:solidFill>
+                        <a:schemeClr val="tx1"/>
+                      </a:solidFill>
+                      <a:prstDash val="solid"/>
+                      <a:round/>
+                      <a:headEnd type="none" w="med" len="med"/>
+                      <a:tailEnd type="none" w="med" len="med"/>
+                    </a:lnR>
+                    <a:lnT w="12700" cap="flat" cmpd="sng" algn="ctr">
+                      <a:solidFill>
+                        <a:schemeClr val="tx1"/>
+                      </a:solidFill>
+                      <a:prstDash val="solid"/>
+                      <a:round/>
+                      <a:headEnd type="none" w="med" len="med"/>
+                      <a:tailEnd type="none" w="med" len="med"/>
+                    </a:lnT>
+                    <a:lnB w="12700" cap="flat" cmpd="sng" algn="ctr">
+                      <a:solidFill>
+                        <a:schemeClr val="tx1"/>
+                      </a:solidFill>
+                      <a:prstDash val="solid"/>
+                      <a:round/>
+                      <a:headEnd type="none" w="med" len="med"/>
+                      <a:tailEnd type="none" w="med" len="med"/>
+                    </a:lnB>
+                    <a:solidFill>
+                      <a:srgbClr val="00B050"/>
+                    </a:solidFill>
+                  </a:tcPr>
+                </a:tc>
+                <a:tc>
+                  <a:txBody>
+                    <a:bodyPr/>
+                    <a:lstStyle/>
+                    <a:p>
+                      <a:endParaRPr lang="zh-CN" altLang="en-US" dirty="0"/>
+                    </a:p>
+                  </a:txBody>
+                  <a:tcPr>
+                    <a:lnL w="12700" cap="flat" cmpd="sng" algn="ctr">
+                      <a:solidFill>
+                        <a:schemeClr val="tx1"/>
+                      </a:solidFill>
+                      <a:prstDash val="solid"/>
+                      <a:round/>
+                      <a:headEnd type="none" w="med" len="med"/>
+                      <a:tailEnd type="none" w="med" len="med"/>
+                    </a:lnL>
+                    <a:lnR w="12700" cap="flat" cmpd="sng" algn="ctr">
+                      <a:solidFill>
+                        <a:schemeClr val="tx1"/>
+                      </a:solidFill>
+                      <a:prstDash val="solid"/>
+                      <a:round/>
+                      <a:headEnd type="none" w="med" len="med"/>
+                      <a:tailEnd type="none" w="med" len="med"/>
+                    </a:lnR>
+                    <a:lnT w="12700" cap="flat" cmpd="sng" algn="ctr">
+                      <a:solidFill>
+                        <a:schemeClr val="tx1"/>
+                      </a:solidFill>
+                      <a:prstDash val="solid"/>
+                      <a:round/>
+                      <a:headEnd type="none" w="med" len="med"/>
+                      <a:tailEnd type="none" w="med" len="med"/>
+                    </a:lnT>
+                    <a:lnB w="12700" cap="flat" cmpd="sng" algn="ctr">
+                      <a:solidFill>
+                        <a:schemeClr val="tx1"/>
+                      </a:solidFill>
+                      <a:prstDash val="solid"/>
+                      <a:round/>
+                      <a:headEnd type="none" w="med" len="med"/>
+                      <a:tailEnd type="none" w="med" len="med"/>
+                    </a:lnB>
+                    <a:solidFill>
+                      <a:srgbClr val="00B050"/>
+                    </a:solidFill>
+                  </a:tcPr>
+                </a:tc>
+                <a:tc>
+                  <a:txBody>
+                    <a:bodyPr/>
+                    <a:lstStyle/>
+                    <a:p>
+                      <a:endParaRPr lang="zh-CN" altLang="en-US" dirty="0"/>
+                    </a:p>
+                  </a:txBody>
+                  <a:tcPr>
+                    <a:lnL w="12700" cap="flat" cmpd="sng" algn="ctr">
+                      <a:solidFill>
+                        <a:schemeClr val="tx1"/>
+                      </a:solidFill>
+                      <a:prstDash val="solid"/>
+                      <a:round/>
+                      <a:headEnd type="none" w="med" len="med"/>
+                      <a:tailEnd type="none" w="med" len="med"/>
+                    </a:lnL>
+                    <a:lnR w="12700" cap="flat" cmpd="sng" algn="ctr">
+                      <a:solidFill>
+                        <a:schemeClr val="tx1"/>
+                      </a:solidFill>
+                      <a:prstDash val="solid"/>
+                      <a:round/>
+                      <a:headEnd type="none" w="med" len="med"/>
+                      <a:tailEnd type="none" w="med" len="med"/>
+                    </a:lnR>
+                    <a:lnT w="12700" cap="flat" cmpd="sng" algn="ctr">
+                      <a:solidFill>
+                        <a:schemeClr val="tx1"/>
+                      </a:solidFill>
+                      <a:prstDash val="solid"/>
+                      <a:round/>
+                      <a:headEnd type="none" w="med" len="med"/>
+                      <a:tailEnd type="none" w="med" len="med"/>
+                    </a:lnT>
+                    <a:lnB w="12700" cap="flat" cmpd="sng" algn="ctr">
+                      <a:solidFill>
+                        <a:schemeClr val="tx1"/>
+                      </a:solidFill>
+                      <a:prstDash val="solid"/>
+                      <a:round/>
+                      <a:headEnd type="none" w="med" len="med"/>
+                      <a:tailEnd type="none" w="med" len="med"/>
+                    </a:lnB>
+                    <a:solidFill>
+                      <a:srgbClr val="00B050"/>
+                    </a:solidFill>
+                  </a:tcPr>
+                </a:tc>
+                <a:tc>
+                  <a:txBody>
+                    <a:bodyPr/>
+                    <a:lstStyle/>
+                    <a:p>
+                      <a:endParaRPr lang="zh-CN" altLang="en-US" dirty="0"/>
+                    </a:p>
+                  </a:txBody>
+                  <a:tcPr>
+                    <a:lnL w="12700" cap="flat" cmpd="sng" algn="ctr">
+                      <a:solidFill>
+                        <a:schemeClr val="tx1"/>
+                      </a:solidFill>
+                      <a:prstDash val="solid"/>
+                      <a:round/>
+                      <a:headEnd type="none" w="med" len="med"/>
+                      <a:tailEnd type="none" w="med" len="med"/>
+                    </a:lnL>
+                    <a:lnR w="12700" cap="flat" cmpd="sng" algn="ctr">
+                      <a:solidFill>
+                        <a:schemeClr val="tx1"/>
+                      </a:solidFill>
+                      <a:prstDash val="solid"/>
+                      <a:round/>
+                      <a:headEnd type="none" w="med" len="med"/>
+                      <a:tailEnd type="none" w="med" len="med"/>
+                    </a:lnR>
+                    <a:lnT w="12700" cap="flat" cmpd="sng" algn="ctr">
+                      <a:solidFill>
+                        <a:schemeClr val="tx1"/>
+                      </a:solidFill>
+                      <a:prstDash val="solid"/>
+                      <a:round/>
+                      <a:headEnd type="none" w="med" len="med"/>
+                      <a:tailEnd type="none" w="med" len="med"/>
+                    </a:lnT>
+                    <a:lnB w="12700" cap="flat" cmpd="sng" algn="ctr">
+                      <a:solidFill>
+                        <a:schemeClr val="tx1"/>
+                      </a:solidFill>
+                      <a:prstDash val="solid"/>
+                      <a:round/>
+                      <a:headEnd type="none" w="med" len="med"/>
+                      <a:tailEnd type="none" w="med" len="med"/>
+                    </a:lnB>
+                    <a:solidFill>
+                      <a:srgbClr val="00B050"/>
+                    </a:solidFill>
+                  </a:tcPr>
+                </a:tc>
+                <a:tc>
+                  <a:txBody>
+                    <a:bodyPr/>
+                    <a:lstStyle/>
+                    <a:p>
+                      <a:endParaRPr lang="zh-CN" altLang="en-US" dirty="0"/>
+                    </a:p>
+                  </a:txBody>
+                  <a:tcPr>
+                    <a:lnL w="12700" cap="flat" cmpd="sng" algn="ctr">
+                      <a:solidFill>
+                        <a:schemeClr val="tx1"/>
+                      </a:solidFill>
+                      <a:prstDash val="solid"/>
+                      <a:round/>
+                      <a:headEnd type="none" w="med" len="med"/>
+                      <a:tailEnd type="none" w="med" len="med"/>
+                    </a:lnL>
+                    <a:lnR w="12700" cap="flat" cmpd="sng" algn="ctr">
+                      <a:solidFill>
+                        <a:schemeClr val="tx1"/>
+                      </a:solidFill>
+                      <a:prstDash val="solid"/>
+                      <a:round/>
+                      <a:headEnd type="none" w="med" len="med"/>
+                      <a:tailEnd type="none" w="med" len="med"/>
+                    </a:lnR>
+                    <a:lnT w="12700" cap="flat" cmpd="sng" algn="ctr">
+                      <a:solidFill>
+                        <a:schemeClr val="tx1"/>
+                      </a:solidFill>
+                      <a:prstDash val="solid"/>
+                      <a:round/>
+                      <a:headEnd type="none" w="med" len="med"/>
+                      <a:tailEnd type="none" w="med" len="med"/>
+                    </a:lnT>
+                    <a:lnB w="12700" cap="flat" cmpd="sng" algn="ctr">
+                      <a:solidFill>
+                        <a:schemeClr val="tx1"/>
+                      </a:solidFill>
+                      <a:prstDash val="solid"/>
+                      <a:round/>
+                      <a:headEnd type="none" w="med" len="med"/>
+                      <a:tailEnd type="none" w="med" len="med"/>
+                    </a:lnB>
+                    <a:solidFill>
+                      <a:srgbClr val="00B050"/>
+                    </a:solidFill>
+                  </a:tcPr>
+                </a:tc>
+                <a:tc>
+                  <a:txBody>
+                    <a:bodyPr/>
+                    <a:lstStyle/>
+                    <a:p>
+                      <a:endParaRPr lang="zh-CN" altLang="en-US" dirty="0"/>
+                    </a:p>
+                  </a:txBody>
+                  <a:tcPr>
+                    <a:lnL w="12700" cap="flat" cmpd="sng" algn="ctr">
+                      <a:solidFill>
+                        <a:schemeClr val="tx1"/>
+                      </a:solidFill>
+                      <a:prstDash val="solid"/>
+                      <a:round/>
+                      <a:headEnd type="none" w="med" len="med"/>
+                      <a:tailEnd type="none" w="med" len="med"/>
+                    </a:lnL>
+                    <a:lnR w="12700" cap="flat" cmpd="sng" algn="ctr">
+                      <a:solidFill>
+                        <a:schemeClr val="tx1"/>
+                      </a:solidFill>
+                      <a:prstDash val="solid"/>
+                      <a:round/>
+                      <a:headEnd type="none" w="med" len="med"/>
+                      <a:tailEnd type="none" w="med" len="med"/>
+                    </a:lnR>
+                    <a:lnT w="12700" cap="flat" cmpd="sng" algn="ctr">
+                      <a:solidFill>
+                        <a:schemeClr val="tx1"/>
+                      </a:solidFill>
+                      <a:prstDash val="solid"/>
+                      <a:round/>
+                      <a:headEnd type="none" w="med" len="med"/>
+                      <a:tailEnd type="none" w="med" len="med"/>
+                    </a:lnT>
+                    <a:lnB w="12700" cap="flat" cmpd="sng" algn="ctr">
+                      <a:solidFill>
+                        <a:schemeClr val="tx1"/>
+                      </a:solidFill>
+                      <a:prstDash val="solid"/>
+                      <a:round/>
+                      <a:headEnd type="none" w="med" len="med"/>
+                      <a:tailEnd type="none" w="med" len="med"/>
+                    </a:lnB>
+                    <a:solidFill>
+                      <a:srgbClr val="00B050"/>
+                    </a:solidFill>
+                  </a:tcPr>
+                </a:tc>
+                <a:tc>
+                  <a:txBody>
+                    <a:bodyPr/>
+                    <a:lstStyle/>
+                    <a:p>
+                      <a:endParaRPr lang="zh-CN" altLang="en-US" dirty="0"/>
+                    </a:p>
+                  </a:txBody>
+                  <a:tcPr>
+                    <a:lnL w="12700" cap="flat" cmpd="sng" algn="ctr">
+                      <a:solidFill>
+                        <a:schemeClr val="tx1"/>
+                      </a:solidFill>
+                      <a:prstDash val="solid"/>
+                      <a:round/>
+                      <a:headEnd type="none" w="med" len="med"/>
+                      <a:tailEnd type="none" w="med" len="med"/>
+                    </a:lnL>
+                    <a:lnR w="12700" cap="flat" cmpd="sng" algn="ctr">
+                      <a:solidFill>
+                        <a:schemeClr val="tx1"/>
+                      </a:solidFill>
+                      <a:prstDash val="solid"/>
+                      <a:round/>
+                      <a:headEnd type="none" w="med" len="med"/>
+                      <a:tailEnd type="none" w="med" len="med"/>
+                    </a:lnR>
+                    <a:lnT w="12700" cap="flat" cmpd="sng" algn="ctr">
+                      <a:solidFill>
+                        <a:schemeClr val="tx1"/>
+                      </a:solidFill>
+                      <a:prstDash val="solid"/>
+                      <a:round/>
+                      <a:headEnd type="none" w="med" len="med"/>
+                      <a:tailEnd type="none" w="med" len="med"/>
+                    </a:lnT>
+                    <a:lnB w="12700" cap="flat" cmpd="sng" algn="ctr">
+                      <a:solidFill>
+                        <a:schemeClr val="tx1"/>
+                      </a:solidFill>
+                      <a:prstDash val="solid"/>
+                      <a:round/>
+                      <a:headEnd type="none" w="med" len="med"/>
+                      <a:tailEnd type="none" w="med" len="med"/>
+                    </a:lnB>
+                    <a:solidFill>
+                      <a:srgbClr val="00B050"/>
+                    </a:solidFill>
+                  </a:tcPr>
+                </a:tc>
+                <a:tc>
+                  <a:txBody>
+                    <a:bodyPr/>
+                    <a:lstStyle/>
+                    <a:p>
+                      <a:endParaRPr lang="zh-CN" altLang="en-US" dirty="0"/>
+                    </a:p>
+                  </a:txBody>
+                  <a:tcPr>
+                    <a:lnL w="12700" cap="flat" cmpd="sng" algn="ctr">
+                      <a:solidFill>
+                        <a:schemeClr val="tx1"/>
+                      </a:solidFill>
+                      <a:prstDash val="solid"/>
+                      <a:round/>
+                      <a:headEnd type="none" w="med" len="med"/>
+                      <a:tailEnd type="none" w="med" len="med"/>
+                    </a:lnL>
+                    <a:lnR w="12700" cap="flat" cmpd="sng" algn="ctr">
+                      <a:solidFill>
+                        <a:schemeClr val="tx1"/>
+                      </a:solidFill>
+                      <a:prstDash val="solid"/>
+                      <a:round/>
+                      <a:headEnd type="none" w="med" len="med"/>
+                      <a:tailEnd type="none" w="med" len="med"/>
+                    </a:lnR>
+                    <a:lnT w="12700" cap="flat" cmpd="sng" algn="ctr">
+                      <a:solidFill>
+                        <a:schemeClr val="tx1"/>
+                      </a:solidFill>
+                      <a:prstDash val="solid"/>
+                      <a:round/>
+                      <a:headEnd type="none" w="med" len="med"/>
+                      <a:tailEnd type="none" w="med" len="med"/>
+                    </a:lnT>
+                    <a:lnB w="12700" cap="flat" cmpd="sng" algn="ctr">
+                      <a:solidFill>
+                        <a:schemeClr val="tx1"/>
+                      </a:solidFill>
+                      <a:prstDash val="solid"/>
+                      <a:round/>
+                      <a:headEnd type="none" w="med" len="med"/>
+                      <a:tailEnd type="none" w="med" len="med"/>
+                    </a:lnB>
+                    <a:solidFill>
+                      <a:srgbClr val="00B050"/>
+                    </a:solidFill>
+                  </a:tcPr>
+                </a:tc>
+                <a:tc>
+                  <a:txBody>
+                    <a:bodyPr/>
+                    <a:lstStyle/>
+                    <a:p>
+                      <a:endParaRPr lang="zh-CN" altLang="en-US" dirty="0"/>
+                    </a:p>
+                  </a:txBody>
+                  <a:tcPr>
+                    <a:lnL w="12700" cap="flat" cmpd="sng" algn="ctr">
+                      <a:solidFill>
+                        <a:schemeClr val="tx1"/>
+                      </a:solidFill>
+                      <a:prstDash val="solid"/>
+                      <a:round/>
+                      <a:headEnd type="none" w="med" len="med"/>
+                      <a:tailEnd type="none" w="med" len="med"/>
+                    </a:lnL>
+                    <a:lnR w="12700" cap="flat" cmpd="sng" algn="ctr">
+                      <a:solidFill>
+                        <a:schemeClr val="tx1"/>
+                      </a:solidFill>
+                      <a:prstDash val="solid"/>
+                      <a:round/>
+                      <a:headEnd type="none" w="med" len="med"/>
+                      <a:tailEnd type="none" w="med" len="med"/>
+                    </a:lnR>
+                    <a:lnT w="12700" cap="flat" cmpd="sng" algn="ctr">
+                      <a:solidFill>
+                        <a:schemeClr val="tx1"/>
+                      </a:solidFill>
+                      <a:prstDash val="solid"/>
+                      <a:round/>
+                      <a:headEnd type="none" w="med" len="med"/>
+                      <a:tailEnd type="none" w="med" len="med"/>
+                    </a:lnT>
+                    <a:lnB w="12700" cap="flat" cmpd="sng" algn="ctr">
+                      <a:solidFill>
+                        <a:schemeClr val="tx1"/>
+                      </a:solidFill>
+                      <a:prstDash val="solid"/>
+                      <a:round/>
+                      <a:headEnd type="none" w="med" len="med"/>
+                      <a:tailEnd type="none" w="med" len="med"/>
+                    </a:lnB>
+                    <a:solidFill>
+                      <a:srgbClr val="00B050"/>
+                    </a:solidFill>
+                  </a:tcPr>
+                </a:tc>
+                <a:tc>
+                  <a:txBody>
+                    <a:bodyPr/>
+                    <a:lstStyle/>
+                    <a:p>
+                      <a:endParaRPr lang="zh-CN" altLang="en-US"/>
+                    </a:p>
+                  </a:txBody>
+                  <a:tcPr>
+                    <a:lnL w="12700" cap="flat" cmpd="sng" algn="ctr">
+                      <a:solidFill>
+                        <a:schemeClr val="tx1"/>
+                      </a:solidFill>
+                      <a:prstDash val="solid"/>
+                      <a:round/>
+                      <a:headEnd type="none" w="med" len="med"/>
+                      <a:tailEnd type="none" w="med" len="med"/>
+                    </a:lnL>
+                    <a:lnR w="12700" cap="flat" cmpd="sng" algn="ctr">
+                      <a:solidFill>
+                        <a:schemeClr val="tx1"/>
+                      </a:solidFill>
+                      <a:prstDash val="solid"/>
+                      <a:round/>
+                      <a:headEnd type="none" w="med" len="med"/>
+                      <a:tailEnd type="none" w="med" len="med"/>
+                    </a:lnR>
+                    <a:lnT w="12700" cap="flat" cmpd="sng" algn="ctr">
+                      <a:solidFill>
+                        <a:schemeClr val="tx1"/>
+                      </a:solidFill>
+                      <a:prstDash val="solid"/>
+                      <a:round/>
+                      <a:headEnd type="none" w="med" len="med"/>
+                      <a:tailEnd type="none" w="med" len="med"/>
+                    </a:lnT>
+                    <a:lnB w="12700" cap="flat" cmpd="sng" algn="ctr">
+                      <a:solidFill>
+                        <a:schemeClr val="tx1"/>
+                      </a:solidFill>
+                      <a:prstDash val="solid"/>
+                      <a:round/>
+                      <a:headEnd type="none" w="med" len="med"/>
+                      <a:tailEnd type="none" w="med" len="med"/>
+                    </a:lnB>
+                    <a:solidFill>
+                      <a:srgbClr val="00B050"/>
+                    </a:solidFill>
+                  </a:tcPr>
+                </a:tc>
+                <a:tc>
+                  <a:txBody>
+                    <a:bodyPr/>
+                    <a:lstStyle/>
+                    <a:p>
+                      <a:endParaRPr lang="zh-CN" altLang="en-US"/>
+                    </a:p>
+                  </a:txBody>
+                  <a:tcPr>
+                    <a:lnL w="12700" cap="flat" cmpd="sng" algn="ctr">
+                      <a:solidFill>
+                        <a:schemeClr val="tx1"/>
+                      </a:solidFill>
+                      <a:prstDash val="solid"/>
+                      <a:round/>
+                      <a:headEnd type="none" w="med" len="med"/>
+                      <a:tailEnd type="none" w="med" len="med"/>
+                    </a:lnL>
+                    <a:lnR w="12700" cap="flat" cmpd="sng" algn="ctr">
+                      <a:solidFill>
+                        <a:schemeClr val="tx1"/>
+                      </a:solidFill>
+                      <a:prstDash val="solid"/>
+                      <a:round/>
+                      <a:headEnd type="none" w="med" len="med"/>
+                      <a:tailEnd type="none" w="med" len="med"/>
+                    </a:lnR>
+                    <a:lnT w="12700" cap="flat" cmpd="sng" algn="ctr">
+                      <a:solidFill>
+                        <a:schemeClr val="tx1"/>
+                      </a:solidFill>
+                      <a:prstDash val="solid"/>
+                      <a:round/>
+                      <a:headEnd type="none" w="med" len="med"/>
+                      <a:tailEnd type="none" w="med" len="med"/>
+                    </a:lnT>
+                    <a:lnB w="12700" cap="flat" cmpd="sng" algn="ctr">
+                      <a:solidFill>
+                        <a:schemeClr val="tx1"/>
+                      </a:solidFill>
+                      <a:prstDash val="solid"/>
+                      <a:round/>
+                      <a:headEnd type="none" w="med" len="med"/>
+                      <a:tailEnd type="none" w="med" len="med"/>
+                    </a:lnB>
+                    <a:solidFill>
+                      <a:srgbClr val="00B050"/>
+                    </a:solidFill>
+                  </a:tcPr>
+                </a:tc>
+                <a:tc>
+                  <a:txBody>
+                    <a:bodyPr/>
+                    <a:lstStyle/>
+                    <a:p>
+                      <a:endParaRPr lang="zh-CN" altLang="en-US"/>
+                    </a:p>
+                  </a:txBody>
+                  <a:tcPr>
+                    <a:lnL w="12700" cap="flat" cmpd="sng" algn="ctr">
+                      <a:solidFill>
+                        <a:schemeClr val="tx1"/>
+                      </a:solidFill>
+                      <a:prstDash val="solid"/>
+                      <a:round/>
+                      <a:headEnd type="none" w="med" len="med"/>
+                      <a:tailEnd type="none" w="med" len="med"/>
+                    </a:lnL>
+                    <a:lnR w="12700" cap="flat" cmpd="sng" algn="ctr">
+                      <a:solidFill>
+                        <a:schemeClr val="tx1"/>
+                      </a:solidFill>
+                      <a:prstDash val="solid"/>
+                      <a:round/>
+                      <a:headEnd type="none" w="med" len="med"/>
+                      <a:tailEnd type="none" w="med" len="med"/>
+                    </a:lnR>
+                    <a:lnT w="12700" cap="flat" cmpd="sng" algn="ctr">
+                      <a:solidFill>
+                        <a:schemeClr val="tx1"/>
+                      </a:solidFill>
+                      <a:prstDash val="solid"/>
+                      <a:round/>
+                      <a:headEnd type="none" w="med" len="med"/>
+                      <a:tailEnd type="none" w="med" len="med"/>
+                    </a:lnT>
+                    <a:lnB w="12700" cap="flat" cmpd="sng" algn="ctr">
+                      <a:solidFill>
+                        <a:schemeClr val="tx1"/>
+                      </a:solidFill>
+                      <a:prstDash val="solid"/>
+                      <a:round/>
+                      <a:headEnd type="none" w="med" len="med"/>
+                      <a:tailEnd type="none" w="med" len="med"/>
+                    </a:lnB>
+                    <a:solidFill>
+                      <a:srgbClr val="00B050"/>
+                    </a:solidFill>
+                  </a:tcPr>
+                </a:tc>
+                <a:tc>
+                  <a:txBody>
+                    <a:bodyPr/>
+                    <a:lstStyle/>
+                    <a:p>
+                      <a:endParaRPr lang="zh-CN" altLang="en-US"/>
+                    </a:p>
+                  </a:txBody>
+                  <a:tcPr>
+                    <a:lnL w="12700" cap="flat" cmpd="sng" algn="ctr">
+                      <a:solidFill>
+                        <a:schemeClr val="tx1"/>
+                      </a:solidFill>
+                      <a:prstDash val="solid"/>
+                      <a:round/>
+                      <a:headEnd type="none" w="med" len="med"/>
+                      <a:tailEnd type="none" w="med" len="med"/>
+                    </a:lnL>
+                    <a:lnR w="12700" cap="flat" cmpd="sng" algn="ctr">
+                      <a:solidFill>
+                        <a:schemeClr val="tx1"/>
+                      </a:solidFill>
+                      <a:prstDash val="solid"/>
+                      <a:round/>
+                      <a:headEnd type="none" w="med" len="med"/>
+                      <a:tailEnd type="none" w="med" len="med"/>
+                    </a:lnR>
+                    <a:lnT w="12700" cap="flat" cmpd="sng" algn="ctr">
+                      <a:solidFill>
+                        <a:schemeClr val="tx1"/>
+                      </a:solidFill>
+                      <a:prstDash val="solid"/>
+                      <a:round/>
+                      <a:headEnd type="none" w="med" len="med"/>
+                      <a:tailEnd type="none" w="med" len="med"/>
+                    </a:lnT>
+                    <a:lnB w="12700" cap="flat" cmpd="sng" algn="ctr">
+                      <a:solidFill>
+                        <a:schemeClr val="tx1"/>
+                      </a:solidFill>
+                      <a:prstDash val="solid"/>
+                      <a:round/>
+                      <a:headEnd type="none" w="med" len="med"/>
+                      <a:tailEnd type="none" w="med" len="med"/>
+                    </a:lnB>
+                    <a:solidFill>
+                      <a:srgbClr val="00B050"/>
+                    </a:solidFill>
+                  </a:tcPr>
+                </a:tc>
+                <a:tc>
+                  <a:txBody>
+                    <a:bodyPr/>
+                    <a:lstStyle/>
+                    <a:p>
+                      <a:endParaRPr lang="zh-CN" altLang="en-US" dirty="0"/>
+                    </a:p>
+                  </a:txBody>
+                  <a:tcPr>
+                    <a:lnL w="12700" cap="flat" cmpd="sng" algn="ctr">
+                      <a:solidFill>
+                        <a:schemeClr val="tx1"/>
+                      </a:solidFill>
+                      <a:prstDash val="solid"/>
+                      <a:round/>
+                      <a:headEnd type="none" w="med" len="med"/>
+                      <a:tailEnd type="none" w="med" len="med"/>
+                    </a:lnL>
+                    <a:lnR w="12700" cap="flat" cmpd="sng" algn="ctr">
+                      <a:solidFill>
+                        <a:schemeClr val="tx1"/>
+                      </a:solidFill>
+                      <a:prstDash val="solid"/>
+                      <a:round/>
+                      <a:headEnd type="none" w="med" len="med"/>
+                      <a:tailEnd type="none" w="med" len="med"/>
+                    </a:lnR>
+                    <a:lnT w="12700" cap="flat" cmpd="sng" algn="ctr">
+                      <a:solidFill>
+                        <a:schemeClr val="tx1"/>
+                      </a:solidFill>
+                      <a:prstDash val="solid"/>
+                      <a:round/>
+                      <a:headEnd type="none" w="med" len="med"/>
+                      <a:tailEnd type="none" w="med" len="med"/>
+                    </a:lnT>
+                    <a:lnB w="12700" cap="flat" cmpd="sng" algn="ctr">
+                      <a:solidFill>
+                        <a:schemeClr val="tx1"/>
+                      </a:solidFill>
+                      <a:prstDash val="solid"/>
+                      <a:round/>
+                      <a:headEnd type="none" w="med" len="med"/>
+                      <a:tailEnd type="none" w="med" len="med"/>
+                    </a:lnB>
+                    <a:solidFill>
+                      <a:srgbClr val="00B050"/>
+                    </a:solidFill>
+                  </a:tcPr>
+                </a:tc>
+              </a:tr>
+            </a:tbl>
+          </a:graphicData>
+        </a:graphic>
+      </p:graphicFrame>
+      <p:cxnSp>
+        <p:nvCxnSpPr>
+          <p:cNvPr id="17" name="直接箭头连接符 16"/>
+          <p:cNvCxnSpPr>
+            <a:stCxn id="5" idx="1"/>
+          </p:cNvCxnSpPr>
+          <p:nvPr/>
+        </p:nvCxnSpPr>
+        <p:spPr>
+          <a:xfrm flipH="1">
+            <a:off x="4562141" y="2971799"/>
+            <a:ext cx="619460" cy="1765663"/>
+          </a:xfrm>
+          <a:prstGeom prst="straightConnector1">
+            <a:avLst/>
+          </a:prstGeom>
+          <a:ln>
+            <a:solidFill>
+              <a:srgbClr val="C00000"/>
+            </a:solidFill>
+            <a:tailEnd type="triangle"/>
+          </a:ln>
+        </p:spPr>
+        <p:style>
+          <a:lnRef idx="1">
+            <a:schemeClr val="accent1"/>
+          </a:lnRef>
+          <a:fillRef idx="0">
+            <a:schemeClr val="accent1"/>
+          </a:fillRef>
+          <a:effectRef idx="0">
+            <a:schemeClr val="accent1"/>
+          </a:effectRef>
+          <a:fontRef idx="minor">
+            <a:schemeClr val="tx1"/>
+          </a:fontRef>
+        </p:style>
+      </p:cxnSp>
+      <p:cxnSp>
+        <p:nvCxnSpPr>
+          <p:cNvPr id="18" name="直接箭头连接符 17"/>
+          <p:cNvCxnSpPr>
+            <a:stCxn id="5" idx="1"/>
+          </p:cNvCxnSpPr>
+          <p:nvPr/>
+        </p:nvCxnSpPr>
+        <p:spPr>
+          <a:xfrm flipH="1">
+            <a:off x="3475213" y="2971799"/>
+            <a:ext cx="1706388" cy="1765663"/>
+          </a:xfrm>
+          <a:prstGeom prst="straightConnector1">
+            <a:avLst/>
+          </a:prstGeom>
+          <a:ln>
+            <a:solidFill>
+              <a:srgbClr val="C00000"/>
+            </a:solidFill>
+            <a:tailEnd type="triangle"/>
+          </a:ln>
+        </p:spPr>
+        <p:style>
+          <a:lnRef idx="1">
+            <a:schemeClr val="accent1"/>
+          </a:lnRef>
+          <a:fillRef idx="0">
+            <a:schemeClr val="accent1"/>
+          </a:fillRef>
+          <a:effectRef idx="0">
+            <a:schemeClr val="accent1"/>
+          </a:effectRef>
+          <a:fontRef idx="minor">
+            <a:schemeClr val="tx1"/>
+          </a:fontRef>
+        </p:style>
+      </p:cxnSp>
+      <p:sp>
+        <p:nvSpPr>
+          <p:cNvPr id="19" name="文本框 18"/>
+          <p:cNvSpPr txBox="1"/>
+          <p:nvPr/>
+        </p:nvSpPr>
+        <p:spPr>
+          <a:xfrm>
+            <a:off x="3636751" y="5333109"/>
+            <a:ext cx="426720" cy="369332"/>
+          </a:xfrm>
+          <a:prstGeom prst="rect">
+            <a:avLst/>
+          </a:prstGeom>
+          <a:noFill/>
+        </p:spPr>
+        <p:txBody>
+          <a:bodyPr wrap="none" rtlCol="0">
+            <a:spAutoFit/>
+          </a:bodyPr>
+          <a:lstStyle/>
+          <a:p>
+            <a:r>
+              <a:rPr lang="en-US" altLang="zh-CN" dirty="0" smtClean="0"/>
+              <a:t>B2</a:t>
+            </a:r>
+            <a:endParaRPr lang="zh-CN" altLang="en-US" dirty="0"/>
+          </a:p>
+        </p:txBody>
+      </p:sp>
+      <p:sp>
+        <p:nvSpPr>
+          <p:cNvPr id="20" name="文本框 19"/>
+          <p:cNvSpPr txBox="1"/>
+          <p:nvPr/>
+        </p:nvSpPr>
+        <p:spPr>
+          <a:xfrm>
+            <a:off x="3291999" y="5322320"/>
+            <a:ext cx="426720" cy="369332"/>
+          </a:xfrm>
+          <a:prstGeom prst="rect">
+            <a:avLst/>
+          </a:prstGeom>
+          <a:noFill/>
+        </p:spPr>
+        <p:txBody>
+          <a:bodyPr wrap="none" rtlCol="0">
+            <a:spAutoFit/>
+          </a:bodyPr>
+          <a:lstStyle/>
+          <a:p>
+            <a:r>
+              <a:rPr lang="en-US" altLang="zh-CN" dirty="0" smtClean="0"/>
+              <a:t>B1</a:t>
+            </a:r>
+            <a:endParaRPr lang="zh-CN" altLang="en-US" dirty="0"/>
+          </a:p>
+        </p:txBody>
+      </p:sp>
+    </p:spTree>
+    <p:extLst>
+      <p:ext uri="{BB962C8B-B14F-4D97-AF65-F5344CB8AC3E}">
+        <p14:creationId xmlns:p14="http://schemas.microsoft.com/office/powerpoint/2010/main" val="875366229"/>
+      </p:ext>
+    </p:extLst>
+  </p:cSld>
+  <p:clrMapOvr>
+    <a:masterClrMapping/>
+  </p:clrMapOvr>
+</p:sld>
+</file>
+
+<file path=ppt/slides/slide12.xml><?xml version="1.0" encoding="utf-8"?>
+<p:sld xmlns:a="http://schemas.openxmlformats.org/drawingml/2006/main" xmlns:r="http://schemas.openxmlformats.org/officeDocument/2006/relationships" xmlns:p="http://schemas.openxmlformats.org/presentationml/2006/main">
+  <p:cSld>
+    <p:spTree>
+      <p:nvGrpSpPr>
+        <p:cNvPr id="1" name=""/>
+        <p:cNvGrpSpPr/>
+        <p:nvPr/>
+      </p:nvGrpSpPr>
+      <p:grpSpPr>
+        <a:xfrm>
+          <a:off x="0" y="0"/>
+          <a:ext cx="0" cy="0"/>
+          <a:chOff x="0" y="0"/>
+          <a:chExt cx="0" cy="0"/>
+        </a:xfrm>
+      </p:grpSpPr>
+      <p:sp>
+        <p:nvSpPr>
+          <p:cNvPr id="2" name="标题 1"/>
+          <p:cNvSpPr>
+            <a:spLocks noGrp="1"/>
+          </p:cNvSpPr>
+          <p:nvPr>
+            <p:ph type="title"/>
+          </p:nvPr>
+        </p:nvSpPr>
+        <p:spPr/>
+        <p:txBody>
+          <a:bodyPr/>
+          <a:lstStyle/>
+          <a:p>
+            <a:r>
+              <a:rPr lang="zh-CN" altLang="en-US" dirty="0" smtClean="0"/>
+              <a:t>杜比断音问题</a:t>
+            </a:r>
+            <a:endParaRPr lang="zh-CN" altLang="en-US" dirty="0"/>
+          </a:p>
+        </p:txBody>
+      </p:sp>
+      <p:sp>
+        <p:nvSpPr>
+          <p:cNvPr id="3" name="内容占位符 2"/>
+          <p:cNvSpPr>
+            <a:spLocks noGrp="1"/>
+          </p:cNvSpPr>
+          <p:nvPr>
+            <p:ph idx="1"/>
+          </p:nvPr>
+        </p:nvSpPr>
+        <p:spPr/>
+        <p:txBody>
+          <a:bodyPr>
+            <a:normAutofit/>
+          </a:bodyPr>
+          <a:lstStyle/>
+          <a:p>
+            <a:pPr marL="0" indent="0">
+              <a:buNone/>
+            </a:pPr>
+            <a:r>
+              <a:rPr lang="zh-CN" altLang="en-US" sz="1800" b="1" dirty="0" smtClean="0"/>
+              <a:t>不足的地方：</a:t>
+            </a:r>
+            <a:endParaRPr lang="en-US" altLang="zh-CN" sz="1800" b="1" dirty="0" smtClean="0"/>
+          </a:p>
+          <a:p>
+            <a:pPr marL="0" indent="0">
+              <a:buNone/>
+            </a:pPr>
+            <a:r>
+              <a:rPr lang="en-US" altLang="zh-CN" sz="1800" b="1" dirty="0"/>
+              <a:t>	</a:t>
+            </a:r>
+            <a:r>
+              <a:rPr lang="en-US" altLang="zh-CN" sz="1600" dirty="0" smtClean="0"/>
+              <a:t>1.</a:t>
+            </a:r>
+            <a:r>
+              <a:rPr lang="zh-CN" altLang="en-US" sz="1600" dirty="0" smtClean="0"/>
+              <a:t>对于生产出来的</a:t>
+            </a:r>
+            <a:r>
+              <a:rPr lang="en-US" altLang="zh-CN" sz="1600" dirty="0" smtClean="0"/>
+              <a:t>TS</a:t>
+            </a:r>
+            <a:r>
+              <a:rPr lang="zh-CN" altLang="en-US" sz="1600" dirty="0" smtClean="0"/>
+              <a:t>数据，没有做进一步的确认。</a:t>
+            </a:r>
+            <a:endParaRPr lang="en-US" altLang="zh-CN" sz="1600" dirty="0" smtClean="0"/>
+          </a:p>
+          <a:p>
+            <a:pPr marL="0" indent="0">
+              <a:buNone/>
+            </a:pPr>
+            <a:r>
+              <a:rPr lang="en-US" altLang="zh-CN" sz="1600" dirty="0"/>
+              <a:t>	</a:t>
+            </a:r>
+            <a:r>
+              <a:rPr lang="en-US" altLang="zh-CN" sz="1600" dirty="0" smtClean="0"/>
+              <a:t>2.</a:t>
+            </a:r>
+            <a:r>
+              <a:rPr lang="zh-CN" altLang="en-US" sz="1600" dirty="0" smtClean="0"/>
+              <a:t>自测不够，没有覆盖到关键的设备。</a:t>
+            </a:r>
+            <a:endParaRPr lang="en-US" altLang="zh-CN" sz="1600" dirty="0" smtClean="0"/>
+          </a:p>
+          <a:p>
+            <a:pPr marL="0" indent="0">
+              <a:buNone/>
+            </a:pPr>
+            <a:endParaRPr lang="en-US" altLang="zh-CN" sz="1800" dirty="0"/>
+          </a:p>
+          <a:p>
+            <a:pPr marL="0" indent="0">
+              <a:buNone/>
+            </a:pPr>
+            <a:endParaRPr lang="en-US" altLang="zh-CN" sz="1800" dirty="0" smtClean="0"/>
+          </a:p>
+          <a:p>
+            <a:pPr marL="0" indent="0">
+              <a:buNone/>
+            </a:pPr>
+            <a:r>
+              <a:rPr lang="zh-CN" altLang="en-US" sz="1800" b="1" dirty="0" smtClean="0"/>
+              <a:t>需要重点关注：</a:t>
+            </a:r>
+            <a:endParaRPr lang="en-US" altLang="zh-CN" sz="1800" b="1" dirty="0" smtClean="0"/>
+          </a:p>
+          <a:p>
+            <a:pPr marL="0" indent="0">
+              <a:buNone/>
+            </a:pPr>
+            <a:r>
+              <a:rPr lang="en-US" altLang="zh-CN" sz="1800" b="1" dirty="0"/>
+              <a:t>	</a:t>
+            </a:r>
+            <a:r>
+              <a:rPr lang="en-US" altLang="zh-CN" sz="1600" dirty="0" smtClean="0"/>
+              <a:t>1.</a:t>
+            </a:r>
+            <a:r>
+              <a:rPr lang="zh-CN" altLang="en-US" sz="1600" dirty="0"/>
+              <a:t>弱</a:t>
+            </a:r>
+            <a:r>
+              <a:rPr lang="zh-CN" altLang="en-US" sz="1600" dirty="0" smtClean="0"/>
+              <a:t>网环境的测试需要作为一个强制</a:t>
+            </a:r>
+            <a:r>
+              <a:rPr lang="en-US" altLang="zh-CN" sz="1600" dirty="0" smtClean="0"/>
+              <a:t>case</a:t>
+            </a:r>
+            <a:r>
+              <a:rPr lang="zh-CN" altLang="en-US" sz="1600" dirty="0" smtClean="0"/>
+              <a:t>。</a:t>
+            </a:r>
+            <a:endParaRPr lang="en-US" altLang="zh-CN" sz="1600" dirty="0" smtClean="0"/>
+          </a:p>
+          <a:p>
+            <a:pPr marL="0" indent="0">
+              <a:buNone/>
+            </a:pPr>
+            <a:r>
+              <a:rPr lang="en-US" altLang="zh-CN" sz="1600" dirty="0"/>
+              <a:t>	</a:t>
+            </a:r>
+            <a:r>
+              <a:rPr lang="en-US" altLang="zh-CN" sz="1600" dirty="0" smtClean="0"/>
+              <a:t>2.</a:t>
+            </a:r>
+            <a:r>
+              <a:rPr lang="zh-CN" altLang="en-US" sz="1600" dirty="0" smtClean="0"/>
+              <a:t>重点设备的测试。</a:t>
+            </a:r>
+            <a:endParaRPr lang="zh-CN" altLang="en-US" sz="1600" dirty="0"/>
+          </a:p>
+        </p:txBody>
+      </p:sp>
+    </p:spTree>
+    <p:extLst>
+      <p:ext uri="{BB962C8B-B14F-4D97-AF65-F5344CB8AC3E}">
+        <p14:creationId xmlns:p14="http://schemas.microsoft.com/office/powerpoint/2010/main" val="3163846185"/>
+      </p:ext>
+    </p:extLst>
+  </p:cSld>
+  <p:clrMapOvr>
+    <a:masterClrMapping/>
+  </p:clrMapOvr>
+</p:sld>
+</file>
+
+<file path=ppt/slides/slide13.xml><?xml version="1.0" encoding="utf-8"?>
+<p:sld xmlns:a="http://schemas.openxmlformats.org/drawingml/2006/main" xmlns:r="http://schemas.openxmlformats.org/officeDocument/2006/relationships" xmlns:p="http://schemas.openxmlformats.org/presentationml/2006/main">
+  <p:cSld>
+    <p:spTree>
+      <p:nvGrpSpPr>
+        <p:cNvPr id="1" name=""/>
+        <p:cNvGrpSpPr/>
+        <p:nvPr/>
+      </p:nvGrpSpPr>
+      <p:grpSpPr>
+        <a:xfrm>
+          <a:off x="0" y="0"/>
+          <a:ext cx="0" cy="0"/>
+          <a:chOff x="0" y="0"/>
+          <a:chExt cx="0" cy="0"/>
+        </a:xfrm>
+      </p:grpSpPr>
+      <p:sp>
+        <p:nvSpPr>
+          <p:cNvPr id="2" name="标题 1"/>
+          <p:cNvSpPr>
+            <a:spLocks noGrp="1"/>
+          </p:cNvSpPr>
+          <p:nvPr>
+            <p:ph type="title"/>
+          </p:nvPr>
+        </p:nvSpPr>
+        <p:spPr/>
+        <p:txBody>
+          <a:bodyPr/>
+          <a:lstStyle/>
+          <a:p>
+            <a:r>
+              <a:rPr lang="zh-CN" altLang="en-US" dirty="0" smtClean="0"/>
+              <a:t>其他问题</a:t>
+            </a:r>
+            <a:endParaRPr lang="zh-CN" altLang="en-US" dirty="0"/>
+          </a:p>
+        </p:txBody>
+      </p:sp>
+      <p:sp>
+        <p:nvSpPr>
+          <p:cNvPr id="3" name="内容占位符 2"/>
+          <p:cNvSpPr>
+            <a:spLocks noGrp="1"/>
+          </p:cNvSpPr>
+          <p:nvPr>
+            <p:ph idx="1"/>
+          </p:nvPr>
+        </p:nvSpPr>
+        <p:spPr/>
+        <p:txBody>
+          <a:bodyPr>
+            <a:normAutofit/>
+          </a:bodyPr>
+          <a:lstStyle/>
+          <a:p>
+            <a:pPr>
+              <a:buNone/>
+            </a:pPr>
+            <a:r>
+              <a:rPr lang="zh-CN" altLang="en-US" sz="1800" b="1" dirty="0" smtClean="0"/>
+              <a:t>视频相关的一些问题：</a:t>
+            </a:r>
+            <a:endParaRPr lang="en-US" altLang="zh-CN" sz="1800" b="1" dirty="0" smtClean="0"/>
+          </a:p>
+          <a:p>
+            <a:pPr>
+              <a:buNone/>
+            </a:pPr>
+            <a:r>
+              <a:rPr lang="en-US" altLang="zh-CN" sz="1600" dirty="0" smtClean="0"/>
+              <a:t>1.H264</a:t>
+            </a:r>
+            <a:r>
+              <a:rPr lang="zh-CN" altLang="en-US" sz="1600" dirty="0" smtClean="0"/>
+              <a:t>码流时，遇到</a:t>
+            </a:r>
+            <a:r>
+              <a:rPr lang="en-US" altLang="zh-CN" sz="1600" dirty="0" smtClean="0"/>
+              <a:t>IDR</a:t>
+            </a:r>
+            <a:r>
+              <a:rPr lang="zh-CN" altLang="en-US" sz="1600" dirty="0" smtClean="0"/>
+              <a:t>帧时，时间戳异常的问题。</a:t>
+            </a:r>
+            <a:endParaRPr lang="en-US" altLang="zh-CN" sz="1600" dirty="0" smtClean="0"/>
+          </a:p>
+          <a:p>
+            <a:pPr>
+              <a:buNone/>
+            </a:pPr>
+            <a:r>
+              <a:rPr lang="en-US" altLang="zh-CN" sz="1600" dirty="0" smtClean="0"/>
               <a:t>2.FFmpeg</a:t>
             </a:r>
             <a:r>
-              <a:rPr lang="zh-CN" altLang="en-US" sz="1800" b="1" dirty="0" smtClean="0"/>
+              <a:rPr lang="zh-CN" altLang="en-US" sz="1600" dirty="0" smtClean="0"/>
               <a:t>只读取到</a:t>
             </a:r>
             <a:r>
-              <a:rPr lang="en-US" altLang="zh-CN" sz="1800" b="1" dirty="0"/>
+              <a:rPr lang="en-US" altLang="zh-CN" sz="1600" dirty="0"/>
               <a:t>Picture </a:t>
             </a:r>
             <a:r>
-              <a:rPr lang="en-US" altLang="zh-CN" sz="1800" b="1" dirty="0" err="1"/>
+              <a:rPr lang="en-US" altLang="zh-CN" sz="1600" dirty="0" err="1"/>
               <a:t>Paramater</a:t>
             </a:r>
             <a:r>
-              <a:rPr lang="en-US" altLang="zh-CN" sz="1800" b="1" dirty="0"/>
+              <a:rPr lang="en-US" altLang="zh-CN" sz="1600" dirty="0"/>
               <a:t> Set(PPS)</a:t>
             </a:r>
             <a:r>
-              <a:rPr lang="zh-CN" altLang="en-US" sz="1800" b="1" dirty="0" smtClean="0"/>
+              <a:rPr lang="zh-CN" altLang="en-US" sz="1600" dirty="0" smtClean="0"/>
               <a:t>数据的情况。</a:t>
             </a:r>
-            <a:endParaRPr lang="zh-CN" altLang="en-US" sz="1800" b="1" dirty="0"/>
+            <a:endParaRPr lang="zh-CN" altLang="en-US" sz="1600" dirty="0"/>
           </a:p>
         </p:txBody>
       </p:sp>
@@ -1855,7 +4205,7 @@
 </p:sld>
 </file>
 
-<file path=ppt/slides/slide12.xml><?xml version="1.0" encoding="utf-8"?>
+<file path=ppt/slides/slide14.xml><?xml version="1.0" encoding="utf-8"?>
 <p:sld xmlns:a="http://schemas.openxmlformats.org/drawingml/2006/main" xmlns:r="http://schemas.openxmlformats.org/officeDocument/2006/relationships" xmlns:p="http://schemas.openxmlformats.org/presentationml/2006/main">
   <p:cSld>
     <p:spTree>
@@ -1956,7 +4306,11 @@
             </a:r>
             <a:r>
               <a:rPr lang="zh-CN" altLang="en-US" dirty="0" smtClean="0"/>
-              <a:t>杜比分合流的技术实现。</a:t>
+              <a:t>杜比分合流的技术实现</a:t>
+            </a:r>
+            <a:r>
+              <a:rPr lang="zh-CN" altLang="en-US" dirty="0" smtClean="0"/>
+              <a:t>。</a:t>
             </a:r>
             <a:endParaRPr lang="en-US" altLang="zh-CN" dirty="0" smtClean="0"/>
           </a:p>
@@ -1969,8 +4323,12 @@
               <a:t>2.</a:t>
             </a:r>
             <a:r>
+              <a:rPr lang="zh-CN" altLang="en-US" dirty="0"/>
+              <a:t>杜比码流无法起播的问题</a:t>
+            </a:r>
+            <a:r>
               <a:rPr lang="zh-CN" altLang="en-US" dirty="0" smtClean="0"/>
-              <a:t>杜比断音、杂音问题。</a:t>
+              <a:t>。</a:t>
             </a:r>
             <a:endParaRPr lang="en-US" altLang="zh-CN" dirty="0" smtClean="0"/>
           </a:p>
@@ -1979,14 +4337,22 @@
               <a:buNone/>
             </a:pPr>
             <a:r>
+              <a:rPr lang="en-US" altLang="zh-CN" dirty="0"/>
+              <a:t>3</a:t>
+            </a:r>
+            <a:r>
               <a:rPr lang="en-US" altLang="zh-CN" dirty="0" smtClean="0"/>
-              <a:t>3.</a:t>
+              <a:t>.</a:t>
             </a:r>
             <a:r>
               <a:rPr lang="zh-CN" altLang="en-US" dirty="0" smtClean="0"/>
-              <a:t>杜比码流无法起播的问题。</a:t>
-            </a:r>
-            <a:endParaRPr lang="zh-CN" altLang="en-US" dirty="0"/>
+              <a:t>杜比断音、杂音问题</a:t>
+            </a:r>
+            <a:r>
+              <a:rPr lang="zh-CN" altLang="en-US" dirty="0" smtClean="0"/>
+              <a:t>。</a:t>
+            </a:r>
+            <a:endParaRPr lang="en-US" altLang="zh-CN" dirty="0" smtClean="0"/>
           </a:p>
         </p:txBody>
       </p:sp>
@@ -2062,6 +4428,9 @@
           <a:bodyPr/>
           <a:lstStyle/>
           <a:p>
+            <a:pPr marL="0" indent="0">
+              <a:buNone/>
+            </a:pPr>
             <a:r>
               <a:rPr lang="en-US" altLang="zh-CN" dirty="0" smtClean="0"/>
               <a:t> </a:t>
@@ -6197,46 +8566,6 @@
       </p:sp>
       <p:sp>
         <p:nvSpPr>
-          <p:cNvPr id="13" name="右箭头 12"/>
-          <p:cNvSpPr/>
-          <p:nvPr/>
-        </p:nvSpPr>
-        <p:spPr>
-          <a:xfrm flipH="1">
-            <a:off x="4929920" y="1831572"/>
-            <a:ext cx="843009" cy="373224"/>
-          </a:xfrm>
-          <a:prstGeom prst="rightArrow">
-            <a:avLst/>
-          </a:prstGeom>
-        </p:spPr>
-        <p:style>
-          <a:lnRef idx="2">
-            <a:schemeClr val="accent1">
-              <a:shade val="50000"/>
-            </a:schemeClr>
-          </a:lnRef>
-          <a:fillRef idx="1">
-            <a:schemeClr val="accent1"/>
-          </a:fillRef>
-          <a:effectRef idx="0">
-            <a:schemeClr val="accent1"/>
-          </a:effectRef>
-          <a:fontRef idx="minor">
-            <a:schemeClr val="lt1"/>
-          </a:fontRef>
-        </p:style>
-        <p:txBody>
-          <a:bodyPr rtlCol="0" anchor="ctr"/>
-          <a:lstStyle/>
-          <a:p>
-            <a:pPr algn="ctr"/>
-            <a:endParaRPr lang="zh-CN" altLang="en-US"/>
-          </a:p>
-        </p:txBody>
-      </p:sp>
-      <p:sp>
-        <p:nvSpPr>
           <p:cNvPr id="15" name="TextBox 14"/>
           <p:cNvSpPr txBox="1"/>
           <p:nvPr/>
@@ -6706,7 +9035,7 @@
         <p:spPr>
           <a:xfrm>
             <a:off x="1036480" y="4311631"/>
-            <a:ext cx="8421511" cy="1723549"/>
+            <a:ext cx="8421511" cy="1631216"/>
           </a:xfrm>
           <a:prstGeom prst="rect">
             <a:avLst/>
@@ -6720,69 +9049,123 @@
           <a:lstStyle/>
           <a:p>
             <a:r>
-              <a:rPr lang="zh-CN" altLang="en-US" b="1" dirty="0" smtClean="0"/>
+              <a:rPr lang="zh-CN" altLang="en-US" b="1" dirty="0" smtClean="0">
+                <a:latin typeface="微软雅黑" panose="020B0503020204020204" pitchFamily="34" charset="-122"/>
+                <a:ea typeface="微软雅黑" panose="020B0503020204020204" pitchFamily="34" charset="-122"/>
+              </a:rPr>
               <a:t>海信系统播放器的特性</a:t>
             </a:r>
             <a:r>
-              <a:rPr lang="zh-CN" altLang="en-US" dirty="0" smtClean="0"/>
+              <a:rPr lang="zh-CN" altLang="en-US" dirty="0" smtClean="0">
+                <a:latin typeface="微软雅黑" panose="020B0503020204020204" pitchFamily="34" charset="-122"/>
+                <a:ea typeface="微软雅黑" panose="020B0503020204020204" pitchFamily="34" charset="-122"/>
+              </a:rPr>
               <a:t>：</a:t>
             </a:r>
             <a:r>
-              <a:rPr lang="en-US" altLang="zh-CN" dirty="0"/>
+              <a:rPr lang="en-US" altLang="zh-CN" dirty="0">
+                <a:latin typeface="微软雅黑" panose="020B0503020204020204" pitchFamily="34" charset="-122"/>
+                <a:ea typeface="微软雅黑" panose="020B0503020204020204" pitchFamily="34" charset="-122"/>
+              </a:rPr>
               <a:t> </a:t>
             </a:r>
             <a:r>
-              <a:rPr lang="en-US" altLang="zh-CN" sz="1600" dirty="0" smtClean="0"/>
+              <a:rPr lang="en-US" altLang="zh-CN" sz="1600" dirty="0" smtClean="0">
+                <a:latin typeface="微软雅黑" panose="020B0503020204020204" pitchFamily="34" charset="-122"/>
+                <a:ea typeface="微软雅黑" panose="020B0503020204020204" pitchFamily="34" charset="-122"/>
+              </a:rPr>
               <a:t>4s</a:t>
             </a:r>
             <a:r>
-              <a:rPr lang="zh-CN" altLang="en-US" sz="1600" dirty="0" smtClean="0"/>
+              <a:rPr lang="zh-CN" altLang="en-US" sz="1600" dirty="0" smtClean="0">
+                <a:latin typeface="微软雅黑" panose="020B0503020204020204" pitchFamily="34" charset="-122"/>
+                <a:ea typeface="微软雅黑" panose="020B0503020204020204" pitchFamily="34" charset="-122"/>
+              </a:rPr>
               <a:t>超时重试。</a:t>
             </a:r>
-            <a:endParaRPr lang="en-US" altLang="zh-CN" sz="1600" dirty="0" smtClean="0"/>
-          </a:p>
-          <a:p>
-            <a:endParaRPr lang="en-US" altLang="zh-CN" sz="1600" dirty="0" smtClean="0"/>
-          </a:p>
-          <a:p>
-            <a:r>
-              <a:rPr lang="zh-CN" altLang="en-US" b="1" dirty="0" smtClean="0"/>
+            <a:endParaRPr lang="en-US" altLang="zh-CN" sz="1600" dirty="0" smtClean="0">
+              <a:latin typeface="微软雅黑" panose="020B0503020204020204" pitchFamily="34" charset="-122"/>
+              <a:ea typeface="微软雅黑" panose="020B0503020204020204" pitchFamily="34" charset="-122"/>
+            </a:endParaRPr>
+          </a:p>
+          <a:p>
+            <a:endParaRPr lang="en-US" altLang="zh-CN" sz="1600" dirty="0" smtClean="0">
+              <a:latin typeface="微软雅黑" panose="020B0503020204020204" pitchFamily="34" charset="-122"/>
+              <a:ea typeface="微软雅黑" panose="020B0503020204020204" pitchFamily="34" charset="-122"/>
+            </a:endParaRPr>
+          </a:p>
+          <a:p>
+            <a:r>
+              <a:rPr lang="zh-CN" altLang="en-US" b="1" dirty="0" smtClean="0">
+                <a:latin typeface="微软雅黑" panose="020B0503020204020204" pitchFamily="34" charset="-122"/>
+                <a:ea typeface="微软雅黑" panose="020B0503020204020204" pitchFamily="34" charset="-122"/>
+              </a:rPr>
               <a:t>分析播放器获取数据慢的原因：</a:t>
             </a:r>
-            <a:endParaRPr lang="en-US" altLang="zh-CN" b="1" dirty="0" smtClean="0"/>
-          </a:p>
-          <a:p>
-            <a:r>
-              <a:rPr lang="en-US" altLang="zh-CN" dirty="0" smtClean="0"/>
+            <a:endParaRPr lang="en-US" altLang="zh-CN" b="1" dirty="0" smtClean="0">
+              <a:latin typeface="微软雅黑" panose="020B0503020204020204" pitchFamily="34" charset="-122"/>
+              <a:ea typeface="微软雅黑" panose="020B0503020204020204" pitchFamily="34" charset="-122"/>
+            </a:endParaRPr>
+          </a:p>
+          <a:p>
+            <a:r>
+              <a:rPr lang="en-US" altLang="zh-CN" sz="1600" dirty="0" smtClean="0">
+                <a:latin typeface="微软雅黑" panose="020B0503020204020204" pitchFamily="34" charset="-122"/>
+                <a:ea typeface="微软雅黑" panose="020B0503020204020204" pitchFamily="34" charset="-122"/>
+              </a:rPr>
               <a:t>1. 4K</a:t>
             </a:r>
             <a:r>
-              <a:rPr lang="zh-CN" altLang="en-US" dirty="0" smtClean="0"/>
+              <a:rPr lang="zh-CN" altLang="en-US" sz="1600" dirty="0" smtClean="0">
+                <a:latin typeface="微软雅黑" panose="020B0503020204020204" pitchFamily="34" charset="-122"/>
+                <a:ea typeface="微软雅黑" panose="020B0503020204020204" pitchFamily="34" charset="-122"/>
+              </a:rPr>
               <a:t>数据本身下载偏慢。</a:t>
             </a:r>
-            <a:endParaRPr lang="en-US" altLang="zh-CN" dirty="0" smtClean="0"/>
-          </a:p>
-          <a:p>
-            <a:r>
-              <a:rPr lang="en-US" altLang="zh-CN" dirty="0" smtClean="0"/>
+            <a:endParaRPr lang="en-US" altLang="zh-CN" sz="1600" dirty="0" smtClean="0">
+              <a:latin typeface="微软雅黑" panose="020B0503020204020204" pitchFamily="34" charset="-122"/>
+              <a:ea typeface="微软雅黑" panose="020B0503020204020204" pitchFamily="34" charset="-122"/>
+            </a:endParaRPr>
+          </a:p>
+          <a:p>
+            <a:r>
+              <a:rPr lang="en-US" altLang="zh-CN" sz="1600" dirty="0" smtClean="0">
+                <a:latin typeface="微软雅黑" panose="020B0503020204020204" pitchFamily="34" charset="-122"/>
+                <a:ea typeface="微软雅黑" panose="020B0503020204020204" pitchFamily="34" charset="-122"/>
+              </a:rPr>
               <a:t>2.Demux</a:t>
             </a:r>
             <a:r>
-              <a:rPr lang="zh-CN" altLang="en-US" dirty="0" smtClean="0"/>
+              <a:rPr lang="zh-CN" altLang="en-US" sz="1600" dirty="0" smtClean="0">
+                <a:latin typeface="微软雅黑" panose="020B0503020204020204" pitchFamily="34" charset="-122"/>
+                <a:ea typeface="微软雅黑" panose="020B0503020204020204" pitchFamily="34" charset="-122"/>
+              </a:rPr>
               <a:t>阶段耗时较多。</a:t>
             </a:r>
-            <a:endParaRPr lang="en-US" altLang="zh-CN" dirty="0" smtClean="0"/>
-          </a:p>
-          <a:p>
-            <a:r>
-              <a:rPr lang="en-US" altLang="zh-CN" dirty="0" smtClean="0"/>
+            <a:endParaRPr lang="en-US" altLang="zh-CN" sz="1600" dirty="0" smtClean="0">
+              <a:latin typeface="微软雅黑" panose="020B0503020204020204" pitchFamily="34" charset="-122"/>
+              <a:ea typeface="微软雅黑" panose="020B0503020204020204" pitchFamily="34" charset="-122"/>
+            </a:endParaRPr>
+          </a:p>
+          <a:p>
+            <a:r>
+              <a:rPr lang="en-US" altLang="zh-CN" sz="1600" dirty="0" smtClean="0">
+                <a:latin typeface="微软雅黑" panose="020B0503020204020204" pitchFamily="34" charset="-122"/>
+                <a:ea typeface="微软雅黑" panose="020B0503020204020204" pitchFamily="34" charset="-122"/>
+              </a:rPr>
               <a:t>3.</a:t>
             </a:r>
             <a:r>
-              <a:rPr lang="zh-CN" altLang="en-US" dirty="0" smtClean="0"/>
+              <a:rPr lang="zh-CN" altLang="en-US" sz="1600" dirty="0" smtClean="0">
+                <a:latin typeface="微软雅黑" panose="020B0503020204020204" pitchFamily="34" charset="-122"/>
+                <a:ea typeface="微软雅黑" panose="020B0503020204020204" pitchFamily="34" charset="-122"/>
+              </a:rPr>
               <a:t>输出阶段耗时较多。</a:t>
             </a:r>
-            <a:endParaRPr lang="zh-CN" altLang="en-US" dirty="0"/>
+            <a:endParaRPr lang="zh-CN" altLang="en-US" sz="1600" dirty="0">
+              <a:latin typeface="微软雅黑" panose="020B0503020204020204" pitchFamily="34" charset="-122"/>
+              <a:ea typeface="微软雅黑" panose="020B0503020204020204" pitchFamily="34" charset="-122"/>
+            </a:endParaRPr>
           </a:p>
         </p:txBody>
       </p:sp>
@@ -7000,68 +9383,68 @@
               <a:buNone/>
             </a:pPr>
             <a:r>
-              <a:rPr lang="zh-CN" altLang="en-US" sz="1533" dirty="0" smtClean="0"/>
+              <a:rPr lang="zh-CN" altLang="en-US" sz="1600" dirty="0" smtClean="0"/>
               <a:t>原因：</a:t>
             </a:r>
-            <a:endParaRPr lang="en-US" altLang="zh-CN" sz="1533" dirty="0" smtClean="0"/>
+            <a:endParaRPr lang="en-US" altLang="zh-CN" sz="1600" dirty="0" smtClean="0"/>
           </a:p>
           <a:p>
             <a:pPr marL="609585" lvl="1" indent="0">
               <a:buNone/>
             </a:pPr>
             <a:r>
-              <a:rPr lang="en-US" altLang="zh-CN" sz="1533" dirty="0"/>
+              <a:rPr lang="en-US" altLang="zh-CN" sz="1600" dirty="0"/>
               <a:t>	</a:t>
             </a:r>
             <a:r>
-              <a:rPr lang="en-US" altLang="zh-CN" sz="1533" dirty="0" err="1" smtClean="0"/>
+              <a:rPr lang="en-US" altLang="zh-CN" sz="1600" dirty="0" err="1" smtClean="0"/>
               <a:t>FFmpeg</a:t>
             </a:r>
             <a:r>
-              <a:rPr lang="zh-CN" altLang="en-US" sz="1533" dirty="0" smtClean="0"/>
+              <a:rPr lang="zh-CN" altLang="en-US" sz="1600" dirty="0" smtClean="0"/>
               <a:t>接口</a:t>
             </a:r>
             <a:r>
-              <a:rPr lang="en-US" altLang="zh-CN" sz="1533" dirty="0" smtClean="0"/>
+              <a:rPr lang="en-US" altLang="zh-CN" sz="1600" dirty="0" smtClean="0"/>
               <a:t>API </a:t>
             </a:r>
             <a:r>
-              <a:rPr lang="en-US" altLang="zh-CN" sz="1533" dirty="0" err="1" smtClean="0"/>
+              <a:rPr lang="en-US" altLang="zh-CN" sz="1600" dirty="0" err="1" smtClean="0"/>
               <a:t>avformat_find_stream_info</a:t>
             </a:r>
             <a:r>
-              <a:rPr lang="en-US" altLang="zh-CN" sz="1533" dirty="0" smtClean="0"/>
+              <a:rPr lang="en-US" altLang="zh-CN" sz="1600" dirty="0" smtClean="0"/>
               <a:t>, </a:t>
             </a:r>
             <a:r>
-              <a:rPr lang="zh-CN" altLang="en-US" sz="1533" dirty="0" smtClean="0"/>
+              <a:rPr lang="zh-CN" altLang="en-US" sz="1600" dirty="0" smtClean="0"/>
               <a:t>耗时较长。</a:t>
             </a:r>
-            <a:endParaRPr lang="en-US" altLang="zh-CN" sz="1533" dirty="0" smtClean="0"/>
+            <a:endParaRPr lang="en-US" altLang="zh-CN" sz="1600" dirty="0" smtClean="0"/>
           </a:p>
           <a:p>
             <a:pPr marL="609585" lvl="1" indent="0">
               <a:buNone/>
             </a:pPr>
             <a:r>
-              <a:rPr lang="zh-CN" altLang="en-US" sz="1533" dirty="0" smtClean="0"/>
+              <a:rPr lang="zh-CN" altLang="en-US" sz="1600" dirty="0" smtClean="0"/>
               <a:t>处理：</a:t>
             </a:r>
-            <a:endParaRPr lang="en-US" altLang="zh-CN" sz="1533" dirty="0" smtClean="0"/>
+            <a:endParaRPr lang="en-US" altLang="zh-CN" sz="1600" dirty="0" smtClean="0"/>
           </a:p>
           <a:p>
             <a:pPr marL="609585" lvl="1" indent="0">
               <a:buNone/>
             </a:pPr>
             <a:r>
-              <a:rPr lang="en-US" altLang="zh-CN" sz="1533" dirty="0"/>
+              <a:rPr lang="en-US" altLang="zh-CN" sz="1600" dirty="0"/>
               <a:t>	</a:t>
             </a:r>
             <a:r>
-              <a:rPr lang="zh-CN" altLang="en-US" sz="1533" dirty="0" smtClean="0"/>
+              <a:rPr lang="zh-CN" altLang="en-US" sz="1600" dirty="0" smtClean="0"/>
               <a:t>一次播放过程，首次访问此接口，同时缓存获取到的码流信息，在接下来的合成过程中，直接使用缓存到的码流信息，不再访问此接口。</a:t>
             </a:r>
-            <a:endParaRPr lang="en-US" altLang="zh-CN" sz="1533" dirty="0" smtClean="0"/>
+            <a:endParaRPr lang="en-US" altLang="zh-CN" sz="1600" dirty="0" smtClean="0"/>
           </a:p>
           <a:p>
             <a:pPr marL="609585" lvl="1" indent="0">
@@ -7081,122 +9464,122 @@
               <a:buNone/>
             </a:pPr>
             <a:r>
-              <a:rPr lang="zh-CN" altLang="en-US" sz="1533" dirty="0" smtClean="0"/>
+              <a:rPr lang="zh-CN" altLang="en-US" sz="1600" dirty="0" smtClean="0"/>
               <a:t>原因：</a:t>
             </a:r>
-            <a:endParaRPr lang="en-US" altLang="zh-CN" sz="1533" dirty="0" smtClean="0"/>
+            <a:endParaRPr lang="en-US" altLang="zh-CN" sz="1600" dirty="0" smtClean="0"/>
           </a:p>
           <a:p>
             <a:pPr marL="609585" lvl="1" indent="0">
               <a:buNone/>
             </a:pPr>
             <a:r>
-              <a:rPr lang="en-US" altLang="zh-CN" sz="1533" dirty="0"/>
+              <a:rPr lang="en-US" altLang="zh-CN" sz="1600" dirty="0"/>
               <a:t>	</a:t>
             </a:r>
             <a:r>
-              <a:rPr lang="zh-CN" altLang="en-US" sz="1533" dirty="0" smtClean="0"/>
+              <a:rPr lang="zh-CN" altLang="en-US" sz="1600" dirty="0" smtClean="0"/>
               <a:t>输出阶段，由于需要计算音频</a:t>
             </a:r>
             <a:r>
-              <a:rPr lang="en-US" altLang="zh-CN" sz="1533" dirty="0" smtClean="0"/>
+              <a:rPr lang="en-US" altLang="zh-CN" sz="1600" dirty="0" smtClean="0"/>
               <a:t>packet</a:t>
             </a:r>
             <a:r>
-              <a:rPr lang="zh-CN" altLang="en-US" sz="1533" dirty="0" smtClean="0"/>
+              <a:rPr lang="zh-CN" altLang="en-US" sz="1600" dirty="0" smtClean="0"/>
               <a:t>的时间戳， 尤其是最后一个音频数据的时间戳，需要等到源</a:t>
             </a:r>
             <a:r>
-              <a:rPr lang="en-US" altLang="zh-CN" sz="1533" dirty="0" smtClean="0"/>
+              <a:rPr lang="en-US" altLang="zh-CN" sz="1600" dirty="0" smtClean="0"/>
               <a:t>TS</a:t>
             </a:r>
             <a:r>
-              <a:rPr lang="zh-CN" altLang="en-US" sz="1533" dirty="0" smtClean="0"/>
+              <a:rPr lang="zh-CN" altLang="en-US" sz="1600" dirty="0" smtClean="0"/>
               <a:t>数据全部解析完，根据其中最后</a:t>
             </a:r>
             <a:r>
-              <a:rPr lang="en-US" altLang="zh-CN" sz="1533" dirty="0" smtClean="0"/>
+              <a:rPr lang="en-US" altLang="zh-CN" sz="1600" dirty="0" smtClean="0"/>
               <a:t>AAC</a:t>
             </a:r>
             <a:r>
-              <a:rPr lang="zh-CN" altLang="en-US" sz="1533" dirty="0" smtClean="0"/>
+              <a:rPr lang="zh-CN" altLang="en-US" sz="1600" dirty="0" smtClean="0"/>
               <a:t>的时间戳来确定。 所以</a:t>
             </a:r>
             <a:r>
-              <a:rPr lang="en-US" altLang="zh-CN" sz="1533" dirty="0" err="1" smtClean="0"/>
+              <a:rPr lang="en-US" altLang="zh-CN" sz="1600" dirty="0" err="1" smtClean="0"/>
               <a:t>Remux</a:t>
             </a:r>
             <a:r>
-              <a:rPr lang="zh-CN" altLang="en-US" sz="1533" dirty="0" smtClean="0"/>
+              <a:rPr lang="zh-CN" altLang="en-US" sz="1600" dirty="0" smtClean="0"/>
               <a:t>出来的数据，根据一定的策略，没有直接写入到缓存中，而是放到缓存了。</a:t>
             </a:r>
-            <a:endParaRPr lang="en-US" altLang="zh-CN" sz="1533" dirty="0" smtClean="0"/>
+            <a:endParaRPr lang="en-US" altLang="zh-CN" sz="1600" dirty="0" smtClean="0"/>
           </a:p>
           <a:p>
             <a:pPr marL="609585" lvl="1" indent="0">
               <a:buNone/>
             </a:pPr>
-            <a:endParaRPr lang="en-US" altLang="zh-CN" sz="1533" dirty="0" smtClean="0"/>
+            <a:endParaRPr lang="en-US" altLang="zh-CN" sz="1600" dirty="0" smtClean="0"/>
           </a:p>
           <a:p>
             <a:pPr marL="609585" lvl="1" indent="0">
               <a:buNone/>
             </a:pPr>
             <a:r>
-              <a:rPr lang="zh-CN" altLang="en-US" sz="1533" dirty="0" smtClean="0"/>
+              <a:rPr lang="zh-CN" altLang="en-US" sz="1600" dirty="0" smtClean="0"/>
               <a:t>处理：</a:t>
             </a:r>
-            <a:endParaRPr lang="en-US" altLang="zh-CN" sz="1533" dirty="0" smtClean="0"/>
+            <a:endParaRPr lang="en-US" altLang="zh-CN" sz="1600" dirty="0" smtClean="0"/>
           </a:p>
           <a:p>
             <a:pPr marL="609585" lvl="1" indent="0">
               <a:buNone/>
             </a:pPr>
             <a:r>
-              <a:rPr lang="en-US" altLang="zh-CN" sz="1533" dirty="0"/>
+              <a:rPr lang="en-US" altLang="zh-CN" sz="1600" dirty="0"/>
               <a:t>	</a:t>
             </a:r>
             <a:r>
-              <a:rPr lang="zh-CN" altLang="en-US" sz="1533" dirty="0" smtClean="0"/>
+              <a:rPr lang="zh-CN" altLang="en-US" sz="1600" dirty="0" smtClean="0"/>
               <a:t>放入到缓存中的</a:t>
             </a:r>
             <a:r>
-              <a:rPr lang="en-US" altLang="zh-CN" sz="1533" dirty="0" smtClean="0"/>
+              <a:rPr lang="en-US" altLang="zh-CN" sz="1600" dirty="0" smtClean="0"/>
               <a:t>packet</a:t>
             </a:r>
             <a:r>
-              <a:rPr lang="zh-CN" altLang="en-US" sz="1533" dirty="0" smtClean="0"/>
+              <a:rPr lang="zh-CN" altLang="en-US" sz="1600" dirty="0" smtClean="0"/>
               <a:t>数据，根据实时</a:t>
             </a:r>
             <a:r>
-              <a:rPr lang="en-US" altLang="zh-CN" sz="1533" dirty="0" err="1" smtClean="0"/>
+              <a:rPr lang="en-US" altLang="zh-CN" sz="1600" dirty="0" err="1" smtClean="0"/>
               <a:t>demux</a:t>
             </a:r>
             <a:r>
-              <a:rPr lang="zh-CN" altLang="en-US" sz="1533" dirty="0" smtClean="0"/>
+              <a:rPr lang="zh-CN" altLang="en-US" sz="1600" dirty="0" smtClean="0"/>
               <a:t>出来的音频时间戳，做一个比较， 把时间戳较小的数据，从缓存中取出，直接写入到输出</a:t>
             </a:r>
             <a:r>
-              <a:rPr lang="en-US" altLang="zh-CN" sz="1533" dirty="0" smtClean="0"/>
+              <a:rPr lang="en-US" altLang="zh-CN" sz="1600" dirty="0" smtClean="0"/>
               <a:t>buffer</a:t>
             </a:r>
             <a:r>
-              <a:rPr lang="zh-CN" altLang="en-US" sz="1533" dirty="0" smtClean="0"/>
+              <a:rPr lang="zh-CN" altLang="en-US" sz="1600" dirty="0" smtClean="0"/>
               <a:t>，这样</a:t>
             </a:r>
             <a:r>
-              <a:rPr lang="en-US" altLang="zh-CN" sz="1533" dirty="0" smtClean="0"/>
+              <a:rPr lang="en-US" altLang="zh-CN" sz="1600" dirty="0" smtClean="0"/>
               <a:t>ROM</a:t>
             </a:r>
             <a:r>
-              <a:rPr lang="zh-CN" altLang="en-US" sz="1533" dirty="0"/>
+              <a:rPr lang="zh-CN" altLang="en-US" sz="1600" dirty="0"/>
               <a:t>就</a:t>
             </a:r>
             <a:r>
-              <a:rPr lang="zh-CN" altLang="en-US" sz="1533" dirty="0" smtClean="0"/>
+              <a:rPr lang="zh-CN" altLang="en-US" sz="1600" dirty="0" smtClean="0"/>
               <a:t>可以访问到。</a:t>
             </a:r>
-            <a:endParaRPr lang="en-US" altLang="zh-CN" sz="1533" dirty="0" smtClean="0"/>
+            <a:endParaRPr lang="en-US" altLang="zh-CN" sz="1600" dirty="0" smtClean="0"/>
           </a:p>
           <a:p>
             <a:pPr marL="609585" lvl="1" indent="0">
@@ -7441,18 +9824,154 @@
           <a:bodyPr/>
           <a:lstStyle/>
           <a:p>
+            <a:pPr marL="0" indent="0">
+              <a:buNone/>
+            </a:pPr>
             <a:r>
               <a:rPr lang="zh-CN" altLang="en-US" sz="1800" b="1" dirty="0"/>
               <a:t>问题描述： 在播放杜比码流过程中</a:t>
             </a:r>
             <a:r>
               <a:rPr lang="zh-CN" altLang="en-US" sz="1800" b="1" dirty="0" smtClean="0"/>
-              <a:t>，会出现杂音现象。</a:t>
-            </a:r>
+              <a:t>，会出现杂音现象</a:t>
+            </a:r>
+            <a:r>
+              <a:rPr lang="zh-CN" altLang="en-US" sz="1800" b="1" dirty="0" smtClean="0"/>
+              <a:t>。</a:t>
+            </a:r>
+            <a:endParaRPr lang="en-US" altLang="zh-CN" sz="1800" b="1" dirty="0" smtClean="0"/>
+          </a:p>
+          <a:p>
+            <a:pPr marL="0" indent="0">
+              <a:buNone/>
+            </a:pPr>
             <a:endParaRPr lang="en-US" altLang="zh-CN" sz="1800" b="1" dirty="0"/>
           </a:p>
           <a:p>
-            <a:endParaRPr lang="zh-CN" altLang="en-US" dirty="0"/>
+            <a:pPr marL="0" indent="0">
+              <a:buNone/>
+            </a:pPr>
+            <a:r>
+              <a:rPr lang="zh-CN" altLang="en-US" sz="1800" dirty="0" smtClean="0"/>
+              <a:t>出现的场景：</a:t>
+            </a:r>
+            <a:endParaRPr lang="en-US" altLang="zh-CN" sz="1800" dirty="0" smtClean="0"/>
+          </a:p>
+          <a:p>
+            <a:pPr marL="0" indent="0">
+              <a:buNone/>
+            </a:pPr>
+            <a:r>
+              <a:rPr lang="en-US" altLang="zh-CN" sz="1800" dirty="0"/>
+              <a:t>	</a:t>
+            </a:r>
+            <a:r>
+              <a:rPr lang="en-US" altLang="zh-CN" sz="1600" dirty="0" smtClean="0"/>
+              <a:t>1.</a:t>
+            </a:r>
+            <a:r>
+              <a:rPr lang="zh-CN" altLang="en-US" sz="1600" dirty="0" smtClean="0"/>
+              <a:t>网络环境较差时。</a:t>
+            </a:r>
+            <a:endParaRPr lang="en-US" altLang="zh-CN" sz="1600" dirty="0" smtClean="0"/>
+          </a:p>
+          <a:p>
+            <a:pPr marL="0" indent="0">
+              <a:buNone/>
+            </a:pPr>
+            <a:r>
+              <a:rPr lang="en-US" altLang="zh-CN" sz="1600" dirty="0"/>
+              <a:t>	</a:t>
+            </a:r>
+            <a:r>
+              <a:rPr lang="en-US" altLang="zh-CN" sz="1600" dirty="0" smtClean="0"/>
+              <a:t>2.</a:t>
+            </a:r>
+            <a:r>
+              <a:rPr lang="zh-CN" altLang="en-US" sz="1600" dirty="0" smtClean="0"/>
+              <a:t>音频数据下载出现超时重试。</a:t>
+            </a:r>
+            <a:endParaRPr lang="en-US" altLang="zh-CN" sz="1600" dirty="0" smtClean="0"/>
+          </a:p>
+          <a:p>
+            <a:pPr marL="0" indent="0">
+              <a:buNone/>
+            </a:pPr>
+            <a:r>
+              <a:rPr lang="zh-CN" altLang="en-US" sz="1800" dirty="0" smtClean="0"/>
+              <a:t>问题的原因分析：</a:t>
+            </a:r>
+            <a:endParaRPr lang="en-US" altLang="zh-CN" sz="1800" dirty="0" smtClean="0"/>
+          </a:p>
+          <a:p>
+            <a:pPr marL="0" indent="0">
+              <a:buNone/>
+            </a:pPr>
+            <a:r>
+              <a:rPr lang="en-US" altLang="zh-CN" sz="1800" dirty="0"/>
+              <a:t>	</a:t>
+            </a:r>
+            <a:r>
+              <a:rPr lang="en-US" altLang="zh-CN" sz="1600" dirty="0" smtClean="0"/>
+              <a:t>1.</a:t>
+            </a:r>
+            <a:r>
+              <a:rPr lang="zh-CN" altLang="en-US" sz="1600" dirty="0" smtClean="0"/>
+              <a:t>下载音频数据时，通过</a:t>
+            </a:r>
+            <a:r>
+              <a:rPr lang="en-US" altLang="zh-CN" sz="1600" dirty="0" smtClean="0"/>
+              <a:t>http range</a:t>
+            </a:r>
+            <a:r>
+              <a:rPr lang="zh-CN" altLang="en-US" sz="1600" dirty="0" smtClean="0"/>
+              <a:t>设置下载区间。</a:t>
+            </a:r>
+            <a:endParaRPr lang="en-US" altLang="zh-CN" sz="1600" dirty="0" smtClean="0"/>
+          </a:p>
+          <a:p>
+            <a:pPr marL="0" indent="0">
+              <a:buNone/>
+            </a:pPr>
+            <a:r>
+              <a:rPr lang="en-US" altLang="zh-CN" sz="1600" dirty="0"/>
+              <a:t>	</a:t>
+            </a:r>
+            <a:r>
+              <a:rPr lang="en-US" altLang="zh-CN" sz="1600" dirty="0" smtClean="0"/>
+              <a:t>2.</a:t>
+            </a:r>
+            <a:r>
+              <a:rPr lang="zh-CN" altLang="en-US" sz="1600" dirty="0" smtClean="0"/>
+              <a:t>超时重试时，指定的</a:t>
+            </a:r>
+            <a:r>
+              <a:rPr lang="en-US" altLang="zh-CN" sz="1600" dirty="0" smtClean="0"/>
+              <a:t>range</a:t>
+            </a:r>
+            <a:r>
+              <a:rPr lang="zh-CN" altLang="en-US" sz="1600" dirty="0" smtClean="0"/>
+              <a:t>出错。</a:t>
+            </a:r>
+            <a:endParaRPr lang="en-US" altLang="zh-CN" sz="1600" dirty="0" smtClean="0"/>
+          </a:p>
+          <a:p>
+            <a:pPr marL="0" indent="0">
+              <a:buNone/>
+            </a:pPr>
+            <a:r>
+              <a:rPr lang="en-US" altLang="zh-CN" sz="1600" dirty="0"/>
+              <a:t>	</a:t>
+            </a:r>
+            <a:r>
+              <a:rPr lang="en-US" altLang="zh-CN" sz="1600" dirty="0" smtClean="0"/>
+              <a:t>3. </a:t>
+            </a:r>
+            <a:r>
+              <a:rPr lang="zh-CN" altLang="en-US" sz="1600" dirty="0" smtClean="0"/>
+              <a:t>成员变量未初始化。</a:t>
+            </a:r>
+            <a:endParaRPr lang="zh-CN" altLang="en-US" sz="1600" dirty="0"/>
           </a:p>
         </p:txBody>
       </p:sp>

--- a/ISO_IEC_Document/mpegts/ppt/2018-第四季度季度会报告.pptx
+++ b/ISO_IEC_Document/mpegts/ppt/2018-第四季度季度会报告.pptx
@@ -356,7 +356,7 @@
           <p:cNvPr id="5" name="图片 4">
             <a:extLst>
               <a:ext uri="{FF2B5EF4-FFF2-40B4-BE49-F238E27FC236}">
-                <a16:creationId xmlns:a16="http://schemas.microsoft.com/office/drawing/2014/main" xmlns="" id="{D8F29E28-3383-EC4B-8CEE-64C78C70C2B5}"/>
+                <a16:creationId xmlns="" xmlns:a16="http://schemas.microsoft.com/office/drawing/2014/main" id="{D8F29E28-3383-EC4B-8CEE-64C78C70C2B5}"/>
               </a:ext>
             </a:extLst>
           </p:cNvPr>
@@ -651,7 +651,7 @@
           <p:cNvPr id="5" name="组合 4">
             <a:extLst>
               <a:ext uri="{FF2B5EF4-FFF2-40B4-BE49-F238E27FC236}">
-                <a16:creationId xmlns:a16="http://schemas.microsoft.com/office/drawing/2014/main" xmlns="" id="{AB313482-0071-1142-AF54-63A6BE03E425}"/>
+                <a16:creationId xmlns="" xmlns:a16="http://schemas.microsoft.com/office/drawing/2014/main" id="{AB313482-0071-1142-AF54-63A6BE03E425}"/>
               </a:ext>
             </a:extLst>
           </p:cNvPr>
@@ -717,7 +717,7 @@
             <p:cNvPr id="6" name="图片 5">
               <a:extLst>
                 <a:ext uri="{FF2B5EF4-FFF2-40B4-BE49-F238E27FC236}">
-                  <a16:creationId xmlns:a16="http://schemas.microsoft.com/office/drawing/2014/main" xmlns="" id="{7C832BA5-0115-4D4E-89B0-C288AC9F0761}"/>
+                  <a16:creationId xmlns="" xmlns:a16="http://schemas.microsoft.com/office/drawing/2014/main" id="{7C832BA5-0115-4D4E-89B0-C288AC9F0761}"/>
                 </a:ext>
               </a:extLst>
             </p:cNvPr>
@@ -754,7 +754,7 @@
           <p:cNvPr id="9" name="矩形 8">
             <a:extLst>
               <a:ext uri="{FF2B5EF4-FFF2-40B4-BE49-F238E27FC236}">
-                <a16:creationId xmlns:a16="http://schemas.microsoft.com/office/drawing/2014/main" xmlns="" id="{77E86F90-C034-AE42-A96C-4017F6EF3D13}"/>
+                <a16:creationId xmlns="" xmlns:a16="http://schemas.microsoft.com/office/drawing/2014/main" id="{77E86F90-C034-AE42-A96C-4017F6EF3D13}"/>
               </a:ext>
             </a:extLst>
           </p:cNvPr>
@@ -855,7 +855,7 @@
           <p:cNvPr id="5" name="日期占位符 2">
             <a:extLst>
               <a:ext uri="{FF2B5EF4-FFF2-40B4-BE49-F238E27FC236}">
-                <a16:creationId xmlns:a16="http://schemas.microsoft.com/office/drawing/2014/main" xmlns="" id="{37E1FE39-26AF-3A45-906C-07E56C92E547}"/>
+                <a16:creationId xmlns="" xmlns:a16="http://schemas.microsoft.com/office/drawing/2014/main" id="{37E1FE39-26AF-3A45-906C-07E56C92E547}"/>
               </a:ext>
             </a:extLst>
           </p:cNvPr>
@@ -893,7 +893,7 @@
           <p:cNvPr id="6" name="页脚占位符 3">
             <a:extLst>
               <a:ext uri="{FF2B5EF4-FFF2-40B4-BE49-F238E27FC236}">
-                <a16:creationId xmlns:a16="http://schemas.microsoft.com/office/drawing/2014/main" xmlns="" id="{8D7B2146-1535-844F-B761-CC457D0E25FE}"/>
+                <a16:creationId xmlns="" xmlns:a16="http://schemas.microsoft.com/office/drawing/2014/main" id="{8D7B2146-1535-844F-B761-CC457D0E25FE}"/>
               </a:ext>
             </a:extLst>
           </p:cNvPr>
@@ -926,7 +926,7 @@
           <p:cNvPr id="7" name="灯片编号占位符 4">
             <a:extLst>
               <a:ext uri="{FF2B5EF4-FFF2-40B4-BE49-F238E27FC236}">
-                <a16:creationId xmlns:a16="http://schemas.microsoft.com/office/drawing/2014/main" xmlns="" id="{B0C92930-71B6-2946-8BD0-E51BC6DB98B9}"/>
+                <a16:creationId xmlns="" xmlns:a16="http://schemas.microsoft.com/office/drawing/2014/main" id="{B0C92930-71B6-2946-8BD0-E51BC6DB98B9}"/>
               </a:ext>
             </a:extLst>
           </p:cNvPr>
@@ -1603,12 +1603,8 @@
           <a:lstStyle/>
           <a:p>
             <a:r>
-              <a:rPr lang="zh-CN" altLang="en-US" dirty="0"/>
-              <a:t>杜</a:t>
-            </a:r>
-            <a:r>
-              <a:rPr lang="zh-CN" altLang="en-US" dirty="0" smtClean="0"/>
-              <a:t>比相关的问题分析</a:t>
+              <a:rPr lang="zh-CN" altLang="zh-CN" dirty="0"/>
+              <a:t>杜比码流相关的播放问题及处理</a:t>
             </a:r>
             <a:endParaRPr lang="zh-CN" altLang="en-US" dirty="0"/>
           </a:p>
@@ -1774,7 +1770,7 @@
             </a:pPr>
             <a:r>
               <a:rPr lang="zh-CN" altLang="en-US" sz="1800" b="1" dirty="0" smtClean="0"/>
-              <a:t>代码检测工具</a:t>
+              <a:t>代码扫描工具</a:t>
             </a:r>
             <a:endParaRPr lang="en-US" altLang="zh-CN" sz="1800" b="1" dirty="0" smtClean="0"/>
           </a:p>
@@ -2242,7 +2238,7 @@
         </p:nvSpPr>
         <p:spPr>
           <a:xfrm>
-            <a:off x="3985018" y="5321528"/>
+            <a:off x="4072108" y="5321528"/>
             <a:ext cx="544073" cy="369332"/>
           </a:xfrm>
           <a:prstGeom prst="rect">
@@ -2272,7 +2268,7 @@
         </p:nvSpPr>
         <p:spPr>
           <a:xfrm>
-            <a:off x="4350126" y="5321529"/>
+            <a:off x="4411089" y="5321529"/>
             <a:ext cx="470808" cy="380912"/>
           </a:xfrm>
           <a:prstGeom prst="rect">
@@ -3817,7 +3813,7 @@
         </p:nvSpPr>
         <p:spPr>
           <a:xfrm>
-            <a:off x="3636751" y="5333109"/>
+            <a:off x="3723841" y="5315691"/>
             <a:ext cx="426720" cy="369332"/>
           </a:xfrm>
           <a:prstGeom prst="rect">
@@ -3847,7 +3843,7 @@
         </p:nvSpPr>
         <p:spPr>
           <a:xfrm>
-            <a:off x="3291999" y="5322320"/>
+            <a:off x="3413925" y="5322320"/>
             <a:ext cx="426720" cy="369332"/>
           </a:xfrm>
           <a:prstGeom prst="rect">
@@ -4306,11 +4302,7 @@
             </a:r>
             <a:r>
               <a:rPr lang="zh-CN" altLang="en-US" dirty="0" smtClean="0"/>
-              <a:t>杜比分合流的技术实现</a:t>
-            </a:r>
-            <a:r>
-              <a:rPr lang="zh-CN" altLang="en-US" dirty="0" smtClean="0"/>
-              <a:t>。</a:t>
+              <a:t>杜比码流的生产概述。</a:t>
             </a:r>
             <a:endParaRPr lang="en-US" altLang="zh-CN" dirty="0" smtClean="0"/>
           </a:p>
@@ -4323,8 +4315,28 @@
               <a:t>2.</a:t>
             </a:r>
             <a:r>
+              <a:rPr lang="zh-CN" altLang="en-US" dirty="0" smtClean="0"/>
+              <a:t>杜比</a:t>
+            </a:r>
+            <a:r>
+              <a:rPr lang="en-US" altLang="zh-CN" dirty="0" smtClean="0"/>
+              <a:t>4K</a:t>
+            </a:r>
+            <a:r>
+              <a:rPr lang="zh-CN" altLang="en-US" dirty="0" smtClean="0"/>
+              <a:t>码</a:t>
+            </a:r>
+            <a:r>
               <a:rPr lang="zh-CN" altLang="en-US" dirty="0"/>
-              <a:t>杜比码流无法起播的问题</a:t>
+              <a:t>流无法起</a:t>
+            </a:r>
+            <a:r>
+              <a:rPr lang="zh-CN" altLang="en-US" dirty="0" smtClean="0"/>
+              <a:t>播问题</a:t>
+            </a:r>
+            <a:r>
+              <a:rPr lang="zh-CN" altLang="en-US" dirty="0" smtClean="0"/>
+              <a:t>的处理</a:t>
             </a:r>
             <a:r>
               <a:rPr lang="zh-CN" altLang="en-US" dirty="0" smtClean="0"/>
@@ -4346,11 +4358,11 @@
             </a:r>
             <a:r>
               <a:rPr lang="zh-CN" altLang="en-US" dirty="0" smtClean="0"/>
-              <a:t>杜比断音、杂音问题</a:t>
+              <a:t>杜比断音、杂音</a:t>
             </a:r>
             <a:r>
               <a:rPr lang="zh-CN" altLang="en-US" dirty="0" smtClean="0"/>
-              <a:t>。</a:t>
+              <a:t>问题的处理。</a:t>
             </a:r>
             <a:endParaRPr lang="en-US" altLang="zh-CN" dirty="0" smtClean="0"/>
           </a:p>
@@ -5181,7 +5193,7 @@
           <a:solidFill>
             <a:schemeClr val="bg1"/>
           </a:solidFill>
-          <a:ln>
+          <a:ln w="6350">
             <a:solidFill>
               <a:schemeClr val="tx1"/>
             </a:solidFill>
@@ -5517,7 +5529,7 @@
         <p:spPr>
           <a:xfrm>
             <a:off x="5287105" y="2530077"/>
-            <a:ext cx="477672" cy="736979"/>
+            <a:ext cx="181878" cy="726929"/>
           </a:xfrm>
           <a:prstGeom prst="downArrow">
             <a:avLst/>
@@ -5908,7 +5920,7 @@
           <a:p>
             <a:r>
               <a:rPr lang="zh-CN" altLang="en-US" dirty="0" smtClean="0"/>
-              <a:t>音频数据定位</a:t>
+              <a:t>杜比码流的合成</a:t>
             </a:r>
             <a:endParaRPr lang="zh-CN" altLang="en-US" dirty="0"/>
           </a:p>
@@ -5952,7 +5964,7 @@
             <a:pPr algn="ctr"/>
             <a:r>
               <a:rPr lang="en-US" altLang="zh-CN" dirty="0" smtClean="0"/>
-              <a:t>Ts1</a:t>
+              <a:t>Ts-1</a:t>
             </a:r>
             <a:endParaRPr lang="zh-CN" altLang="en-US" dirty="0"/>
           </a:p>
@@ -5996,7 +6008,7 @@
             <a:pPr algn="ctr"/>
             <a:r>
               <a:rPr lang="en-US" altLang="zh-CN" dirty="0" smtClean="0"/>
-              <a:t>Ts2</a:t>
+              <a:t>Ts-2</a:t>
             </a:r>
             <a:endParaRPr lang="zh-CN" altLang="en-US" dirty="0"/>
           </a:p>
@@ -6149,7 +6161,7 @@
         <p:spPr>
           <a:xfrm>
             <a:off x="10134600" y="3636220"/>
-            <a:ext cx="1277786" cy="2031325"/>
+            <a:ext cx="1277786" cy="1938992"/>
           </a:xfrm>
           <a:prstGeom prst="rect">
             <a:avLst/>
@@ -6163,19 +6175,19 @@
           <a:lstStyle/>
           <a:p>
             <a:r>
-              <a:rPr lang="en-US" altLang="zh-CN" dirty="0" smtClean="0"/>
+              <a:rPr lang="en-US" altLang="zh-CN" sz="1600" dirty="0" smtClean="0"/>
               <a:t>Audio Data </a:t>
             </a:r>
           </a:p>
           <a:p>
             <a:r>
-              <a:rPr lang="en-US" altLang="zh-CN" dirty="0" smtClean="0"/>
+              <a:rPr lang="en-US" altLang="zh-CN" sz="1600" dirty="0" smtClean="0"/>
               <a:t>Mp4 File</a:t>
             </a:r>
           </a:p>
           <a:p>
             <a:r>
-              <a:rPr lang="en-US" altLang="zh-CN" dirty="0" smtClean="0"/>
+              <a:rPr lang="en-US" altLang="zh-CN" sz="1600" dirty="0" smtClean="0"/>
               <a:t>EAC-3 Data</a:t>
             </a:r>
           </a:p>
@@ -6231,7 +6243,7 @@
         </p:nvSpPr>
         <p:spPr>
           <a:xfrm>
-            <a:off x="4115647" y="4450671"/>
+            <a:off x="4202737" y="4450671"/>
             <a:ext cx="544073" cy="369332"/>
           </a:xfrm>
           <a:prstGeom prst="rect">
@@ -6261,7 +6273,7 @@
         </p:nvSpPr>
         <p:spPr>
           <a:xfrm>
-            <a:off x="4480755" y="4450672"/>
+            <a:off x="4533009" y="4450672"/>
             <a:ext cx="470808" cy="380912"/>
           </a:xfrm>
           <a:prstGeom prst="rect">
@@ -6351,7 +6363,7 @@
             <a:pPr algn="ctr"/>
             <a:r>
               <a:rPr lang="en-US" altLang="zh-CN" dirty="0" smtClean="0"/>
-              <a:t>Ts3</a:t>
+              <a:t>Ts-3</a:t>
             </a:r>
             <a:endParaRPr lang="zh-CN" altLang="en-US" dirty="0"/>
           </a:p>
@@ -7850,7 +7862,7 @@
         </p:nvSpPr>
         <p:spPr>
           <a:xfrm>
-            <a:off x="3767380" y="4462252"/>
+            <a:off x="3880597" y="4444834"/>
             <a:ext cx="426720" cy="369332"/>
           </a:xfrm>
           <a:prstGeom prst="rect">
@@ -7880,7 +7892,7 @@
         </p:nvSpPr>
         <p:spPr>
           <a:xfrm>
-            <a:off x="3422628" y="4451463"/>
+            <a:off x="3561972" y="4451463"/>
             <a:ext cx="426720" cy="369332"/>
           </a:xfrm>
           <a:prstGeom prst="rect">
@@ -7899,6 +7911,294 @@
               <a:t>B1</a:t>
             </a:r>
             <a:endParaRPr lang="zh-CN" altLang="en-US" dirty="0"/>
+          </a:p>
+        </p:txBody>
+      </p:sp>
+      <p:sp>
+        <p:nvSpPr>
+          <p:cNvPr id="26" name="矩形 25"/>
+          <p:cNvSpPr/>
+          <p:nvPr/>
+        </p:nvSpPr>
+        <p:spPr>
+          <a:xfrm>
+            <a:off x="1435604" y="5549125"/>
+            <a:ext cx="2362200" cy="174171"/>
+          </a:xfrm>
+          <a:prstGeom prst="rect">
+            <a:avLst/>
+          </a:prstGeom>
+          <a:solidFill>
+            <a:schemeClr val="accent3">
+              <a:lumMod val="75000"/>
+            </a:schemeClr>
+          </a:solidFill>
+          <a:ln>
+            <a:solidFill>
+              <a:schemeClr val="accent3">
+                <a:lumMod val="75000"/>
+              </a:schemeClr>
+            </a:solidFill>
+          </a:ln>
+        </p:spPr>
+        <p:style>
+          <a:lnRef idx="2">
+            <a:schemeClr val="accent1">
+              <a:shade val="50000"/>
+            </a:schemeClr>
+          </a:lnRef>
+          <a:fillRef idx="1">
+            <a:schemeClr val="accent1"/>
+          </a:fillRef>
+          <a:effectRef idx="0">
+            <a:schemeClr val="accent1"/>
+          </a:effectRef>
+          <a:fontRef idx="minor">
+            <a:schemeClr val="lt1"/>
+          </a:fontRef>
+        </p:style>
+        <p:txBody>
+          <a:bodyPr rtlCol="0" anchor="ctr"/>
+          <a:lstStyle/>
+          <a:p>
+            <a:pPr algn="ctr"/>
+            <a:r>
+              <a:rPr lang="en-US" altLang="zh-CN" dirty="0" smtClean="0"/>
+              <a:t>Output-1</a:t>
+            </a:r>
+            <a:endParaRPr lang="zh-CN" altLang="en-US" dirty="0"/>
+          </a:p>
+        </p:txBody>
+      </p:sp>
+      <p:sp>
+        <p:nvSpPr>
+          <p:cNvPr id="30" name="矩形 29"/>
+          <p:cNvSpPr/>
+          <p:nvPr/>
+        </p:nvSpPr>
+        <p:spPr>
+          <a:xfrm>
+            <a:off x="4802150" y="5580459"/>
+            <a:ext cx="2362200" cy="174171"/>
+          </a:xfrm>
+          <a:prstGeom prst="rect">
+            <a:avLst/>
+          </a:prstGeom>
+          <a:solidFill>
+            <a:schemeClr val="accent3">
+              <a:lumMod val="75000"/>
+            </a:schemeClr>
+          </a:solidFill>
+          <a:ln>
+            <a:solidFill>
+              <a:schemeClr val="accent3">
+                <a:lumMod val="75000"/>
+              </a:schemeClr>
+            </a:solidFill>
+          </a:ln>
+        </p:spPr>
+        <p:style>
+          <a:lnRef idx="2">
+            <a:schemeClr val="accent1">
+              <a:shade val="50000"/>
+            </a:schemeClr>
+          </a:lnRef>
+          <a:fillRef idx="1">
+            <a:schemeClr val="accent1"/>
+          </a:fillRef>
+          <a:effectRef idx="0">
+            <a:schemeClr val="accent1"/>
+          </a:effectRef>
+          <a:fontRef idx="minor">
+            <a:schemeClr val="lt1"/>
+          </a:fontRef>
+        </p:style>
+        <p:txBody>
+          <a:bodyPr rtlCol="0" anchor="ctr"/>
+          <a:lstStyle/>
+          <a:p>
+            <a:pPr algn="ctr"/>
+            <a:r>
+              <a:rPr lang="en-US" altLang="zh-CN" dirty="0" smtClean="0"/>
+              <a:t>Output-2</a:t>
+            </a:r>
+            <a:endParaRPr lang="zh-CN" altLang="en-US" dirty="0"/>
+          </a:p>
+        </p:txBody>
+      </p:sp>
+      <p:sp>
+        <p:nvSpPr>
+          <p:cNvPr id="31" name="矩形 30"/>
+          <p:cNvSpPr/>
+          <p:nvPr/>
+        </p:nvSpPr>
+        <p:spPr>
+          <a:xfrm>
+            <a:off x="8432566" y="5578723"/>
+            <a:ext cx="2362200" cy="174171"/>
+          </a:xfrm>
+          <a:prstGeom prst="rect">
+            <a:avLst/>
+          </a:prstGeom>
+          <a:solidFill>
+            <a:schemeClr val="accent3">
+              <a:lumMod val="75000"/>
+            </a:schemeClr>
+          </a:solidFill>
+          <a:ln>
+            <a:solidFill>
+              <a:schemeClr val="accent3">
+                <a:lumMod val="75000"/>
+              </a:schemeClr>
+            </a:solidFill>
+          </a:ln>
+        </p:spPr>
+        <p:style>
+          <a:lnRef idx="2">
+            <a:schemeClr val="accent1">
+              <a:shade val="50000"/>
+            </a:schemeClr>
+          </a:lnRef>
+          <a:fillRef idx="1">
+            <a:schemeClr val="accent1"/>
+          </a:fillRef>
+          <a:effectRef idx="0">
+            <a:schemeClr val="accent1"/>
+          </a:effectRef>
+          <a:fontRef idx="minor">
+            <a:schemeClr val="lt1"/>
+          </a:fontRef>
+        </p:style>
+        <p:txBody>
+          <a:bodyPr rtlCol="0" anchor="ctr"/>
+          <a:lstStyle/>
+          <a:p>
+            <a:pPr algn="ctr"/>
+            <a:r>
+              <a:rPr lang="en-US" altLang="zh-CN" dirty="0" smtClean="0"/>
+              <a:t>Output-3</a:t>
+            </a:r>
+            <a:endParaRPr lang="zh-CN" altLang="en-US" dirty="0"/>
+          </a:p>
+        </p:txBody>
+      </p:sp>
+      <p:sp>
+        <p:nvSpPr>
+          <p:cNvPr id="3" name="下箭头 2"/>
+          <p:cNvSpPr/>
+          <p:nvPr/>
+        </p:nvSpPr>
+        <p:spPr>
+          <a:xfrm>
+            <a:off x="2446579" y="4695609"/>
+            <a:ext cx="150630" cy="570603"/>
+          </a:xfrm>
+          <a:prstGeom prst="downArrow">
+            <a:avLst/>
+          </a:prstGeom>
+        </p:spPr>
+        <p:style>
+          <a:lnRef idx="2">
+            <a:schemeClr val="accent1">
+              <a:shade val="50000"/>
+            </a:schemeClr>
+          </a:lnRef>
+          <a:fillRef idx="1">
+            <a:schemeClr val="accent1"/>
+          </a:fillRef>
+          <a:effectRef idx="0">
+            <a:schemeClr val="accent1"/>
+          </a:effectRef>
+          <a:fontRef idx="minor">
+            <a:schemeClr val="lt1"/>
+          </a:fontRef>
+        </p:style>
+        <p:txBody>
+          <a:bodyPr rtlCol="0" anchor="ctr"/>
+          <a:lstStyle/>
+          <a:p>
+            <a:pPr algn="ctr"/>
+            <a:endParaRPr lang="zh-CN" altLang="en-US"/>
+          </a:p>
+        </p:txBody>
+      </p:sp>
+      <p:sp>
+        <p:nvSpPr>
+          <p:cNvPr id="32" name="下箭头 31"/>
+          <p:cNvSpPr/>
+          <p:nvPr/>
+        </p:nvSpPr>
+        <p:spPr>
+          <a:xfrm>
+            <a:off x="5903134" y="4700409"/>
+            <a:ext cx="150630" cy="570603"/>
+          </a:xfrm>
+          <a:prstGeom prst="downArrow">
+            <a:avLst/>
+          </a:prstGeom>
+        </p:spPr>
+        <p:style>
+          <a:lnRef idx="2">
+            <a:schemeClr val="accent1">
+              <a:shade val="50000"/>
+            </a:schemeClr>
+          </a:lnRef>
+          <a:fillRef idx="1">
+            <a:schemeClr val="accent1"/>
+          </a:fillRef>
+          <a:effectRef idx="0">
+            <a:schemeClr val="accent1"/>
+          </a:effectRef>
+          <a:fontRef idx="minor">
+            <a:schemeClr val="lt1"/>
+          </a:fontRef>
+        </p:style>
+        <p:txBody>
+          <a:bodyPr rtlCol="0" anchor="ctr"/>
+          <a:lstStyle/>
+          <a:p>
+            <a:pPr algn="ctr"/>
+            <a:endParaRPr lang="zh-CN" altLang="en-US"/>
+          </a:p>
+        </p:txBody>
+      </p:sp>
+      <p:sp>
+        <p:nvSpPr>
+          <p:cNvPr id="33" name="下箭头 32"/>
+          <p:cNvSpPr/>
+          <p:nvPr/>
+        </p:nvSpPr>
+        <p:spPr>
+          <a:xfrm>
+            <a:off x="9285563" y="4819610"/>
+            <a:ext cx="150630" cy="570603"/>
+          </a:xfrm>
+          <a:prstGeom prst="downArrow">
+            <a:avLst/>
+          </a:prstGeom>
+        </p:spPr>
+        <p:style>
+          <a:lnRef idx="2">
+            <a:schemeClr val="accent1">
+              <a:shade val="50000"/>
+            </a:schemeClr>
+          </a:lnRef>
+          <a:fillRef idx="1">
+            <a:schemeClr val="accent1"/>
+          </a:fillRef>
+          <a:effectRef idx="0">
+            <a:schemeClr val="accent1"/>
+          </a:effectRef>
+          <a:fontRef idx="minor">
+            <a:schemeClr val="lt1"/>
+          </a:fontRef>
+        </p:style>
+        <p:txBody>
+          <a:bodyPr rtlCol="0" anchor="ctr"/>
+          <a:lstStyle/>
+          <a:p>
+            <a:pPr algn="ctr"/>
+            <a:endParaRPr lang="zh-CN" altLang="en-US"/>
           </a:p>
         </p:txBody>
       </p:sp>
@@ -7984,15 +8284,15 @@
               <a:buNone/>
             </a:pPr>
             <a:r>
-              <a:rPr lang="zh-CN" altLang="en-US" dirty="0" smtClean="0"/>
+              <a:rPr lang="zh-CN" altLang="en-US" sz="2400" dirty="0" smtClean="0"/>
               <a:t>音频</a:t>
             </a:r>
             <a:r>
-              <a:rPr lang="zh-CN" altLang="en-US" dirty="0"/>
+              <a:rPr lang="zh-CN" altLang="en-US" sz="2400" dirty="0"/>
               <a:t>数据定位函数：</a:t>
             </a:r>
             <a:r>
-              <a:rPr lang="en-US" altLang="zh-CN" dirty="0"/>
+              <a:rPr lang="en-US" altLang="zh-CN" sz="2400" dirty="0"/>
               <a:t>offset = F(seconds)</a:t>
             </a:r>
           </a:p>
@@ -8009,7 +8309,7 @@
         </p:nvSpPr>
         <p:spPr>
           <a:xfrm>
-            <a:off x="5063463" y="3071004"/>
+            <a:off x="3518396" y="3105838"/>
             <a:ext cx="1777042" cy="1587260"/>
           </a:xfrm>
           <a:prstGeom prst="rect">
@@ -8074,8 +8374,8 @@
         </p:nvCxnSpPr>
         <p:spPr>
           <a:xfrm>
-            <a:off x="3105509" y="3864634"/>
-            <a:ext cx="1957954" cy="0"/>
+            <a:off x="2035002" y="3897495"/>
+            <a:ext cx="1483394" cy="1973"/>
           </a:xfrm>
           <a:prstGeom prst="straightConnector1">
             <a:avLst/>
@@ -8104,13 +8404,14 @@
           <p:cNvPr id="8" name="直接箭头连接符 7"/>
           <p:cNvCxnSpPr>
             <a:stCxn id="4" idx="3"/>
+            <a:endCxn id="12" idx="1"/>
           </p:cNvCxnSpPr>
           <p:nvPr/>
         </p:nvCxnSpPr>
         <p:spPr>
           <a:xfrm>
-            <a:off x="6840505" y="3864634"/>
-            <a:ext cx="1872174" cy="0"/>
+            <a:off x="5295438" y="3899468"/>
+            <a:ext cx="967802" cy="12348"/>
           </a:xfrm>
           <a:prstGeom prst="straightConnector1">
             <a:avLst/>
@@ -8142,7 +8443,7 @@
         </p:nvSpPr>
         <p:spPr>
           <a:xfrm>
-            <a:off x="3105509" y="3385081"/>
+            <a:off x="2526703" y="3415851"/>
             <a:ext cx="679994" cy="369332"/>
           </a:xfrm>
           <a:prstGeom prst="rect">
@@ -8172,7 +8473,7 @@
         </p:nvSpPr>
         <p:spPr>
           <a:xfrm>
-            <a:off x="7684226" y="3391936"/>
+            <a:off x="5366405" y="3484361"/>
             <a:ext cx="825867" cy="369332"/>
           </a:xfrm>
           <a:prstGeom prst="rect">
@@ -8202,7 +8503,7 @@
         </p:nvSpPr>
         <p:spPr>
           <a:xfrm>
-            <a:off x="1879933" y="3576602"/>
+            <a:off x="1035981" y="3602489"/>
             <a:ext cx="1173192" cy="524289"/>
           </a:xfrm>
           <a:prstGeom prst="rect">
@@ -8257,7 +8558,7 @@
         </p:nvSpPr>
         <p:spPr>
           <a:xfrm>
-            <a:off x="8730072" y="3567009"/>
+            <a:off x="6263240" y="3640079"/>
             <a:ext cx="983411" cy="543473"/>
           </a:xfrm>
           <a:prstGeom prst="rect">
@@ -8304,6 +8605,36 @@
           </a:p>
         </p:txBody>
       </p:sp>
+      <p:pic>
+        <p:nvPicPr>
+          <p:cNvPr id="15" name="图片 14"/>
+          <p:cNvPicPr>
+            <a:picLocks noChangeAspect="1"/>
+          </p:cNvPicPr>
+          <p:nvPr/>
+        </p:nvPicPr>
+        <p:blipFill>
+          <a:blip r:embed="rId2">
+            <a:extLst>
+              <a:ext uri="{28A0092B-C50C-407E-A947-70E740481C1C}">
+                <a14:useLocalDpi xmlns:a14="http://schemas.microsoft.com/office/drawing/2010/main" val="0"/>
+              </a:ext>
+            </a:extLst>
+          </a:blip>
+          <a:stretch>
+            <a:fillRect/>
+          </a:stretch>
+        </p:blipFill>
+        <p:spPr>
+          <a:xfrm>
+            <a:off x="7405222" y="2468812"/>
+            <a:ext cx="4486901" cy="3429479"/>
+          </a:xfrm>
+          <a:prstGeom prst="rect">
+            <a:avLst/>
+          </a:prstGeom>
+        </p:spPr>
+      </p:pic>
     </p:spTree>
     <p:extLst>
       <p:ext uri="{BB962C8B-B14F-4D97-AF65-F5344CB8AC3E}">
@@ -9833,11 +10164,7 @@
             </a:r>
             <a:r>
               <a:rPr lang="zh-CN" altLang="en-US" sz="1800" b="1" dirty="0" smtClean="0"/>
-              <a:t>，会出现杂音现象</a:t>
-            </a:r>
-            <a:r>
-              <a:rPr lang="zh-CN" altLang="en-US" sz="1800" b="1" dirty="0" smtClean="0"/>
-              <a:t>。</a:t>
+              <a:t>，会出现杂音现象。</a:t>
             </a:r>
             <a:endParaRPr lang="en-US" altLang="zh-CN" sz="1800" b="1" dirty="0" smtClean="0"/>
           </a:p>
